--- a/presentations/Koncowa Prezentacja - Przewidywanie hepatoksycznosci - Dawid Szczerba - Copy.pptx
+++ b/presentations/Koncowa Prezentacja - Przewidywanie hepatoksycznosci - Dawid Szczerba - Copy.pptx
@@ -5,24 +5,23 @@
     <p:sldMasterId id="2147483660" r:id="rId1"/>
   </p:sldMasterIdLst>
   <p:notesMasterIdLst>
-    <p:notesMasterId r:id="rId17"/>
+    <p:notesMasterId r:id="rId16"/>
   </p:notesMasterIdLst>
   <p:sldIdLst>
     <p:sldId id="256" r:id="rId2"/>
     <p:sldId id="260" r:id="rId3"/>
-    <p:sldId id="263" r:id="rId4"/>
-    <p:sldId id="264" r:id="rId5"/>
-    <p:sldId id="265" r:id="rId6"/>
-    <p:sldId id="266" r:id="rId7"/>
-    <p:sldId id="267" r:id="rId8"/>
-    <p:sldId id="268" r:id="rId9"/>
-    <p:sldId id="269" r:id="rId10"/>
-    <p:sldId id="273" r:id="rId11"/>
-    <p:sldId id="274" r:id="rId12"/>
-    <p:sldId id="275" r:id="rId13"/>
-    <p:sldId id="276" r:id="rId14"/>
-    <p:sldId id="272" r:id="rId15"/>
-    <p:sldId id="262" r:id="rId16"/>
+    <p:sldId id="264" r:id="rId4"/>
+    <p:sldId id="263" r:id="rId5"/>
+    <p:sldId id="279" r:id="rId6"/>
+    <p:sldId id="280" r:id="rId7"/>
+    <p:sldId id="269" r:id="rId8"/>
+    <p:sldId id="282" r:id="rId9"/>
+    <p:sldId id="273" r:id="rId10"/>
+    <p:sldId id="285" r:id="rId11"/>
+    <p:sldId id="283" r:id="rId12"/>
+    <p:sldId id="272" r:id="rId13"/>
+    <p:sldId id="286" r:id="rId14"/>
+    <p:sldId id="262" r:id="rId15"/>
   </p:sldIdLst>
   <p:sldSz cx="12192000" cy="6858000"/>
   <p:notesSz cx="6858000" cy="9144000"/>
@@ -211,7 +210,7 @@
           <a:p>
             <a:fld id="{BE94E56B-98DA-4F91-9ADC-FA6827D46689}" type="datetimeFigureOut">
               <a:rPr lang="pl-PL" smtClean="0"/>
-              <a:t>21.01.2022</a:t>
+              <a:t>23.01.2022</a:t>
             </a:fld>
             <a:endParaRPr lang="pl-PL"/>
           </a:p>
@@ -478,6 +477,919 @@
 </p:notesMaster>
 </file>
 
+<file path=ppt/notesSlides/notesSlide1.xml><?xml version="1.0" encoding="utf-8"?>
+<p:notes xmlns:a="http://schemas.openxmlformats.org/drawingml/2006/main" xmlns:r="http://schemas.openxmlformats.org/officeDocument/2006/relationships" xmlns:p="http://schemas.openxmlformats.org/presentationml/2006/main">
+  <p:cSld>
+    <p:spTree>
+      <p:nvGrpSpPr>
+        <p:cNvPr id="1" name=""/>
+        <p:cNvGrpSpPr/>
+        <p:nvPr/>
+      </p:nvGrpSpPr>
+      <p:grpSpPr>
+        <a:xfrm>
+          <a:off x="0" y="0"/>
+          <a:ext cx="0" cy="0"/>
+          <a:chOff x="0" y="0"/>
+          <a:chExt cx="0" cy="0"/>
+        </a:xfrm>
+      </p:grpSpPr>
+      <p:sp>
+        <p:nvSpPr>
+          <p:cNvPr id="2" name="Symbol zastępczy obrazu slajdu 1"/>
+          <p:cNvSpPr>
+            <a:spLocks noGrp="1" noRot="1" noChangeAspect="1"/>
+          </p:cNvSpPr>
+          <p:nvPr>
+            <p:ph type="sldImg"/>
+          </p:nvPr>
+        </p:nvSpPr>
+        <p:spPr/>
+      </p:sp>
+      <p:sp>
+        <p:nvSpPr>
+          <p:cNvPr id="3" name="Symbol zastępczy notatek 2"/>
+          <p:cNvSpPr>
+            <a:spLocks noGrp="1"/>
+          </p:cNvSpPr>
+          <p:nvPr>
+            <p:ph type="body" idx="1"/>
+          </p:nvPr>
+        </p:nvSpPr>
+        <p:spPr/>
+        <p:txBody>
+          <a:bodyPr/>
+          <a:lstStyle/>
+          <a:p>
+            <a:r>
+              <a:rPr lang="pl-PL" sz="1200" dirty="0"/>
+              <a:t>Określenie </a:t>
+            </a:r>
+            <a:r>
+              <a:rPr lang="pl-PL" sz="1200" dirty="0" err="1"/>
+              <a:t>hepatoksyczności</a:t>
+            </a:r>
+            <a:r>
+              <a:rPr lang="pl-PL" sz="1200" dirty="0"/>
+              <a:t> leku jest trudnym zadaniem, ponieważ nawet badania na zwierzętach nie pozwalają skutecznie przewidzieć potencjału DILI u ludzi.</a:t>
+            </a:r>
+          </a:p>
+          <a:p>
+            <a:r>
+              <a:rPr lang="pl-PL" sz="1200" dirty="0"/>
+              <a:t>Model daje nam możliwość odrzucenia związków </a:t>
+            </a:r>
+            <a:r>
+              <a:rPr lang="pl-PL" sz="1200" dirty="0" err="1"/>
+              <a:t>kardiotoksycznych</a:t>
+            </a:r>
+            <a:r>
+              <a:rPr lang="pl-PL" sz="1200" dirty="0"/>
+              <a:t>, co się wiąże że nie będzie potrzeby długiego testowania </a:t>
+            </a:r>
+            <a:r>
+              <a:rPr lang="pl-PL" sz="1200" dirty="0" err="1"/>
+              <a:t>laboratyjnego</a:t>
+            </a:r>
+            <a:endParaRPr lang="pl-PL" dirty="0"/>
+          </a:p>
+        </p:txBody>
+      </p:sp>
+      <p:sp>
+        <p:nvSpPr>
+          <p:cNvPr id="4" name="Symbol zastępczy numeru slajdu 3"/>
+          <p:cNvSpPr>
+            <a:spLocks noGrp="1"/>
+          </p:cNvSpPr>
+          <p:nvPr>
+            <p:ph type="sldNum" sz="quarter" idx="5"/>
+          </p:nvPr>
+        </p:nvSpPr>
+        <p:spPr/>
+        <p:txBody>
+          <a:bodyPr/>
+          <a:lstStyle/>
+          <a:p>
+            <a:fld id="{91325FA0-4619-4A7A-964B-5E6104EC0AEA}" type="slidenum">
+              <a:rPr lang="pl-PL" smtClean="0"/>
+              <a:t>2</a:t>
+            </a:fld>
+            <a:endParaRPr lang="pl-PL"/>
+          </a:p>
+        </p:txBody>
+      </p:sp>
+    </p:spTree>
+    <p:extLst>
+      <p:ext uri="{BB962C8B-B14F-4D97-AF65-F5344CB8AC3E}">
+        <p14:creationId xmlns:p14="http://schemas.microsoft.com/office/powerpoint/2010/main" val="3351302474"/>
+      </p:ext>
+    </p:extLst>
+  </p:cSld>
+  <p:clrMapOvr>
+    <a:masterClrMapping/>
+  </p:clrMapOvr>
+</p:notes>
+</file>
+
+<file path=ppt/notesSlides/notesSlide2.xml><?xml version="1.0" encoding="utf-8"?>
+<p:notes xmlns:a="http://schemas.openxmlformats.org/drawingml/2006/main" xmlns:r="http://schemas.openxmlformats.org/officeDocument/2006/relationships" xmlns:p="http://schemas.openxmlformats.org/presentationml/2006/main">
+  <p:cSld>
+    <p:spTree>
+      <p:nvGrpSpPr>
+        <p:cNvPr id="1" name=""/>
+        <p:cNvGrpSpPr/>
+        <p:nvPr/>
+      </p:nvGrpSpPr>
+      <p:grpSpPr>
+        <a:xfrm>
+          <a:off x="0" y="0"/>
+          <a:ext cx="0" cy="0"/>
+          <a:chOff x="0" y="0"/>
+          <a:chExt cx="0" cy="0"/>
+        </a:xfrm>
+      </p:grpSpPr>
+      <p:sp>
+        <p:nvSpPr>
+          <p:cNvPr id="2" name="Symbol zastępczy obrazu slajdu 1"/>
+          <p:cNvSpPr>
+            <a:spLocks noGrp="1" noRot="1" noChangeAspect="1"/>
+          </p:cNvSpPr>
+          <p:nvPr>
+            <p:ph type="sldImg"/>
+          </p:nvPr>
+        </p:nvSpPr>
+        <p:spPr/>
+      </p:sp>
+      <p:sp>
+        <p:nvSpPr>
+          <p:cNvPr id="3" name="Symbol zastępczy notatek 2"/>
+          <p:cNvSpPr>
+            <a:spLocks noGrp="1"/>
+          </p:cNvSpPr>
+          <p:nvPr>
+            <p:ph type="body" idx="1"/>
+          </p:nvPr>
+        </p:nvSpPr>
+        <p:spPr/>
+        <p:txBody>
+          <a:bodyPr/>
+          <a:lstStyle/>
+          <a:p>
+            <a:r>
+              <a:rPr lang="pl-PL" dirty="0" err="1"/>
+              <a:t>Umozliwilo</a:t>
+            </a:r>
+            <a:r>
+              <a:rPr lang="pl-PL" dirty="0"/>
+              <a:t> nam to wybranie najlepszych </a:t>
+            </a:r>
+            <a:r>
+              <a:rPr lang="pl-PL" dirty="0" err="1"/>
+              <a:t>hiperparametrow</a:t>
+            </a:r>
+            <a:r>
+              <a:rPr lang="pl-PL" dirty="0"/>
+              <a:t> dla każdego modelu</a:t>
+            </a:r>
+          </a:p>
+        </p:txBody>
+      </p:sp>
+      <p:sp>
+        <p:nvSpPr>
+          <p:cNvPr id="4" name="Symbol zastępczy numeru slajdu 3"/>
+          <p:cNvSpPr>
+            <a:spLocks noGrp="1"/>
+          </p:cNvSpPr>
+          <p:nvPr>
+            <p:ph type="sldNum" sz="quarter" idx="5"/>
+          </p:nvPr>
+        </p:nvSpPr>
+        <p:spPr/>
+        <p:txBody>
+          <a:bodyPr/>
+          <a:lstStyle/>
+          <a:p>
+            <a:fld id="{91325FA0-4619-4A7A-964B-5E6104EC0AEA}" type="slidenum">
+              <a:rPr lang="pl-PL" smtClean="0"/>
+              <a:t>5</a:t>
+            </a:fld>
+            <a:endParaRPr lang="pl-PL"/>
+          </a:p>
+        </p:txBody>
+      </p:sp>
+    </p:spTree>
+    <p:extLst>
+      <p:ext uri="{BB962C8B-B14F-4D97-AF65-F5344CB8AC3E}">
+        <p14:creationId xmlns:p14="http://schemas.microsoft.com/office/powerpoint/2010/main" val="3132861675"/>
+      </p:ext>
+    </p:extLst>
+  </p:cSld>
+  <p:clrMapOvr>
+    <a:masterClrMapping/>
+  </p:clrMapOvr>
+</p:notes>
+</file>
+
+<file path=ppt/notesSlides/notesSlide3.xml><?xml version="1.0" encoding="utf-8"?>
+<p:notes xmlns:a="http://schemas.openxmlformats.org/drawingml/2006/main" xmlns:r="http://schemas.openxmlformats.org/officeDocument/2006/relationships" xmlns:p="http://schemas.openxmlformats.org/presentationml/2006/main">
+  <p:cSld>
+    <p:spTree>
+      <p:nvGrpSpPr>
+        <p:cNvPr id="1" name=""/>
+        <p:cNvGrpSpPr/>
+        <p:nvPr/>
+      </p:nvGrpSpPr>
+      <p:grpSpPr>
+        <a:xfrm>
+          <a:off x="0" y="0"/>
+          <a:ext cx="0" cy="0"/>
+          <a:chOff x="0" y="0"/>
+          <a:chExt cx="0" cy="0"/>
+        </a:xfrm>
+      </p:grpSpPr>
+      <p:sp>
+        <p:nvSpPr>
+          <p:cNvPr id="2" name="Symbol zastępczy obrazu slajdu 1"/>
+          <p:cNvSpPr>
+            <a:spLocks noGrp="1" noRot="1" noChangeAspect="1"/>
+          </p:cNvSpPr>
+          <p:nvPr>
+            <p:ph type="sldImg"/>
+          </p:nvPr>
+        </p:nvSpPr>
+        <p:spPr/>
+      </p:sp>
+      <p:sp>
+        <p:nvSpPr>
+          <p:cNvPr id="3" name="Symbol zastępczy notatek 2"/>
+          <p:cNvSpPr>
+            <a:spLocks noGrp="1"/>
+          </p:cNvSpPr>
+          <p:nvPr>
+            <p:ph type="body" idx="1"/>
+          </p:nvPr>
+        </p:nvSpPr>
+        <p:spPr/>
+        <p:txBody>
+          <a:bodyPr/>
+          <a:lstStyle/>
+          <a:p>
+            <a:r>
+              <a:rPr lang="pl-PL" dirty="0"/>
+              <a:t>Zapisano wyniki dla każdego modelu, zapisano wytrenowane modele, zapisano </a:t>
+            </a:r>
+          </a:p>
+        </p:txBody>
+      </p:sp>
+      <p:sp>
+        <p:nvSpPr>
+          <p:cNvPr id="4" name="Symbol zastępczy numeru slajdu 3"/>
+          <p:cNvSpPr>
+            <a:spLocks noGrp="1"/>
+          </p:cNvSpPr>
+          <p:nvPr>
+            <p:ph type="sldNum" sz="quarter" idx="5"/>
+          </p:nvPr>
+        </p:nvSpPr>
+        <p:spPr/>
+        <p:txBody>
+          <a:bodyPr/>
+          <a:lstStyle/>
+          <a:p>
+            <a:fld id="{91325FA0-4619-4A7A-964B-5E6104EC0AEA}" type="slidenum">
+              <a:rPr lang="pl-PL" smtClean="0"/>
+              <a:t>6</a:t>
+            </a:fld>
+            <a:endParaRPr lang="pl-PL"/>
+          </a:p>
+        </p:txBody>
+      </p:sp>
+    </p:spTree>
+    <p:extLst>
+      <p:ext uri="{BB962C8B-B14F-4D97-AF65-F5344CB8AC3E}">
+        <p14:creationId xmlns:p14="http://schemas.microsoft.com/office/powerpoint/2010/main" val="1738386394"/>
+      </p:ext>
+    </p:extLst>
+  </p:cSld>
+  <p:clrMapOvr>
+    <a:masterClrMapping/>
+  </p:clrMapOvr>
+</p:notes>
+</file>
+
+<file path=ppt/notesSlides/notesSlide4.xml><?xml version="1.0" encoding="utf-8"?>
+<p:notes xmlns:a="http://schemas.openxmlformats.org/drawingml/2006/main" xmlns:r="http://schemas.openxmlformats.org/officeDocument/2006/relationships" xmlns:p="http://schemas.openxmlformats.org/presentationml/2006/main">
+  <p:cSld>
+    <p:spTree>
+      <p:nvGrpSpPr>
+        <p:cNvPr id="1" name=""/>
+        <p:cNvGrpSpPr/>
+        <p:nvPr/>
+      </p:nvGrpSpPr>
+      <p:grpSpPr>
+        <a:xfrm>
+          <a:off x="0" y="0"/>
+          <a:ext cx="0" cy="0"/>
+          <a:chOff x="0" y="0"/>
+          <a:chExt cx="0" cy="0"/>
+        </a:xfrm>
+      </p:grpSpPr>
+      <p:sp>
+        <p:nvSpPr>
+          <p:cNvPr id="2" name="Symbol zastępczy obrazu slajdu 1"/>
+          <p:cNvSpPr>
+            <a:spLocks noGrp="1" noRot="1" noChangeAspect="1"/>
+          </p:cNvSpPr>
+          <p:nvPr>
+            <p:ph type="sldImg"/>
+          </p:nvPr>
+        </p:nvSpPr>
+        <p:spPr/>
+      </p:sp>
+      <p:sp>
+        <p:nvSpPr>
+          <p:cNvPr id="3" name="Symbol zastępczy notatek 2"/>
+          <p:cNvSpPr>
+            <a:spLocks noGrp="1"/>
+          </p:cNvSpPr>
+          <p:nvPr>
+            <p:ph type="body" idx="1"/>
+          </p:nvPr>
+        </p:nvSpPr>
+        <p:spPr/>
+        <p:txBody>
+          <a:bodyPr/>
+          <a:lstStyle/>
+          <a:p>
+            <a:pPr marL="0" marR="0" lvl="0" indent="0" algn="l" defTabSz="914400" rtl="0" eaLnBrk="1" fontAlgn="auto" latinLnBrk="0" hangingPunct="1">
+              <a:lnSpc>
+                <a:spcPct val="100000"/>
+              </a:lnSpc>
+              <a:spcBef>
+                <a:spcPts val="0"/>
+              </a:spcBef>
+              <a:spcAft>
+                <a:spcPts val="0"/>
+              </a:spcAft>
+              <a:buClrTx/>
+              <a:buSzTx/>
+              <a:buFontTx/>
+              <a:buNone/>
+              <a:tabLst/>
+              <a:defRPr/>
+            </a:pPr>
+            <a:r>
+              <a:rPr lang="pl-PL" b="0" i="0" dirty="0">
+                <a:solidFill>
+                  <a:srgbClr val="595959"/>
+                </a:solidFill>
+                <a:effectLst/>
+                <a:latin typeface="Muli"/>
+              </a:rPr>
+              <a:t>LIME - </a:t>
+            </a:r>
+            <a:r>
+              <a:rPr lang="pl-PL" b="0" i="0" dirty="0" err="1">
+                <a:solidFill>
+                  <a:srgbClr val="595959"/>
+                </a:solidFill>
+                <a:effectLst/>
+                <a:latin typeface="Muli"/>
+              </a:rPr>
+              <a:t>Local</a:t>
+            </a:r>
+            <a:r>
+              <a:rPr lang="pl-PL" b="0" i="0" dirty="0">
+                <a:solidFill>
+                  <a:srgbClr val="595959"/>
+                </a:solidFill>
+                <a:effectLst/>
+                <a:latin typeface="Muli"/>
+              </a:rPr>
+              <a:t> </a:t>
+            </a:r>
+            <a:r>
+              <a:rPr lang="pl-PL" b="0" i="0" dirty="0" err="1">
+                <a:solidFill>
+                  <a:srgbClr val="595959"/>
+                </a:solidFill>
+                <a:effectLst/>
+                <a:latin typeface="Muli"/>
+              </a:rPr>
+              <a:t>Interpretable</a:t>
+            </a:r>
+            <a:r>
+              <a:rPr lang="pl-PL" b="0" i="0" dirty="0">
+                <a:solidFill>
+                  <a:srgbClr val="595959"/>
+                </a:solidFill>
+                <a:effectLst/>
+                <a:latin typeface="Muli"/>
+              </a:rPr>
+              <a:t> Model-</a:t>
+            </a:r>
+            <a:r>
+              <a:rPr lang="pl-PL" b="0" i="0" dirty="0" err="1">
+                <a:solidFill>
+                  <a:srgbClr val="595959"/>
+                </a:solidFill>
+                <a:effectLst/>
+                <a:latin typeface="Muli"/>
+              </a:rPr>
+              <a:t>Agnostic</a:t>
+            </a:r>
+            <a:r>
+              <a:rPr lang="pl-PL" b="0" i="0" dirty="0">
+                <a:solidFill>
+                  <a:srgbClr val="595959"/>
+                </a:solidFill>
+                <a:effectLst/>
+                <a:latin typeface="Muli"/>
+              </a:rPr>
+              <a:t> </a:t>
+            </a:r>
+            <a:r>
+              <a:rPr lang="pl-PL" b="0" i="0" dirty="0" err="1">
+                <a:solidFill>
+                  <a:srgbClr val="595959"/>
+                </a:solidFill>
+                <a:effectLst/>
+                <a:latin typeface="Muli"/>
+              </a:rPr>
+              <a:t>Explanations</a:t>
+            </a:r>
+            <a:endParaRPr lang="pl-PL" b="0" i="0" dirty="0">
+              <a:solidFill>
+                <a:srgbClr val="595959"/>
+              </a:solidFill>
+              <a:effectLst/>
+              <a:latin typeface="Muli"/>
+            </a:endParaRPr>
+          </a:p>
+          <a:p>
+            <a:r>
+              <a:rPr lang="pl-PL" dirty="0" err="1"/>
+              <a:t>Glownym</a:t>
+            </a:r>
+            <a:r>
+              <a:rPr lang="pl-PL" dirty="0"/>
+              <a:t> zadaniem </a:t>
+            </a:r>
+            <a:r>
+              <a:rPr lang="pl-PL" dirty="0" err="1"/>
+              <a:t>frameworka</a:t>
+            </a:r>
+            <a:r>
+              <a:rPr lang="pl-PL" dirty="0"/>
+              <a:t> </a:t>
+            </a:r>
+            <a:r>
+              <a:rPr lang="pl-PL" dirty="0" err="1"/>
+              <a:t>Lime</a:t>
+            </a:r>
+            <a:r>
+              <a:rPr lang="pl-PL" dirty="0"/>
+              <a:t> jest wygenerowanie </a:t>
+            </a:r>
+            <a:r>
+              <a:rPr lang="pl-PL" dirty="0" err="1"/>
+              <a:t>wyjasnien</a:t>
+            </a:r>
+            <a:r>
+              <a:rPr lang="pl-PL" dirty="0"/>
+              <a:t> przewidywania dowolnego modelu uczenia maszynowego</a:t>
+            </a:r>
+          </a:p>
+          <a:p>
+            <a:r>
+              <a:rPr lang="pl-PL" dirty="0"/>
+              <a:t>Daje nam możliwość </a:t>
+            </a:r>
+            <a:r>
+              <a:rPr lang="pl-PL" b="0" i="0" dirty="0" err="1">
+                <a:solidFill>
+                  <a:srgbClr val="595959"/>
+                </a:solidFill>
+                <a:effectLst/>
+                <a:latin typeface="Muli"/>
+              </a:rPr>
+              <a:t>możliwość</a:t>
+            </a:r>
+            <a:r>
+              <a:rPr lang="pl-PL" b="0" i="0" dirty="0">
+                <a:solidFill>
+                  <a:srgbClr val="595959"/>
+                </a:solidFill>
+                <a:effectLst/>
+                <a:latin typeface="Muli"/>
+              </a:rPr>
+              <a:t> wyjaśnienia i interpretacji wyników modeli wykorzystujących dane tekstowe, tabularyczne czy obrazy.</a:t>
+            </a:r>
+          </a:p>
+          <a:p>
+            <a:pPr algn="l">
+              <a:buFont typeface="Arial" panose="020B0604020202020204" pitchFamily="34" charset="0"/>
+              <a:buChar char="•"/>
+            </a:pPr>
+            <a:r>
+              <a:rPr lang="pl-PL" b="0" i="0" dirty="0" err="1">
+                <a:solidFill>
+                  <a:srgbClr val="595959"/>
+                </a:solidFill>
+                <a:effectLst/>
+                <a:latin typeface="Muli"/>
+              </a:rPr>
+              <a:t>Local</a:t>
+            </a:r>
+            <a:r>
+              <a:rPr lang="pl-PL" b="0" i="0" dirty="0">
+                <a:solidFill>
+                  <a:srgbClr val="595959"/>
+                </a:solidFill>
+                <a:effectLst/>
+                <a:latin typeface="Muli"/>
+              </a:rPr>
+              <a:t> – używa lokalnie ważonej regresji liniowej,</a:t>
+            </a:r>
+          </a:p>
+          <a:p>
+            <a:pPr algn="l">
+              <a:buFont typeface="Arial" panose="020B0604020202020204" pitchFamily="34" charset="0"/>
+              <a:buChar char="•"/>
+            </a:pPr>
+            <a:r>
+              <a:rPr lang="pl-PL" b="0" i="0" dirty="0" err="1">
+                <a:solidFill>
+                  <a:srgbClr val="595959"/>
+                </a:solidFill>
+                <a:effectLst/>
+                <a:latin typeface="Muli"/>
+              </a:rPr>
+              <a:t>Interpretable</a:t>
+            </a:r>
+            <a:r>
+              <a:rPr lang="pl-PL" b="0" i="0" dirty="0">
+                <a:solidFill>
+                  <a:srgbClr val="595959"/>
+                </a:solidFill>
+                <a:effectLst/>
+                <a:latin typeface="Muli"/>
+              </a:rPr>
+              <a:t> </a:t>
+            </a:r>
+            <a:r>
+              <a:rPr lang="pl-PL" b="0" i="0" dirty="0" err="1">
+                <a:solidFill>
+                  <a:srgbClr val="595959"/>
+                </a:solidFill>
+                <a:effectLst/>
+                <a:latin typeface="Muli"/>
+              </a:rPr>
+              <a:t>Explanations</a:t>
+            </a:r>
+            <a:r>
+              <a:rPr lang="pl-PL" b="0" i="0" dirty="0">
+                <a:solidFill>
+                  <a:srgbClr val="595959"/>
+                </a:solidFill>
+                <a:effectLst/>
+                <a:latin typeface="Muli"/>
+              </a:rPr>
+              <a:t> – pozwala na zrozumienie co model robi, które cechy wybiera w celu stworzenia klasyfikatora,</a:t>
+            </a:r>
+          </a:p>
+          <a:p>
+            <a:pPr algn="l">
+              <a:buFont typeface="Arial" panose="020B0604020202020204" pitchFamily="34" charset="0"/>
+              <a:buChar char="•"/>
+            </a:pPr>
+            <a:r>
+              <a:rPr lang="pl-PL" b="0" i="0" dirty="0">
+                <a:solidFill>
+                  <a:srgbClr val="595959"/>
+                </a:solidFill>
+                <a:effectLst/>
+                <a:latin typeface="Muli"/>
+              </a:rPr>
+              <a:t>Model-</a:t>
+            </a:r>
+            <a:r>
+              <a:rPr lang="pl-PL" b="0" i="0" dirty="0" err="1">
+                <a:solidFill>
+                  <a:srgbClr val="595959"/>
+                </a:solidFill>
+                <a:effectLst/>
+                <a:latin typeface="Muli"/>
+              </a:rPr>
+              <a:t>Agnostic</a:t>
+            </a:r>
+            <a:r>
+              <a:rPr lang="pl-PL" b="0" i="0" dirty="0">
+                <a:solidFill>
+                  <a:srgbClr val="595959"/>
+                </a:solidFill>
+                <a:effectLst/>
+                <a:latin typeface="Muli"/>
+              </a:rPr>
+              <a:t> – traktuje model jako czarną skrzynkę.</a:t>
+            </a:r>
+          </a:p>
+          <a:p>
+            <a:pPr algn="l">
+              <a:buFont typeface="Arial" panose="020B0604020202020204" pitchFamily="34" charset="0"/>
+              <a:buChar char="•"/>
+            </a:pPr>
+            <a:endParaRPr lang="pl-PL" b="0" i="0" dirty="0">
+              <a:solidFill>
+                <a:srgbClr val="595959"/>
+              </a:solidFill>
+              <a:effectLst/>
+              <a:latin typeface="Muli"/>
+            </a:endParaRPr>
+          </a:p>
+          <a:p>
+            <a:pPr marL="0" marR="0" lvl="0" indent="0" algn="l" defTabSz="914400" rtl="0" eaLnBrk="1" fontAlgn="auto" latinLnBrk="0" hangingPunct="1">
+              <a:lnSpc>
+                <a:spcPct val="100000"/>
+              </a:lnSpc>
+              <a:spcBef>
+                <a:spcPts val="0"/>
+              </a:spcBef>
+              <a:spcAft>
+                <a:spcPts val="0"/>
+              </a:spcAft>
+              <a:buClrTx/>
+              <a:buSzTx/>
+              <a:buFont typeface="Arial" panose="020B0604020202020204" pitchFamily="34" charset="0"/>
+              <a:buChar char="•"/>
+              <a:tabLst/>
+              <a:defRPr/>
+            </a:pPr>
+            <a:r>
+              <a:rPr lang="pl-PL" dirty="0"/>
+              <a:t>Sprawdziłem 15 dobrych predykcji i 15 najgorszych – po 3 na model</a:t>
+            </a:r>
+          </a:p>
+          <a:p>
+            <a:pPr marL="0" marR="0" lvl="0" indent="0" algn="l" defTabSz="914400" rtl="0" eaLnBrk="1" fontAlgn="auto" latinLnBrk="0" hangingPunct="1">
+              <a:lnSpc>
+                <a:spcPct val="100000"/>
+              </a:lnSpc>
+              <a:spcBef>
+                <a:spcPts val="0"/>
+              </a:spcBef>
+              <a:spcAft>
+                <a:spcPts val="0"/>
+              </a:spcAft>
+              <a:buClrTx/>
+              <a:buSzTx/>
+              <a:buFont typeface="Arial" panose="020B0604020202020204" pitchFamily="34" charset="0"/>
+              <a:buChar char="•"/>
+              <a:tabLst/>
+              <a:defRPr/>
+            </a:pPr>
+            <a:endParaRPr lang="pl-PL" dirty="0"/>
+          </a:p>
+          <a:p>
+            <a:pPr marL="0" marR="0" lvl="0" indent="0" algn="l" defTabSz="914400" rtl="0" eaLnBrk="1" fontAlgn="auto" latinLnBrk="0" hangingPunct="1">
+              <a:lnSpc>
+                <a:spcPct val="100000"/>
+              </a:lnSpc>
+              <a:spcBef>
+                <a:spcPts val="0"/>
+              </a:spcBef>
+              <a:spcAft>
+                <a:spcPts val="0"/>
+              </a:spcAft>
+              <a:buClrTx/>
+              <a:buSzTx/>
+              <a:buFont typeface="Arial" panose="020B0604020202020204" pitchFamily="34" charset="0"/>
+              <a:buChar char="•"/>
+              <a:tabLst/>
+              <a:defRPr/>
+            </a:pPr>
+            <a:r>
+              <a:rPr lang="pl-PL" dirty="0"/>
+              <a:t>Planowałem </a:t>
+            </a:r>
+            <a:r>
+              <a:rPr lang="pl-PL" dirty="0" err="1"/>
+              <a:t>uzyc</a:t>
+            </a:r>
+            <a:r>
+              <a:rPr lang="pl-PL" dirty="0"/>
+              <a:t> tych które pogarszają jakość modelu, ale ze nie ma takich cech nie </a:t>
+            </a:r>
+            <a:r>
+              <a:rPr lang="pl-PL" dirty="0" err="1"/>
+              <a:t>moglem</a:t>
+            </a:r>
+            <a:r>
+              <a:rPr lang="pl-PL" dirty="0"/>
+              <a:t> tego zrobić</a:t>
+            </a:r>
+          </a:p>
+          <a:p>
+            <a:pPr marL="0" marR="0" lvl="0" indent="0" algn="l" defTabSz="914400" rtl="0" eaLnBrk="1" fontAlgn="auto" latinLnBrk="0" hangingPunct="1">
+              <a:lnSpc>
+                <a:spcPct val="100000"/>
+              </a:lnSpc>
+              <a:spcBef>
+                <a:spcPts val="0"/>
+              </a:spcBef>
+              <a:spcAft>
+                <a:spcPts val="0"/>
+              </a:spcAft>
+              <a:buClrTx/>
+              <a:buSzTx/>
+              <a:buFont typeface="Arial" panose="020B0604020202020204" pitchFamily="34" charset="0"/>
+              <a:buChar char="•"/>
+              <a:tabLst/>
+              <a:defRPr/>
+            </a:pPr>
+            <a:endParaRPr lang="pl-PL" dirty="0"/>
+          </a:p>
+          <a:p>
+            <a:pPr marL="0" marR="0" lvl="0" indent="0" algn="l" defTabSz="914400" rtl="0" eaLnBrk="1" fontAlgn="auto" latinLnBrk="0" hangingPunct="1">
+              <a:lnSpc>
+                <a:spcPct val="100000"/>
+              </a:lnSpc>
+              <a:spcBef>
+                <a:spcPts val="0"/>
+              </a:spcBef>
+              <a:spcAft>
+                <a:spcPts val="0"/>
+              </a:spcAft>
+              <a:buClrTx/>
+              <a:buSzTx/>
+              <a:buFont typeface="Arial" panose="020B0604020202020204" pitchFamily="34" charset="0"/>
+              <a:buChar char="•"/>
+              <a:tabLst/>
+              <a:defRPr/>
+            </a:pPr>
+            <a:endParaRPr lang="pl-PL" dirty="0"/>
+          </a:p>
+          <a:p>
+            <a:pPr marL="0" marR="0" lvl="0" indent="0" algn="l" defTabSz="914400" rtl="0" eaLnBrk="1" fontAlgn="auto" latinLnBrk="0" hangingPunct="1">
+              <a:lnSpc>
+                <a:spcPct val="100000"/>
+              </a:lnSpc>
+              <a:spcBef>
+                <a:spcPts val="0"/>
+              </a:spcBef>
+              <a:spcAft>
+                <a:spcPts val="0"/>
+              </a:spcAft>
+              <a:buClrTx/>
+              <a:buSzTx/>
+              <a:buFont typeface="Arial" panose="020B0604020202020204" pitchFamily="34" charset="0"/>
+              <a:buChar char="•"/>
+              <a:tabLst/>
+              <a:defRPr/>
+            </a:pPr>
+            <a:endParaRPr lang="pl-PL" dirty="0"/>
+          </a:p>
+          <a:p>
+            <a:pPr algn="l">
+              <a:buFont typeface="Arial" panose="020B0604020202020204" pitchFamily="34" charset="0"/>
+              <a:buChar char="•"/>
+            </a:pPr>
+            <a:endParaRPr lang="pl-PL" b="0" i="0" dirty="0">
+              <a:solidFill>
+                <a:srgbClr val="595959"/>
+              </a:solidFill>
+              <a:effectLst/>
+              <a:latin typeface="Muli"/>
+            </a:endParaRPr>
+          </a:p>
+          <a:p>
+            <a:endParaRPr lang="pl-PL" dirty="0"/>
+          </a:p>
+        </p:txBody>
+      </p:sp>
+      <p:sp>
+        <p:nvSpPr>
+          <p:cNvPr id="4" name="Symbol zastępczy numeru slajdu 3"/>
+          <p:cNvSpPr>
+            <a:spLocks noGrp="1"/>
+          </p:cNvSpPr>
+          <p:nvPr>
+            <p:ph type="sldNum" sz="quarter" idx="5"/>
+          </p:nvPr>
+        </p:nvSpPr>
+        <p:spPr/>
+        <p:txBody>
+          <a:bodyPr/>
+          <a:lstStyle/>
+          <a:p>
+            <a:fld id="{91325FA0-4619-4A7A-964B-5E6104EC0AEA}" type="slidenum">
+              <a:rPr lang="pl-PL" smtClean="0"/>
+              <a:t>11</a:t>
+            </a:fld>
+            <a:endParaRPr lang="pl-PL"/>
+          </a:p>
+        </p:txBody>
+      </p:sp>
+    </p:spTree>
+    <p:extLst>
+      <p:ext uri="{BB962C8B-B14F-4D97-AF65-F5344CB8AC3E}">
+        <p14:creationId xmlns:p14="http://schemas.microsoft.com/office/powerpoint/2010/main" val="76982647"/>
+      </p:ext>
+    </p:extLst>
+  </p:cSld>
+  <p:clrMapOvr>
+    <a:masterClrMapping/>
+  </p:clrMapOvr>
+</p:notes>
+</file>
+
+<file path=ppt/notesSlides/notesSlide5.xml><?xml version="1.0" encoding="utf-8"?>
+<p:notes xmlns:a="http://schemas.openxmlformats.org/drawingml/2006/main" xmlns:r="http://schemas.openxmlformats.org/officeDocument/2006/relationships" xmlns:p="http://schemas.openxmlformats.org/presentationml/2006/main">
+  <p:cSld>
+    <p:spTree>
+      <p:nvGrpSpPr>
+        <p:cNvPr id="1" name=""/>
+        <p:cNvGrpSpPr/>
+        <p:nvPr/>
+      </p:nvGrpSpPr>
+      <p:grpSpPr>
+        <a:xfrm>
+          <a:off x="0" y="0"/>
+          <a:ext cx="0" cy="0"/>
+          <a:chOff x="0" y="0"/>
+          <a:chExt cx="0" cy="0"/>
+        </a:xfrm>
+      </p:grpSpPr>
+      <p:sp>
+        <p:nvSpPr>
+          <p:cNvPr id="2" name="Symbol zastępczy obrazu slajdu 1"/>
+          <p:cNvSpPr>
+            <a:spLocks noGrp="1" noRot="1" noChangeAspect="1"/>
+          </p:cNvSpPr>
+          <p:nvPr>
+            <p:ph type="sldImg"/>
+          </p:nvPr>
+        </p:nvSpPr>
+        <p:spPr/>
+      </p:sp>
+      <p:sp>
+        <p:nvSpPr>
+          <p:cNvPr id="3" name="Symbol zastępczy notatek 2"/>
+          <p:cNvSpPr>
+            <a:spLocks noGrp="1"/>
+          </p:cNvSpPr>
+          <p:nvPr>
+            <p:ph type="body" idx="1"/>
+          </p:nvPr>
+        </p:nvSpPr>
+        <p:spPr/>
+        <p:txBody>
+          <a:bodyPr/>
+          <a:lstStyle/>
+          <a:p>
+            <a:r>
+              <a:rPr lang="pl-PL" dirty="0"/>
+              <a:t>54 rekordy – to przyczyna tak niskiego wyniku</a:t>
+            </a:r>
+          </a:p>
+        </p:txBody>
+      </p:sp>
+      <p:sp>
+        <p:nvSpPr>
+          <p:cNvPr id="4" name="Symbol zastępczy numeru slajdu 3"/>
+          <p:cNvSpPr>
+            <a:spLocks noGrp="1"/>
+          </p:cNvSpPr>
+          <p:nvPr>
+            <p:ph type="sldNum" sz="quarter" idx="5"/>
+          </p:nvPr>
+        </p:nvSpPr>
+        <p:spPr/>
+        <p:txBody>
+          <a:bodyPr/>
+          <a:lstStyle/>
+          <a:p>
+            <a:fld id="{91325FA0-4619-4A7A-964B-5E6104EC0AEA}" type="slidenum">
+              <a:rPr lang="pl-PL" smtClean="0"/>
+              <a:t>13</a:t>
+            </a:fld>
+            <a:endParaRPr lang="pl-PL"/>
+          </a:p>
+        </p:txBody>
+      </p:sp>
+    </p:spTree>
+    <p:extLst>
+      <p:ext uri="{BB962C8B-B14F-4D97-AF65-F5344CB8AC3E}">
+        <p14:creationId xmlns:p14="http://schemas.microsoft.com/office/powerpoint/2010/main" val="354140816"/>
+      </p:ext>
+    </p:extLst>
+  </p:cSld>
+  <p:clrMapOvr>
+    <a:masterClrMapping/>
+  </p:clrMapOvr>
+</p:notes>
+</file>
+
 <file path=ppt/slideLayouts/slideLayout1.xml><?xml version="1.0" encoding="utf-8"?>
 <p:sldLayout xmlns:a="http://schemas.openxmlformats.org/drawingml/2006/main" xmlns:r="http://schemas.openxmlformats.org/officeDocument/2006/relationships" xmlns:p="http://schemas.openxmlformats.org/presentationml/2006/main" type="title" preserve="1">
   <p:cSld name="Slajd tytułowy">
@@ -617,7 +1529,7 @@
           <a:p>
             <a:fld id="{9B5CE6F7-C4EC-48B7-8BA2-B9C971C53599}" type="datetimeFigureOut">
               <a:rPr lang="pl-PL" smtClean="0"/>
-              <a:t>21.01.2022</a:t>
+              <a:t>23.01.2022</a:t>
             </a:fld>
             <a:endParaRPr lang="pl-PL"/>
           </a:p>
@@ -828,7 +1740,7 @@
           <a:p>
             <a:fld id="{9B5CE6F7-C4EC-48B7-8BA2-B9C971C53599}" type="datetimeFigureOut">
               <a:rPr lang="pl-PL" smtClean="0"/>
-              <a:t>21.01.2022</a:t>
+              <a:t>23.01.2022</a:t>
             </a:fld>
             <a:endParaRPr lang="pl-PL"/>
           </a:p>
@@ -1043,7 +1955,7 @@
           <a:p>
             <a:fld id="{9B5CE6F7-C4EC-48B7-8BA2-B9C971C53599}" type="datetimeFigureOut">
               <a:rPr lang="pl-PL" smtClean="0"/>
-              <a:t>21.01.2022</a:t>
+              <a:t>23.01.2022</a:t>
             </a:fld>
             <a:endParaRPr lang="pl-PL"/>
           </a:p>
@@ -1244,7 +2156,7 @@
           <a:p>
             <a:fld id="{9B5CE6F7-C4EC-48B7-8BA2-B9C971C53599}" type="datetimeFigureOut">
               <a:rPr lang="pl-PL" smtClean="0"/>
-              <a:t>21.01.2022</a:t>
+              <a:t>23.01.2022</a:t>
             </a:fld>
             <a:endParaRPr lang="pl-PL"/>
           </a:p>
@@ -1523,7 +2435,7 @@
           <a:p>
             <a:fld id="{9B5CE6F7-C4EC-48B7-8BA2-B9C971C53599}" type="datetimeFigureOut">
               <a:rPr lang="pl-PL" smtClean="0"/>
-              <a:t>21.01.2022</a:t>
+              <a:t>23.01.2022</a:t>
             </a:fld>
             <a:endParaRPr lang="pl-PL"/>
           </a:p>
@@ -1791,7 +2703,7 @@
           <a:p>
             <a:fld id="{9B5CE6F7-C4EC-48B7-8BA2-B9C971C53599}" type="datetimeFigureOut">
               <a:rPr lang="pl-PL" smtClean="0"/>
-              <a:t>21.01.2022</a:t>
+              <a:t>23.01.2022</a:t>
             </a:fld>
             <a:endParaRPr lang="pl-PL"/>
           </a:p>
@@ -2207,7 +3119,7 @@
           <a:p>
             <a:fld id="{9B5CE6F7-C4EC-48B7-8BA2-B9C971C53599}" type="datetimeFigureOut">
               <a:rPr lang="pl-PL" smtClean="0"/>
-              <a:t>21.01.2022</a:t>
+              <a:t>23.01.2022</a:t>
             </a:fld>
             <a:endParaRPr lang="pl-PL"/>
           </a:p>
@@ -2356,7 +3268,7 @@
           <a:p>
             <a:fld id="{9B5CE6F7-C4EC-48B7-8BA2-B9C971C53599}" type="datetimeFigureOut">
               <a:rPr lang="pl-PL" smtClean="0"/>
-              <a:t>21.01.2022</a:t>
+              <a:t>23.01.2022</a:t>
             </a:fld>
             <a:endParaRPr lang="pl-PL"/>
           </a:p>
@@ -2482,7 +3394,7 @@
           <a:p>
             <a:fld id="{9B5CE6F7-C4EC-48B7-8BA2-B9C971C53599}" type="datetimeFigureOut">
               <a:rPr lang="pl-PL" smtClean="0"/>
-              <a:t>21.01.2022</a:t>
+              <a:t>23.01.2022</a:t>
             </a:fld>
             <a:endParaRPr lang="pl-PL"/>
           </a:p>
@@ -2733,7 +3645,7 @@
           <a:p>
             <a:fld id="{9B5CE6F7-C4EC-48B7-8BA2-B9C971C53599}" type="datetimeFigureOut">
               <a:rPr lang="pl-PL" smtClean="0"/>
-              <a:t>21.01.2022</a:t>
+              <a:t>23.01.2022</a:t>
             </a:fld>
             <a:endParaRPr lang="pl-PL"/>
           </a:p>
@@ -3178,7 +4090,7 @@
           <a:p>
             <a:fld id="{9B5CE6F7-C4EC-48B7-8BA2-B9C971C53599}" type="datetimeFigureOut">
               <a:rPr lang="pl-PL" smtClean="0"/>
-              <a:t>21.01.2022</a:t>
+              <a:t>23.01.2022</a:t>
             </a:fld>
             <a:endParaRPr lang="pl-PL"/>
           </a:p>
@@ -3505,7 +4417,7 @@
           <a:p>
             <a:fld id="{9B5CE6F7-C4EC-48B7-8BA2-B9C971C53599}" type="datetimeFigureOut">
               <a:rPr lang="pl-PL" smtClean="0"/>
-              <a:t>21.01.2022</a:t>
+              <a:t>23.01.2022</a:t>
             </a:fld>
             <a:endParaRPr lang="pl-PL"/>
           </a:p>
@@ -4270,6 +5182,41 @@
           </a:fontRef>
         </p:style>
       </p:cxnSp>
+      <p:sp>
+        <p:nvSpPr>
+          <p:cNvPr id="8" name="pole tekstowe 7">
+            <a:extLst>
+              <a:ext uri="{FF2B5EF4-FFF2-40B4-BE49-F238E27FC236}">
+                <a16:creationId xmlns:a16="http://schemas.microsoft.com/office/drawing/2014/main" id="{68D09BD2-AE8E-4080-818B-E24B3AE0D48E}"/>
+              </a:ext>
+            </a:extLst>
+          </p:cNvPr>
+          <p:cNvSpPr txBox="1"/>
+          <p:nvPr/>
+        </p:nvSpPr>
+        <p:spPr>
+          <a:xfrm>
+            <a:off x="5220091" y="6343634"/>
+            <a:ext cx="7251569" cy="369332"/>
+          </a:xfrm>
+          <a:prstGeom prst="rect">
+            <a:avLst/>
+          </a:prstGeom>
+          <a:noFill/>
+        </p:spPr>
+        <p:txBody>
+          <a:bodyPr wrap="square">
+            <a:spAutoFit/>
+          </a:bodyPr>
+          <a:lstStyle/>
+          <a:p>
+            <a:r>
+              <a:rPr lang="pl-PL" dirty="0"/>
+              <a:t>https://github.com/DawidSzczerba/umwpl2021-hepatoxicity-prediction</a:t>
+            </a:r>
+          </a:p>
+        </p:txBody>
+      </p:sp>
     </p:spTree>
     <p:extLst>
       <p:ext uri="{BB962C8B-B14F-4D97-AF65-F5344CB8AC3E}">
@@ -4286,6 +5233,14 @@
 <file path=ppt/slides/slide10.xml><?xml version="1.0" encoding="utf-8"?>
 <p:sld xmlns:a="http://schemas.openxmlformats.org/drawingml/2006/main" xmlns:r="http://schemas.openxmlformats.org/officeDocument/2006/relationships" xmlns:p="http://schemas.openxmlformats.org/presentationml/2006/main">
   <p:cSld>
+    <p:bg>
+      <p:bgPr>
+        <a:solidFill>
+          <a:schemeClr val="bg1"/>
+        </a:solidFill>
+        <a:effectLst/>
+      </p:bgPr>
+    </p:bg>
     <p:spTree>
       <p:nvGrpSpPr>
         <p:cNvPr id="1" name=""/>
@@ -4302,47 +5257,363 @@
       </p:grpSpPr>
       <p:sp>
         <p:nvSpPr>
-          <p:cNvPr id="2" name="Tytuł 1">
+          <p:cNvPr id="1038" name="Rectangle 80">
             <a:extLst>
               <a:ext uri="{FF2B5EF4-FFF2-40B4-BE49-F238E27FC236}">
-                <a16:creationId xmlns:a16="http://schemas.microsoft.com/office/drawing/2014/main" id="{C7A25026-851C-4D35-B3CA-E8E9C165CB8F}"/>
+                <a16:creationId xmlns:a16="http://schemas.microsoft.com/office/drawing/2014/main" id="{6F79B0DD-2C63-4EE5-804F-B8E391FC1E45}"/>
+              </a:ext>
+              <a:ext uri="{C183D7F6-B498-43B3-948B-1728B52AA6E4}">
+                <adec:decorative xmlns:adec="http://schemas.microsoft.com/office/drawing/2017/decorative" val="1"/>
               </a:ext>
             </a:extLst>
           </p:cNvPr>
           <p:cNvSpPr>
-            <a:spLocks noGrp="1"/>
-          </p:cNvSpPr>
-          <p:nvPr>
-            <p:ph type="title"/>
-          </p:nvPr>
-        </p:nvSpPr>
-        <p:spPr/>
-        <p:txBody>
-          <a:bodyPr/>
+            <a:spLocks noGrp="1" noRot="1" noChangeAspect="1" noMove="1" noResize="1" noEditPoints="1" noAdjustHandles="1" noChangeArrowheads="1" noChangeShapeType="1" noTextEdit="1"/>
+          </p:cNvSpPr>
+          <p:nvPr>
+            <p:extLst>
+              <p:ext uri="{386F3935-93C4-4BCD-93E2-E3B085C9AB24}">
+                <p16:designElem xmlns:p16="http://schemas.microsoft.com/office/powerpoint/2015/main" val="1"/>
+              </p:ext>
+            </p:extLst>
+          </p:nvPr>
+        </p:nvSpPr>
+        <p:spPr>
+          <a:xfrm>
+            <a:off x="3137" y="0"/>
+            <a:ext cx="12192000" cy="6858000"/>
+          </a:xfrm>
+          <a:prstGeom prst="rect">
+            <a:avLst/>
+          </a:prstGeom>
+          <a:solidFill>
+            <a:schemeClr val="bg1">
+              <a:lumMod val="75000"/>
+              <a:alpha val="80000"/>
+            </a:schemeClr>
+          </a:solidFill>
+          <a:ln>
+            <a:noFill/>
+          </a:ln>
+        </p:spPr>
+        <p:style>
+          <a:lnRef idx="2">
+            <a:schemeClr val="accent1">
+              <a:shade val="50000"/>
+            </a:schemeClr>
+          </a:lnRef>
+          <a:fillRef idx="1">
+            <a:schemeClr val="accent1"/>
+          </a:fillRef>
+          <a:effectRef idx="0">
+            <a:schemeClr val="accent1"/>
+          </a:effectRef>
+          <a:fontRef idx="minor">
+            <a:schemeClr val="lt1"/>
+          </a:fontRef>
+        </p:style>
+        <p:txBody>
+          <a:bodyPr rtlCol="0" anchor="ctr"/>
           <a:lstStyle/>
           <a:p>
-            <a:r>
-              <a:rPr lang="pl-PL" dirty="0"/>
-              <a:t>ANALIZA NAJLEPSZEGO MODELU</a:t>
-            </a:r>
+            <a:pPr algn="ctr"/>
+            <a:endParaRPr lang="en-US"/>
+          </a:p>
+        </p:txBody>
+      </p:sp>
+      <p:sp>
+        <p:nvSpPr>
+          <p:cNvPr id="1039" name="Rectangle 82">
+            <a:extLst>
+              <a:ext uri="{FF2B5EF4-FFF2-40B4-BE49-F238E27FC236}">
+                <a16:creationId xmlns:a16="http://schemas.microsoft.com/office/drawing/2014/main" id="{627DB8AB-CD55-4C8F-9043-52652B89231A}"/>
+              </a:ext>
+              <a:ext uri="{C183D7F6-B498-43B3-948B-1728B52AA6E4}">
+                <adec:decorative xmlns:adec="http://schemas.microsoft.com/office/drawing/2017/decorative" val="1"/>
+              </a:ext>
+            </a:extLst>
+          </p:cNvPr>
+          <p:cNvSpPr>
+            <a:spLocks noGrp="1" noRot="1" noChangeAspect="1" noMove="1" noResize="1" noEditPoints="1" noAdjustHandles="1" noChangeArrowheads="1" noChangeShapeType="1" noTextEdit="1"/>
+          </p:cNvSpPr>
+          <p:nvPr>
+            <p:extLst>
+              <p:ext uri="{386F3935-93C4-4BCD-93E2-E3B085C9AB24}">
+                <p16:designElem xmlns:p16="http://schemas.microsoft.com/office/powerpoint/2015/main" val="1"/>
+              </p:ext>
+            </p:extLst>
+          </p:nvPr>
+        </p:nvSpPr>
+        <p:spPr>
+          <a:xfrm>
+            <a:off x="643466" y="643466"/>
+            <a:ext cx="5364255" cy="2706794"/>
+          </a:xfrm>
+          <a:prstGeom prst="rect">
+            <a:avLst/>
+          </a:prstGeom>
+          <a:solidFill>
+            <a:srgbClr val="FFFFFF"/>
+          </a:solidFill>
+          <a:ln w="9525">
+            <a:noFill/>
+          </a:ln>
+          <a:effectLst>
+            <a:outerShdw blurRad="63500" dist="17780" dir="5400000" algn="t" rotWithShape="0">
+              <a:prstClr val="black">
+                <a:alpha val="43000"/>
+              </a:prstClr>
+            </a:outerShdw>
+          </a:effectLst>
+        </p:spPr>
+        <p:style>
+          <a:lnRef idx="2">
+            <a:schemeClr val="accent1">
+              <a:shade val="50000"/>
+            </a:schemeClr>
+          </a:lnRef>
+          <a:fillRef idx="1">
+            <a:schemeClr val="accent1"/>
+          </a:fillRef>
+          <a:effectRef idx="0">
+            <a:schemeClr val="accent1"/>
+          </a:effectRef>
+          <a:fontRef idx="minor">
+            <a:schemeClr val="lt1"/>
+          </a:fontRef>
+        </p:style>
+        <p:txBody>
+          <a:bodyPr rtlCol="0" anchor="ctr"/>
+          <a:lstStyle/>
+          <a:p>
+            <a:pPr algn="ctr"/>
+            <a:endParaRPr lang="en-US"/>
+          </a:p>
+        </p:txBody>
+      </p:sp>
+      <p:sp>
+        <p:nvSpPr>
+          <p:cNvPr id="1040" name="Rectangle 84">
+            <a:extLst>
+              <a:ext uri="{FF2B5EF4-FFF2-40B4-BE49-F238E27FC236}">
+                <a16:creationId xmlns:a16="http://schemas.microsoft.com/office/drawing/2014/main" id="{53059C5A-91CB-4024-9B4E-20082E25C70B}"/>
+              </a:ext>
+              <a:ext uri="{C183D7F6-B498-43B3-948B-1728B52AA6E4}">
+                <adec:decorative xmlns:adec="http://schemas.microsoft.com/office/drawing/2017/decorative" val="1"/>
+              </a:ext>
+            </a:extLst>
+          </p:cNvPr>
+          <p:cNvSpPr>
+            <a:spLocks noGrp="1" noRot="1" noChangeAspect="1" noMove="1" noResize="1" noEditPoints="1" noAdjustHandles="1" noChangeArrowheads="1" noChangeShapeType="1" noTextEdit="1"/>
+          </p:cNvSpPr>
+          <p:nvPr>
+            <p:extLst>
+              <p:ext uri="{386F3935-93C4-4BCD-93E2-E3B085C9AB24}">
+                <p16:designElem xmlns:p16="http://schemas.microsoft.com/office/powerpoint/2015/main" val="1"/>
+              </p:ext>
+            </p:extLst>
+          </p:nvPr>
+        </p:nvSpPr>
+        <p:spPr>
+          <a:xfrm>
+            <a:off x="6168589" y="643466"/>
+            <a:ext cx="5376806" cy="2706794"/>
+          </a:xfrm>
+          <a:prstGeom prst="rect">
+            <a:avLst/>
+          </a:prstGeom>
+          <a:solidFill>
+            <a:srgbClr val="FFFFFF"/>
+          </a:solidFill>
+          <a:ln w="9525">
+            <a:noFill/>
+          </a:ln>
+          <a:effectLst>
+            <a:outerShdw blurRad="63500" dist="17780" dir="5400000" algn="t" rotWithShape="0">
+              <a:prstClr val="black">
+                <a:alpha val="43000"/>
+              </a:prstClr>
+            </a:outerShdw>
+          </a:effectLst>
+        </p:spPr>
+        <p:style>
+          <a:lnRef idx="2">
+            <a:schemeClr val="accent1">
+              <a:shade val="50000"/>
+            </a:schemeClr>
+          </a:lnRef>
+          <a:fillRef idx="1">
+            <a:schemeClr val="accent1"/>
+          </a:fillRef>
+          <a:effectRef idx="0">
+            <a:schemeClr val="accent1"/>
+          </a:effectRef>
+          <a:fontRef idx="minor">
+            <a:schemeClr val="lt1"/>
+          </a:fontRef>
+        </p:style>
+        <p:txBody>
+          <a:bodyPr rtlCol="0" anchor="ctr"/>
+          <a:lstStyle/>
+          <a:p>
+            <a:pPr algn="ctr"/>
+            <a:endParaRPr lang="en-US"/>
+          </a:p>
+        </p:txBody>
+      </p:sp>
+      <p:sp>
+        <p:nvSpPr>
+          <p:cNvPr id="87" name="Rectangle 86">
+            <a:extLst>
+              <a:ext uri="{FF2B5EF4-FFF2-40B4-BE49-F238E27FC236}">
+                <a16:creationId xmlns:a16="http://schemas.microsoft.com/office/drawing/2014/main" id="{184884BF-A898-4EFF-9504-E13EBE3FF62E}"/>
+              </a:ext>
+              <a:ext uri="{C183D7F6-B498-43B3-948B-1728B52AA6E4}">
+                <adec:decorative xmlns:adec="http://schemas.microsoft.com/office/drawing/2017/decorative" val="1"/>
+              </a:ext>
+            </a:extLst>
+          </p:cNvPr>
+          <p:cNvSpPr>
+            <a:spLocks noGrp="1" noRot="1" noChangeAspect="1" noMove="1" noResize="1" noEditPoints="1" noAdjustHandles="1" noChangeArrowheads="1" noChangeShapeType="1" noTextEdit="1"/>
+          </p:cNvSpPr>
+          <p:nvPr>
+            <p:extLst>
+              <p:ext uri="{386F3935-93C4-4BCD-93E2-E3B085C9AB24}">
+                <p16:designElem xmlns:p16="http://schemas.microsoft.com/office/powerpoint/2015/main" val="1"/>
+              </p:ext>
+            </p:extLst>
+          </p:nvPr>
+        </p:nvSpPr>
+        <p:spPr>
+          <a:xfrm>
+            <a:off x="643466" y="3514513"/>
+            <a:ext cx="5364255" cy="2703406"/>
+          </a:xfrm>
+          <a:prstGeom prst="rect">
+            <a:avLst/>
+          </a:prstGeom>
+          <a:solidFill>
+            <a:srgbClr val="FFFFFF"/>
+          </a:solidFill>
+          <a:ln w="9525">
+            <a:noFill/>
+          </a:ln>
+          <a:effectLst>
+            <a:outerShdw blurRad="63500" dist="17780" dir="5400000" algn="t" rotWithShape="0">
+              <a:prstClr val="black">
+                <a:alpha val="43000"/>
+              </a:prstClr>
+            </a:outerShdw>
+          </a:effectLst>
+        </p:spPr>
+        <p:style>
+          <a:lnRef idx="2">
+            <a:schemeClr val="accent1">
+              <a:shade val="50000"/>
+            </a:schemeClr>
+          </a:lnRef>
+          <a:fillRef idx="1">
+            <a:schemeClr val="accent1"/>
+          </a:fillRef>
+          <a:effectRef idx="0">
+            <a:schemeClr val="accent1"/>
+          </a:effectRef>
+          <a:fontRef idx="minor">
+            <a:schemeClr val="lt1"/>
+          </a:fontRef>
+        </p:style>
+        <p:txBody>
+          <a:bodyPr rtlCol="0" anchor="ctr"/>
+          <a:lstStyle/>
+          <a:p>
+            <a:pPr algn="ctr"/>
+            <a:endParaRPr lang="en-US"/>
+          </a:p>
+        </p:txBody>
+      </p:sp>
+      <p:sp>
+        <p:nvSpPr>
+          <p:cNvPr id="89" name="Rectangle 88">
+            <a:extLst>
+              <a:ext uri="{FF2B5EF4-FFF2-40B4-BE49-F238E27FC236}">
+                <a16:creationId xmlns:a16="http://schemas.microsoft.com/office/drawing/2014/main" id="{7B32D337-FDA6-4468-ADB1-7038E5FC0BA9}"/>
+              </a:ext>
+              <a:ext uri="{C183D7F6-B498-43B3-948B-1728B52AA6E4}">
+                <adec:decorative xmlns:adec="http://schemas.microsoft.com/office/drawing/2017/decorative" val="1"/>
+              </a:ext>
+            </a:extLst>
+          </p:cNvPr>
+          <p:cNvSpPr>
+            <a:spLocks noGrp="1" noRot="1" noChangeAspect="1" noMove="1" noResize="1" noEditPoints="1" noAdjustHandles="1" noChangeArrowheads="1" noChangeShapeType="1" noTextEdit="1"/>
+          </p:cNvSpPr>
+          <p:nvPr>
+            <p:extLst>
+              <p:ext uri="{386F3935-93C4-4BCD-93E2-E3B085C9AB24}">
+                <p16:designElem xmlns:p16="http://schemas.microsoft.com/office/powerpoint/2015/main" val="1"/>
+              </p:ext>
+            </p:extLst>
+          </p:nvPr>
+        </p:nvSpPr>
+        <p:spPr>
+          <a:xfrm>
+            <a:off x="6168589" y="3514513"/>
+            <a:ext cx="5376806" cy="2706794"/>
+          </a:xfrm>
+          <a:prstGeom prst="rect">
+            <a:avLst/>
+          </a:prstGeom>
+          <a:solidFill>
+            <a:srgbClr val="FFFFFF"/>
+          </a:solidFill>
+          <a:ln w="9525">
+            <a:noFill/>
+          </a:ln>
+          <a:effectLst>
+            <a:outerShdw blurRad="63500" dist="17780" dir="5400000" algn="t" rotWithShape="0">
+              <a:prstClr val="black">
+                <a:alpha val="43000"/>
+              </a:prstClr>
+            </a:outerShdw>
+          </a:effectLst>
+        </p:spPr>
+        <p:style>
+          <a:lnRef idx="2">
+            <a:schemeClr val="accent1">
+              <a:shade val="50000"/>
+            </a:schemeClr>
+          </a:lnRef>
+          <a:fillRef idx="1">
+            <a:schemeClr val="accent1"/>
+          </a:fillRef>
+          <a:effectRef idx="0">
+            <a:schemeClr val="accent1"/>
+          </a:effectRef>
+          <a:fontRef idx="minor">
+            <a:schemeClr val="lt1"/>
+          </a:fontRef>
+        </p:style>
+        <p:txBody>
+          <a:bodyPr rtlCol="0" anchor="ctr"/>
+          <a:lstStyle/>
+          <a:p>
+            <a:pPr algn="ctr"/>
+            <a:endParaRPr lang="en-US"/>
           </a:p>
         </p:txBody>
       </p:sp>
       <p:pic>
         <p:nvPicPr>
-          <p:cNvPr id="5" name="Symbol zastępczy zawartości 4">
+          <p:cNvPr id="11" name="Obraz 10">
             <a:extLst>
               <a:ext uri="{FF2B5EF4-FFF2-40B4-BE49-F238E27FC236}">
-                <a16:creationId xmlns:a16="http://schemas.microsoft.com/office/drawing/2014/main" id="{EE004226-3505-43E2-8439-0B9CBAD9B9A4}"/>
+                <a16:creationId xmlns:a16="http://schemas.microsoft.com/office/drawing/2014/main" id="{0A5A013C-37C4-4B96-B15C-9906F834318D}"/>
               </a:ext>
             </a:extLst>
           </p:cNvPr>
           <p:cNvPicPr>
-            <a:picLocks noGrp="1" noChangeAspect="1"/>
+            <a:picLocks noChangeAspect="1"/>
           </p:cNvPicPr>
-          <p:nvPr>
-            <p:ph idx="1"/>
-          </p:nvPr>
+          <p:nvPr/>
         </p:nvPicPr>
         <p:blipFill>
           <a:blip r:embed="rId2">
@@ -4358,8 +5629,627 @@
         </p:blipFill>
         <p:spPr>
           <a:xfrm>
-            <a:off x="0" y="2016124"/>
-            <a:ext cx="5950504" cy="3178445"/>
+            <a:off x="7505213" y="3628174"/>
+            <a:ext cx="2536287" cy="2536287"/>
+          </a:xfrm>
+          <a:prstGeom prst="rect">
+            <a:avLst/>
+          </a:prstGeom>
+        </p:spPr>
+      </p:pic>
+      <p:pic>
+        <p:nvPicPr>
+          <p:cNvPr id="12" name="Symbol zastępczy zawartości 4">
+            <a:extLst>
+              <a:ext uri="{FF2B5EF4-FFF2-40B4-BE49-F238E27FC236}">
+                <a16:creationId xmlns:a16="http://schemas.microsoft.com/office/drawing/2014/main" id="{AB8C83F8-8F70-4723-86DF-31C5F85035AC}"/>
+              </a:ext>
+            </a:extLst>
+          </p:cNvPr>
+          <p:cNvPicPr>
+            <a:picLocks noChangeAspect="1"/>
+          </p:cNvPicPr>
+          <p:nvPr/>
+        </p:nvPicPr>
+        <p:blipFill>
+          <a:blip r:embed="rId3">
+            <a:extLst>
+              <a:ext uri="{28A0092B-C50C-407E-A947-70E740481C1C}">
+                <a14:useLocalDpi xmlns:a14="http://schemas.microsoft.com/office/drawing/2010/main" val="0"/>
+              </a:ext>
+            </a:extLst>
+          </a:blip>
+          <a:stretch>
+            <a:fillRect/>
+          </a:stretch>
+        </p:blipFill>
+        <p:spPr>
+          <a:xfrm>
+            <a:off x="1619378" y="640080"/>
+            <a:ext cx="2644353" cy="2644353"/>
+          </a:xfrm>
+          <a:prstGeom prst="rect">
+            <a:avLst/>
+          </a:prstGeom>
+        </p:spPr>
+      </p:pic>
+      <p:pic>
+        <p:nvPicPr>
+          <p:cNvPr id="13" name="Obraz 12">
+            <a:extLst>
+              <a:ext uri="{FF2B5EF4-FFF2-40B4-BE49-F238E27FC236}">
+                <a16:creationId xmlns:a16="http://schemas.microsoft.com/office/drawing/2014/main" id="{FA273902-8BBD-4280-83C8-103F822B8A22}"/>
+              </a:ext>
+            </a:extLst>
+          </p:cNvPr>
+          <p:cNvPicPr>
+            <a:picLocks noChangeAspect="1"/>
+          </p:cNvPicPr>
+          <p:nvPr/>
+        </p:nvPicPr>
+        <p:blipFill>
+          <a:blip r:embed="rId4">
+            <a:extLst>
+              <a:ext uri="{28A0092B-C50C-407E-A947-70E740481C1C}">
+                <a14:useLocalDpi xmlns:a14="http://schemas.microsoft.com/office/drawing/2010/main" val="0"/>
+              </a:ext>
+            </a:extLst>
+          </a:blip>
+          <a:stretch>
+            <a:fillRect/>
+          </a:stretch>
+        </p:blipFill>
+        <p:spPr>
+          <a:xfrm>
+            <a:off x="7505213" y="693539"/>
+            <a:ext cx="2590894" cy="2590894"/>
+          </a:xfrm>
+          <a:prstGeom prst="rect">
+            <a:avLst/>
+          </a:prstGeom>
+        </p:spPr>
+      </p:pic>
+      <p:pic>
+        <p:nvPicPr>
+          <p:cNvPr id="14" name="Obraz 13">
+            <a:extLst>
+              <a:ext uri="{FF2B5EF4-FFF2-40B4-BE49-F238E27FC236}">
+                <a16:creationId xmlns:a16="http://schemas.microsoft.com/office/drawing/2014/main" id="{D42ACC32-29E6-4CDA-A7D1-8FA54A327F80}"/>
+              </a:ext>
+            </a:extLst>
+          </p:cNvPr>
+          <p:cNvPicPr>
+            <a:picLocks noChangeAspect="1"/>
+          </p:cNvPicPr>
+          <p:nvPr/>
+        </p:nvPicPr>
+        <p:blipFill>
+          <a:blip r:embed="rId5">
+            <a:extLst>
+              <a:ext uri="{28A0092B-C50C-407E-A947-70E740481C1C}">
+                <a14:useLocalDpi xmlns:a14="http://schemas.microsoft.com/office/drawing/2010/main" val="0"/>
+              </a:ext>
+            </a:extLst>
+          </a:blip>
+          <a:stretch>
+            <a:fillRect/>
+          </a:stretch>
+        </p:blipFill>
+        <p:spPr>
+          <a:xfrm>
+            <a:off x="1734160" y="3544614"/>
+            <a:ext cx="2669920" cy="2669920"/>
+          </a:xfrm>
+          <a:prstGeom prst="rect">
+            <a:avLst/>
+          </a:prstGeom>
+        </p:spPr>
+      </p:pic>
+    </p:spTree>
+    <p:extLst>
+      <p:ext uri="{BB962C8B-B14F-4D97-AF65-F5344CB8AC3E}">
+        <p14:creationId xmlns:p14="http://schemas.microsoft.com/office/powerpoint/2010/main" val="4174242068"/>
+      </p:ext>
+    </p:extLst>
+  </p:cSld>
+  <p:clrMapOvr>
+    <a:masterClrMapping/>
+  </p:clrMapOvr>
+</p:sld>
+</file>
+
+<file path=ppt/slides/slide11.xml><?xml version="1.0" encoding="utf-8"?>
+<p:sld xmlns:a="http://schemas.openxmlformats.org/drawingml/2006/main" xmlns:r="http://schemas.openxmlformats.org/officeDocument/2006/relationships" xmlns:p="http://schemas.openxmlformats.org/presentationml/2006/main">
+  <p:cSld>
+    <p:bg>
+      <p:bgPr>
+        <a:gradFill rotWithShape="1">
+          <a:gsLst>
+            <a:gs pos="0">
+              <a:schemeClr val="bg2">
+                <a:tint val="94000"/>
+                <a:satMod val="80000"/>
+                <a:lumMod val="106000"/>
+              </a:schemeClr>
+            </a:gs>
+            <a:gs pos="100000">
+              <a:schemeClr val="bg2">
+                <a:shade val="80000"/>
+              </a:schemeClr>
+            </a:gs>
+          </a:gsLst>
+          <a:path path="circle">
+            <a:fillToRect l="43000" r="43000" b="100000"/>
+          </a:path>
+        </a:gradFill>
+        <a:effectLst/>
+      </p:bgPr>
+    </p:bg>
+    <p:spTree>
+      <p:nvGrpSpPr>
+        <p:cNvPr id="1" name=""/>
+        <p:cNvGrpSpPr/>
+        <p:nvPr/>
+      </p:nvGrpSpPr>
+      <p:grpSpPr>
+        <a:xfrm>
+          <a:off x="0" y="0"/>
+          <a:ext cx="0" cy="0"/>
+          <a:chOff x="0" y="0"/>
+          <a:chExt cx="0" cy="0"/>
+        </a:xfrm>
+      </p:grpSpPr>
+      <p:sp useBgFill="1">
+        <p:nvSpPr>
+          <p:cNvPr id="20" name="Rectangle 19">
+            <a:extLst>
+              <a:ext uri="{FF2B5EF4-FFF2-40B4-BE49-F238E27FC236}">
+                <a16:creationId xmlns:a16="http://schemas.microsoft.com/office/drawing/2014/main" id="{742C14A9-3617-46DD-9FC4-ED828A7D3E6F}"/>
+              </a:ext>
+              <a:ext uri="{C183D7F6-B498-43B3-948B-1728B52AA6E4}">
+                <adec:decorative xmlns:adec="http://schemas.microsoft.com/office/drawing/2017/decorative" val="1"/>
+              </a:ext>
+            </a:extLst>
+          </p:cNvPr>
+          <p:cNvSpPr>
+            <a:spLocks noGrp="1" noRot="1" noChangeAspect="1" noMove="1" noResize="1" noEditPoints="1" noAdjustHandles="1" noChangeArrowheads="1" noChangeShapeType="1" noTextEdit="1"/>
+          </p:cNvSpPr>
+          <p:nvPr>
+            <p:extLst>
+              <p:ext uri="{386F3935-93C4-4BCD-93E2-E3B085C9AB24}">
+                <p16:designElem xmlns:p16="http://schemas.microsoft.com/office/powerpoint/2015/main" val="1"/>
+              </p:ext>
+            </p:extLst>
+          </p:nvPr>
+        </p:nvSpPr>
+        <p:spPr>
+          <a:xfrm>
+            <a:off x="2" y="0"/>
+            <a:ext cx="12191695" cy="6858000"/>
+          </a:xfrm>
+          <a:prstGeom prst="rect">
+            <a:avLst/>
+          </a:prstGeom>
+          <a:ln>
+            <a:noFill/>
+          </a:ln>
+        </p:spPr>
+        <p:style>
+          <a:lnRef idx="2">
+            <a:schemeClr val="accent1">
+              <a:shade val="50000"/>
+            </a:schemeClr>
+          </a:lnRef>
+          <a:fillRef idx="1">
+            <a:schemeClr val="accent1"/>
+          </a:fillRef>
+          <a:effectRef idx="0">
+            <a:schemeClr val="accent1"/>
+          </a:effectRef>
+          <a:fontRef idx="minor">
+            <a:schemeClr val="lt1"/>
+          </a:fontRef>
+        </p:style>
+        <p:txBody>
+          <a:bodyPr rtlCol="0" anchor="ctr"/>
+          <a:lstStyle/>
+          <a:p>
+            <a:pPr algn="ctr"/>
+            <a:endParaRPr lang="en-US"/>
+          </a:p>
+        </p:txBody>
+      </p:sp>
+      <p:cxnSp>
+        <p:nvCxnSpPr>
+          <p:cNvPr id="22" name="Straight Connector 21">
+            <a:extLst>
+              <a:ext uri="{FF2B5EF4-FFF2-40B4-BE49-F238E27FC236}">
+                <a16:creationId xmlns:a16="http://schemas.microsoft.com/office/drawing/2014/main" id="{19AB0109-1C89-41F0-9EDF-3DE017BE3F27}"/>
+              </a:ext>
+              <a:ext uri="{C183D7F6-B498-43B3-948B-1728B52AA6E4}">
+                <adec:decorative xmlns:adec="http://schemas.microsoft.com/office/drawing/2017/decorative" val="1"/>
+              </a:ext>
+            </a:extLst>
+          </p:cNvPr>
+          <p:cNvCxnSpPr>
+            <a:cxnSpLocks noGrp="1" noRot="1" noChangeAspect="1" noMove="1" noResize="1" noEditPoints="1" noAdjustHandles="1" noChangeArrowheads="1" noChangeShapeType="1"/>
+          </p:cNvCxnSpPr>
+          <p:nvPr>
+            <p:extLst>
+              <p:ext uri="{386F3935-93C4-4BCD-93E2-E3B085C9AB24}">
+                <p16:designElem xmlns:p16="http://schemas.microsoft.com/office/powerpoint/2015/main" val="1"/>
+              </p:ext>
+            </p:extLst>
+          </p:nvPr>
+        </p:nvCxnSpPr>
+        <p:spPr>
+          <a:xfrm>
+            <a:off x="1453897" y="1847088"/>
+            <a:ext cx="5548039" cy="0"/>
+          </a:xfrm>
+          <a:prstGeom prst="line">
+            <a:avLst/>
+          </a:prstGeom>
+          <a:ln w="31750"/>
+        </p:spPr>
+        <p:style>
+          <a:lnRef idx="3">
+            <a:schemeClr val="accent1"/>
+          </a:lnRef>
+          <a:fillRef idx="0">
+            <a:schemeClr val="accent1"/>
+          </a:fillRef>
+          <a:effectRef idx="2">
+            <a:schemeClr val="accent1"/>
+          </a:effectRef>
+          <a:fontRef idx="minor">
+            <a:schemeClr val="tx1"/>
+          </a:fontRef>
+        </p:style>
+      </p:cxnSp>
+      <p:sp>
+        <p:nvSpPr>
+          <p:cNvPr id="2" name="Tytuł 1">
+            <a:extLst>
+              <a:ext uri="{FF2B5EF4-FFF2-40B4-BE49-F238E27FC236}">
+                <a16:creationId xmlns:a16="http://schemas.microsoft.com/office/drawing/2014/main" id="{77C41558-AB74-4E6E-9D18-27C9345C11C8}"/>
+              </a:ext>
+            </a:extLst>
+          </p:cNvPr>
+          <p:cNvSpPr>
+            <a:spLocks noGrp="1"/>
+          </p:cNvSpPr>
+          <p:nvPr>
+            <p:ph type="title"/>
+          </p:nvPr>
+        </p:nvSpPr>
+        <p:spPr>
+          <a:xfrm>
+            <a:off x="1451579" y="804519"/>
+            <a:ext cx="5550357" cy="1049235"/>
+          </a:xfrm>
+        </p:spPr>
+        <p:txBody>
+          <a:bodyPr>
+            <a:normAutofit/>
+          </a:bodyPr>
+          <a:lstStyle/>
+          <a:p>
+            <a:r>
+              <a:rPr lang="pl-PL" sz="3000" dirty="0"/>
+              <a:t>Analiza </a:t>
+            </a:r>
+            <a:r>
+              <a:rPr lang="pl-PL" sz="3000" dirty="0" err="1"/>
+              <a:t>LIMe</a:t>
+            </a:r>
+            <a:r>
+              <a:rPr lang="pl-PL" sz="3000" dirty="0"/>
+              <a:t> dla </a:t>
+            </a:r>
+            <a:r>
+              <a:rPr lang="pl-PL" sz="3000" dirty="0" err="1"/>
+              <a:t>Random</a:t>
+            </a:r>
+            <a:r>
+              <a:rPr lang="pl-PL" sz="3000" dirty="0"/>
+              <a:t> </a:t>
+            </a:r>
+            <a:r>
+              <a:rPr lang="pl-PL" sz="3000" dirty="0" err="1"/>
+              <a:t>Forest</a:t>
+            </a:r>
+            <a:r>
+              <a:rPr lang="pl-PL" sz="3000" dirty="0"/>
+              <a:t> </a:t>
+            </a:r>
+            <a:r>
+              <a:rPr lang="pl-PL" sz="3000" dirty="0" err="1"/>
+              <a:t>Regressor</a:t>
+            </a:r>
+            <a:endParaRPr lang="pl-PL" sz="3000" dirty="0"/>
+          </a:p>
+        </p:txBody>
+      </p:sp>
+      <p:sp>
+        <p:nvSpPr>
+          <p:cNvPr id="24" name="Rectangle 23">
+            <a:extLst>
+              <a:ext uri="{FF2B5EF4-FFF2-40B4-BE49-F238E27FC236}">
+                <a16:creationId xmlns:a16="http://schemas.microsoft.com/office/drawing/2014/main" id="{19E5CB6C-D5A1-44AB-BAD0-E76C67ED2802}"/>
+              </a:ext>
+              <a:ext uri="{C183D7F6-B498-43B3-948B-1728B52AA6E4}">
+                <adec:decorative xmlns:adec="http://schemas.microsoft.com/office/drawing/2017/decorative" val="1"/>
+              </a:ext>
+            </a:extLst>
+          </p:cNvPr>
+          <p:cNvSpPr>
+            <a:spLocks noGrp="1" noRot="1" noChangeAspect="1" noMove="1" noResize="1" noEditPoints="1" noAdjustHandles="1" noChangeArrowheads="1" noChangeShapeType="1" noTextEdit="1"/>
+          </p:cNvSpPr>
+          <p:nvPr>
+            <p:extLst>
+              <p:ext uri="{386F3935-93C4-4BCD-93E2-E3B085C9AB24}">
+                <p16:designElem xmlns:p16="http://schemas.microsoft.com/office/powerpoint/2015/main" val="1"/>
+              </p:ext>
+            </p:extLst>
+          </p:nvPr>
+        </p:nvSpPr>
+        <p:spPr>
+          <a:xfrm>
+            <a:off x="0" y="2019476"/>
+            <a:ext cx="12192000" cy="4105941"/>
+          </a:xfrm>
+          <a:prstGeom prst="rect">
+            <a:avLst/>
+          </a:prstGeom>
+          <a:gradFill flip="none" rotWithShape="1">
+            <a:gsLst>
+              <a:gs pos="0">
+                <a:schemeClr val="bg2">
+                  <a:alpha val="0"/>
+                </a:schemeClr>
+              </a:gs>
+              <a:gs pos="100000">
+                <a:schemeClr val="bg2"/>
+              </a:gs>
+            </a:gsLst>
+            <a:lin ang="5400000" scaled="0"/>
+            <a:tileRect/>
+          </a:gradFill>
+          <a:ln>
+            <a:noFill/>
+          </a:ln>
+        </p:spPr>
+        <p:style>
+          <a:lnRef idx="2">
+            <a:schemeClr val="accent1">
+              <a:shade val="50000"/>
+            </a:schemeClr>
+          </a:lnRef>
+          <a:fillRef idx="1">
+            <a:schemeClr val="accent1"/>
+          </a:fillRef>
+          <a:effectRef idx="0">
+            <a:schemeClr val="accent1"/>
+          </a:effectRef>
+          <a:fontRef idx="minor">
+            <a:schemeClr val="lt1"/>
+          </a:fontRef>
+        </p:style>
+        <p:txBody>
+          <a:bodyPr rtlCol="0" anchor="ctr"/>
+          <a:lstStyle/>
+          <a:p>
+            <a:pPr lvl="0" algn="ctr"/>
+            <a:endParaRPr lang="en-US"/>
+          </a:p>
+        </p:txBody>
+      </p:sp>
+      <p:sp>
+        <p:nvSpPr>
+          <p:cNvPr id="3" name="Symbol zastępczy zawartości 2">
+            <a:extLst>
+              <a:ext uri="{FF2B5EF4-FFF2-40B4-BE49-F238E27FC236}">
+                <a16:creationId xmlns:a16="http://schemas.microsoft.com/office/drawing/2014/main" id="{D217D0F2-467F-4886-9811-ADD926C136D9}"/>
+              </a:ext>
+            </a:extLst>
+          </p:cNvPr>
+          <p:cNvSpPr>
+            <a:spLocks noGrp="1"/>
+          </p:cNvSpPr>
+          <p:nvPr>
+            <p:ph idx="1"/>
+          </p:nvPr>
+        </p:nvSpPr>
+        <p:spPr>
+          <a:xfrm>
+            <a:off x="1451579" y="2015732"/>
+            <a:ext cx="5550357" cy="3450613"/>
+          </a:xfrm>
+        </p:spPr>
+        <p:txBody>
+          <a:bodyPr>
+            <a:normAutofit/>
+          </a:bodyPr>
+          <a:lstStyle/>
+          <a:p>
+            <a:r>
+              <a:rPr lang="pl-PL" dirty="0"/>
+              <a:t>Czy dla najgorszych predykcji, najważniejsze są bity </a:t>
+            </a:r>
+            <a:r>
+              <a:rPr lang="pl-PL" dirty="0" err="1"/>
+              <a:t>fingerprintów</a:t>
+            </a:r>
+            <a:r>
+              <a:rPr lang="pl-PL" dirty="0"/>
+              <a:t>, które są mało ważne dla najlepszych predykcji?</a:t>
+            </a:r>
+          </a:p>
+          <a:p>
+            <a:endParaRPr lang="pl-PL" dirty="0"/>
+          </a:p>
+          <a:p>
+            <a:r>
+              <a:rPr lang="pl-PL" dirty="0"/>
+              <a:t>NIE – zbiór znaczących bitów </a:t>
+            </a:r>
+            <a:r>
+              <a:rPr lang="pl-PL" dirty="0" err="1"/>
+              <a:t>fingerprintu</a:t>
+            </a:r>
+            <a:r>
+              <a:rPr lang="pl-PL" dirty="0"/>
+              <a:t> dla najgorszych predykcji zawiera się w zbiorze bitów </a:t>
+            </a:r>
+            <a:r>
+              <a:rPr lang="pl-PL" dirty="0" err="1"/>
+              <a:t>fingerprintu</a:t>
+            </a:r>
+            <a:r>
+              <a:rPr lang="pl-PL" dirty="0"/>
+              <a:t> dla </a:t>
+            </a:r>
+            <a:r>
+              <a:rPr lang="pl-PL" dirty="0" err="1"/>
+              <a:t>najleszych</a:t>
+            </a:r>
+            <a:r>
+              <a:rPr lang="pl-PL" dirty="0"/>
+              <a:t> predykcji</a:t>
+            </a:r>
+            <a:br>
+              <a:rPr lang="pl-PL" dirty="0"/>
+            </a:br>
+            <a:r>
+              <a:rPr lang="pl-PL" dirty="0"/>
+              <a:t>	</a:t>
+            </a:r>
+          </a:p>
+        </p:txBody>
+      </p:sp>
+      <p:pic>
+        <p:nvPicPr>
+          <p:cNvPr id="26" name="Picture 25">
+            <a:extLst>
+              <a:ext uri="{FF2B5EF4-FFF2-40B4-BE49-F238E27FC236}">
+                <a16:creationId xmlns:a16="http://schemas.microsoft.com/office/drawing/2014/main" id="{D5A16967-5C32-4A48-9F02-4F0228AC8DBA}"/>
+              </a:ext>
+              <a:ext uri="{C183D7F6-B498-43B3-948B-1728B52AA6E4}">
+                <adec:decorative xmlns:adec="http://schemas.microsoft.com/office/drawing/2017/decorative" val="1"/>
+              </a:ext>
+            </a:extLst>
+          </p:cNvPr>
+          <p:cNvPicPr>
+            <a:picLocks noGrp="1" noRot="1" noChangeAspect="1" noMove="1" noResize="1" noEditPoints="1" noAdjustHandles="1" noChangeArrowheads="1" noChangeShapeType="1" noCrop="1"/>
+          </p:cNvPicPr>
+          <p:nvPr>
+            <p:extLst>
+              <p:ext uri="{386F3935-93C4-4BCD-93E2-E3B085C9AB24}">
+                <p16:designElem xmlns:p16="http://schemas.microsoft.com/office/powerpoint/2015/main" val="1"/>
+              </p:ext>
+            </p:extLst>
+          </p:nvPr>
+        </p:nvPicPr>
+        <p:blipFill rotWithShape="1">
+          <a:blip r:embed="rId3">
+            <a:extLst>
+              <a:ext uri="{28A0092B-C50C-407E-A947-70E740481C1C}">
+                <a14:useLocalDpi xmlns:a14="http://schemas.microsoft.com/office/drawing/2010/main" val="0"/>
+              </a:ext>
+            </a:extLst>
+          </a:blip>
+          <a:srcRect t="1538" b="-1538"/>
+          <a:stretch/>
+        </p:blipFill>
+        <p:spPr bwMode="black">
+          <a:xfrm>
+            <a:off x="0" y="6126480"/>
+            <a:ext cx="12192000" cy="742950"/>
+          </a:xfrm>
+          <a:prstGeom prst="rect">
+            <a:avLst/>
+          </a:prstGeom>
+        </p:spPr>
+      </p:pic>
+      <p:cxnSp>
+        <p:nvCxnSpPr>
+          <p:cNvPr id="28" name="Straight Connector 27">
+            <a:extLst>
+              <a:ext uri="{FF2B5EF4-FFF2-40B4-BE49-F238E27FC236}">
+                <a16:creationId xmlns:a16="http://schemas.microsoft.com/office/drawing/2014/main" id="{942D078B-EF20-4DB1-AA1B-87F212C56A9A}"/>
+              </a:ext>
+              <a:ext uri="{C183D7F6-B498-43B3-948B-1728B52AA6E4}">
+                <adec:decorative xmlns:adec="http://schemas.microsoft.com/office/drawing/2017/decorative" val="1"/>
+              </a:ext>
+            </a:extLst>
+          </p:cNvPr>
+          <p:cNvCxnSpPr>
+            <a:cxnSpLocks noGrp="1" noRot="1" noChangeAspect="1" noMove="1" noResize="1" noEditPoints="1" noAdjustHandles="1" noChangeArrowheads="1" noChangeShapeType="1"/>
+          </p:cNvCxnSpPr>
+          <p:nvPr>
+            <p:extLst>
+              <p:ext uri="{386F3935-93C4-4BCD-93E2-E3B085C9AB24}">
+                <p16:designElem xmlns:p16="http://schemas.microsoft.com/office/powerpoint/2015/main" val="1"/>
+              </p:ext>
+            </p:extLst>
+          </p:nvPr>
+        </p:nvCxnSpPr>
+        <p:spPr>
+          <a:xfrm>
+            <a:off x="0" y="6128413"/>
+            <a:ext cx="12192000" cy="0"/>
+          </a:xfrm>
+          <a:prstGeom prst="line">
+            <a:avLst/>
+          </a:prstGeom>
+          <a:ln w="12700">
+            <a:solidFill>
+              <a:srgbClr val="000001">
+                <a:alpha val="20000"/>
+              </a:srgbClr>
+            </a:solidFill>
+          </a:ln>
+        </p:spPr>
+        <p:style>
+          <a:lnRef idx="1">
+            <a:schemeClr val="accent1"/>
+          </a:lnRef>
+          <a:fillRef idx="0">
+            <a:schemeClr val="accent1"/>
+          </a:fillRef>
+          <a:effectRef idx="0">
+            <a:schemeClr val="accent1"/>
+          </a:effectRef>
+          <a:fontRef idx="minor">
+            <a:schemeClr val="tx1"/>
+          </a:fontRef>
+        </p:style>
+      </p:cxnSp>
+      <p:pic>
+        <p:nvPicPr>
+          <p:cNvPr id="13" name="Obraz 12">
+            <a:extLst>
+              <a:ext uri="{FF2B5EF4-FFF2-40B4-BE49-F238E27FC236}">
+                <a16:creationId xmlns:a16="http://schemas.microsoft.com/office/drawing/2014/main" id="{996475DD-1ED1-4236-8E43-AC3BEBF9C79E}"/>
+              </a:ext>
+            </a:extLst>
+          </p:cNvPr>
+          <p:cNvPicPr>
+            <a:picLocks noChangeAspect="1"/>
+          </p:cNvPicPr>
+          <p:nvPr/>
+        </p:nvPicPr>
+        <p:blipFill>
+          <a:blip r:embed="rId4"/>
+          <a:stretch>
+            <a:fillRect/>
+          </a:stretch>
+        </p:blipFill>
+        <p:spPr>
+          <a:xfrm>
+            <a:off x="7346066" y="1477328"/>
+            <a:ext cx="1850820" cy="5354664"/>
           </a:xfrm>
           <a:prstGeom prst="roundRect">
             <a:avLst>
@@ -4381,10 +6271,10 @@
       </p:pic>
       <p:pic>
         <p:nvPicPr>
-          <p:cNvPr id="7" name="Obraz 6">
+          <p:cNvPr id="17" name="Obraz 16">
             <a:extLst>
               <a:ext uri="{FF2B5EF4-FFF2-40B4-BE49-F238E27FC236}">
-                <a16:creationId xmlns:a16="http://schemas.microsoft.com/office/drawing/2014/main" id="{ACFF7048-498B-4F51-89B6-9172984875A2}"/>
+                <a16:creationId xmlns:a16="http://schemas.microsoft.com/office/drawing/2014/main" id="{4B5C1874-C20D-4950-A34C-B7A0ACB92C6D}"/>
               </a:ext>
             </a:extLst>
           </p:cNvPr>
@@ -4394,21 +6284,15 @@
           <p:nvPr/>
         </p:nvPicPr>
         <p:blipFill>
-          <a:blip r:embed="rId3">
-            <a:extLst>
-              <a:ext uri="{28A0092B-C50C-407E-A947-70E740481C1C}">
-                <a14:useLocalDpi xmlns:a14="http://schemas.microsoft.com/office/drawing/2010/main" val="0"/>
-              </a:ext>
-            </a:extLst>
-          </a:blip>
+          <a:blip r:embed="rId5"/>
           <a:stretch>
             <a:fillRect/>
           </a:stretch>
         </p:blipFill>
         <p:spPr>
           <a:xfrm>
-            <a:off x="5950504" y="2016123"/>
-            <a:ext cx="6145289" cy="3178445"/>
+            <a:off x="9853202" y="1477328"/>
+            <a:ext cx="2035766" cy="2548715"/>
           </a:xfrm>
           <a:prstGeom prst="roundRect">
             <a:avLst>
@@ -4428,174 +6312,263 @@
           </a:effectLst>
         </p:spPr>
       </p:pic>
+      <p:sp>
+        <p:nvSpPr>
+          <p:cNvPr id="18" name="pole tekstowe 17">
+            <a:extLst>
+              <a:ext uri="{FF2B5EF4-FFF2-40B4-BE49-F238E27FC236}">
+                <a16:creationId xmlns:a16="http://schemas.microsoft.com/office/drawing/2014/main" id="{8D378AA8-40CD-4E5D-BB3C-9D6E51C21D46}"/>
+              </a:ext>
+            </a:extLst>
+          </p:cNvPr>
+          <p:cNvSpPr txBox="1"/>
+          <p:nvPr/>
+        </p:nvSpPr>
+        <p:spPr>
+          <a:xfrm>
+            <a:off x="7228078" y="86022"/>
+            <a:ext cx="1850821" cy="1323439"/>
+          </a:xfrm>
+          <a:prstGeom prst="rect">
+            <a:avLst/>
+          </a:prstGeom>
+          <a:noFill/>
+        </p:spPr>
+        <p:txBody>
+          <a:bodyPr wrap="square" rtlCol="0">
+            <a:spAutoFit/>
+          </a:bodyPr>
+          <a:lstStyle/>
+          <a:p>
+            <a:pPr algn="ctr"/>
+            <a:r>
+              <a:rPr lang="pl-PL" sz="1600" dirty="0"/>
+              <a:t>Zbiór </a:t>
+            </a:r>
+            <a:r>
+              <a:rPr lang="pl-PL" sz="1600" b="0" i="0" dirty="0">
+                <a:effectLst/>
+              </a:rPr>
+              <a:t>z top 10 </a:t>
+            </a:r>
+            <a:r>
+              <a:rPr lang="pl-PL" sz="1600" dirty="0"/>
+              <a:t>bitów </a:t>
+            </a:r>
+            <a:r>
+              <a:rPr lang="pl-PL" sz="1600" dirty="0" err="1"/>
+              <a:t>fingerprintu</a:t>
+            </a:r>
+            <a:r>
+              <a:rPr lang="pl-PL" sz="1600" dirty="0"/>
+              <a:t> MACCSFP</a:t>
+            </a:r>
+            <a:r>
+              <a:rPr lang="pl-PL" sz="1600" b="0" i="0" dirty="0">
+                <a:effectLst/>
+              </a:rPr>
+              <a:t> dla 15 najlepszych predykcji </a:t>
+            </a:r>
+          </a:p>
+        </p:txBody>
+      </p:sp>
+      <p:sp>
+        <p:nvSpPr>
+          <p:cNvPr id="25" name="pole tekstowe 24">
+            <a:extLst>
+              <a:ext uri="{FF2B5EF4-FFF2-40B4-BE49-F238E27FC236}">
+                <a16:creationId xmlns:a16="http://schemas.microsoft.com/office/drawing/2014/main" id="{EEC745F3-8B6C-496A-B65D-85943CF9DA48}"/>
+              </a:ext>
+            </a:extLst>
+          </p:cNvPr>
+          <p:cNvSpPr txBox="1"/>
+          <p:nvPr/>
+        </p:nvSpPr>
+        <p:spPr>
+          <a:xfrm>
+            <a:off x="9853202" y="139939"/>
+            <a:ext cx="2035766" cy="1077218"/>
+          </a:xfrm>
+          <a:prstGeom prst="rect">
+            <a:avLst/>
+          </a:prstGeom>
+          <a:noFill/>
+        </p:spPr>
+        <p:txBody>
+          <a:bodyPr wrap="square" rtlCol="0">
+            <a:spAutoFit/>
+          </a:bodyPr>
+          <a:lstStyle/>
+          <a:p>
+            <a:r>
+              <a:rPr lang="pl-PL" sz="1600"/>
+              <a:t>Zbiór </a:t>
+            </a:r>
+            <a:r>
+              <a:rPr lang="pl-PL" sz="1600" b="0" i="0">
+                <a:effectLst/>
+              </a:rPr>
+              <a:t>z top 5 </a:t>
+            </a:r>
+            <a:r>
+              <a:rPr lang="pl-PL" sz="1600"/>
+              <a:t>bitów fingerprintu MACCSFP</a:t>
+            </a:r>
+            <a:r>
+              <a:rPr lang="pl-PL" sz="1600" b="0" i="0">
+                <a:effectLst/>
+              </a:rPr>
+              <a:t> dla 15 najgorszych predykcji </a:t>
+            </a:r>
+            <a:endParaRPr lang="pl-PL" sz="1600" b="0" i="0" dirty="0">
+              <a:effectLst/>
+            </a:endParaRPr>
+          </a:p>
+        </p:txBody>
+      </p:sp>
     </p:spTree>
     <p:extLst>
       <p:ext uri="{BB962C8B-B14F-4D97-AF65-F5344CB8AC3E}">
-        <p14:creationId xmlns:p14="http://schemas.microsoft.com/office/powerpoint/2010/main" val="552691394"/>
+        <p14:creationId xmlns:p14="http://schemas.microsoft.com/office/powerpoint/2010/main" val="612672741"/>
       </p:ext>
     </p:extLst>
   </p:cSld>
   <p:clrMapOvr>
     <a:masterClrMapping/>
   </p:clrMapOvr>
-</p:sld>
-</file>
-
-<file path=ppt/slides/slide11.xml><?xml version="1.0" encoding="utf-8"?>
-<p:sld xmlns:a="http://schemas.openxmlformats.org/drawingml/2006/main" xmlns:r="http://schemas.openxmlformats.org/officeDocument/2006/relationships" xmlns:p="http://schemas.openxmlformats.org/presentationml/2006/main">
-  <p:cSld>
-    <p:spTree>
-      <p:nvGrpSpPr>
-        <p:cNvPr id="1" name=""/>
-        <p:cNvGrpSpPr/>
-        <p:nvPr/>
-      </p:nvGrpSpPr>
-      <p:grpSpPr>
-        <a:xfrm>
-          <a:off x="0" y="0"/>
-          <a:ext cx="0" cy="0"/>
-          <a:chOff x="0" y="0"/>
-          <a:chExt cx="0" cy="0"/>
-        </a:xfrm>
-      </p:grpSpPr>
-      <p:sp>
-        <p:nvSpPr>
-          <p:cNvPr id="2" name="Tytuł 1">
-            <a:extLst>
-              <a:ext uri="{FF2B5EF4-FFF2-40B4-BE49-F238E27FC236}">
-                <a16:creationId xmlns:a16="http://schemas.microsoft.com/office/drawing/2014/main" id="{DEDC6BDB-F4AA-4667-BD70-7EF1C886CF49}"/>
-              </a:ext>
-            </a:extLst>
-          </p:cNvPr>
-          <p:cNvSpPr>
-            <a:spLocks noGrp="1"/>
-          </p:cNvSpPr>
-          <p:nvPr>
-            <p:ph type="title"/>
-          </p:nvPr>
-        </p:nvSpPr>
-        <p:spPr/>
-        <p:txBody>
-          <a:bodyPr/>
-          <a:lstStyle/>
-          <a:p>
-            <a:r>
-              <a:rPr lang="pl-PL" dirty="0"/>
-              <a:t>ANALIZA NAJLEPSZEGO MODELU</a:t>
-            </a:r>
-          </a:p>
-        </p:txBody>
-      </p:sp>
-      <p:pic>
-        <p:nvPicPr>
-          <p:cNvPr id="11" name="Symbol zastępczy zawartości 10">
-            <a:extLst>
-              <a:ext uri="{FF2B5EF4-FFF2-40B4-BE49-F238E27FC236}">
-                <a16:creationId xmlns:a16="http://schemas.microsoft.com/office/drawing/2014/main" id="{51B25AE3-E988-4521-9A23-C872802A373B}"/>
-              </a:ext>
-            </a:extLst>
-          </p:cNvPr>
-          <p:cNvPicPr>
-            <a:picLocks noGrp="1" noChangeAspect="1"/>
-          </p:cNvPicPr>
-          <p:nvPr>
-            <p:ph idx="1"/>
-          </p:nvPr>
-        </p:nvPicPr>
-        <p:blipFill>
-          <a:blip r:embed="rId2">
-            <a:extLst>
-              <a:ext uri="{28A0092B-C50C-407E-A947-70E740481C1C}">
-                <a14:useLocalDpi xmlns:a14="http://schemas.microsoft.com/office/drawing/2010/main" val="0"/>
-              </a:ext>
-            </a:extLst>
-          </a:blip>
-          <a:stretch>
-            <a:fillRect/>
-          </a:stretch>
-        </p:blipFill>
-        <p:spPr>
-          <a:xfrm>
-            <a:off x="-7256" y="1989942"/>
-            <a:ext cx="6096000" cy="3150492"/>
-          </a:xfrm>
-          <a:prstGeom prst="roundRect">
-            <a:avLst>
-              <a:gd name="adj" fmla="val 8594"/>
-            </a:avLst>
-          </a:prstGeom>
-          <a:solidFill>
-            <a:srgbClr val="FFFFFF">
-              <a:shade val="85000"/>
-            </a:srgbClr>
-          </a:solidFill>
-          <a:ln>
-            <a:noFill/>
-          </a:ln>
-          <a:effectLst>
-            <a:reflection blurRad="12700" stA="38000" endPos="28000" dist="5000" dir="5400000" sy="-100000" algn="bl" rotWithShape="0"/>
-          </a:effectLst>
-        </p:spPr>
-      </p:pic>
-      <p:pic>
-        <p:nvPicPr>
-          <p:cNvPr id="13" name="Obraz 12">
-            <a:extLst>
-              <a:ext uri="{FF2B5EF4-FFF2-40B4-BE49-F238E27FC236}">
-                <a16:creationId xmlns:a16="http://schemas.microsoft.com/office/drawing/2014/main" id="{49D8816A-E838-4FD2-BC1B-EDA1B9FC53C6}"/>
-              </a:ext>
-            </a:extLst>
-          </p:cNvPr>
-          <p:cNvPicPr>
-            <a:picLocks noChangeAspect="1"/>
-          </p:cNvPicPr>
-          <p:nvPr/>
-        </p:nvPicPr>
-        <p:blipFill>
-          <a:blip r:embed="rId3">
-            <a:extLst>
-              <a:ext uri="{28A0092B-C50C-407E-A947-70E740481C1C}">
-                <a14:useLocalDpi xmlns:a14="http://schemas.microsoft.com/office/drawing/2010/main" val="0"/>
-              </a:ext>
-            </a:extLst>
-          </a:blip>
-          <a:stretch>
-            <a:fillRect/>
-          </a:stretch>
-        </p:blipFill>
-        <p:spPr>
-          <a:xfrm>
-            <a:off x="6096000" y="1989941"/>
-            <a:ext cx="6096000" cy="3150493"/>
-          </a:xfrm>
-          <a:prstGeom prst="roundRect">
-            <a:avLst>
-              <a:gd name="adj" fmla="val 8594"/>
-            </a:avLst>
-          </a:prstGeom>
-          <a:solidFill>
-            <a:srgbClr val="FFFFFF">
-              <a:shade val="85000"/>
-            </a:srgbClr>
-          </a:solidFill>
-          <a:ln>
-            <a:noFill/>
-          </a:ln>
-          <a:effectLst>
-            <a:reflection blurRad="12700" stA="38000" endPos="28000" dist="5000" dir="5400000" sy="-100000" algn="bl" rotWithShape="0"/>
-          </a:effectLst>
-        </p:spPr>
-      </p:pic>
-    </p:spTree>
-    <p:extLst>
-      <p:ext uri="{BB962C8B-B14F-4D97-AF65-F5344CB8AC3E}">
-        <p14:creationId xmlns:p14="http://schemas.microsoft.com/office/powerpoint/2010/main" val="234424143"/>
-      </p:ext>
-    </p:extLst>
-  </p:cSld>
-  <p:clrMapOvr>
-    <a:masterClrMapping/>
-  </p:clrMapOvr>
+  <p:timing>
+    <p:tnLst>
+      <p:par>
+        <p:cTn id="1" dur="indefinite" restart="never" nodeType="tmRoot">
+          <p:childTnLst>
+            <p:seq concurrent="1" nextAc="seek">
+              <p:cTn id="2" dur="indefinite" nodeType="mainSeq">
+                <p:childTnLst>
+                  <p:par>
+                    <p:cTn id="3" fill="hold">
+                      <p:stCondLst>
+                        <p:cond delay="indefinite"/>
+                      </p:stCondLst>
+                      <p:childTnLst>
+                        <p:par>
+                          <p:cTn id="4" fill="hold">
+                            <p:stCondLst>
+                              <p:cond delay="0"/>
+                            </p:stCondLst>
+                            <p:childTnLst>
+                              <p:par>
+                                <p:cTn id="5" presetID="2" presetClass="entr" presetSubtype="4" fill="hold" nodeType="clickEffect">
+                                  <p:stCondLst>
+                                    <p:cond delay="0"/>
+                                  </p:stCondLst>
+                                  <p:childTnLst>
+                                    <p:set>
+                                      <p:cBhvr>
+                                        <p:cTn id="6" dur="1" fill="hold">
+                                          <p:stCondLst>
+                                            <p:cond delay="0"/>
+                                          </p:stCondLst>
+                                        </p:cTn>
+                                        <p:tgtEl>
+                                          <p:spTgt spid="3">
+                                            <p:txEl>
+                                              <p:pRg st="2" end="2"/>
+                                            </p:txEl>
+                                          </p:spTgt>
+                                        </p:tgtEl>
+                                        <p:attrNameLst>
+                                          <p:attrName>style.visibility</p:attrName>
+                                        </p:attrNameLst>
+                                      </p:cBhvr>
+                                      <p:to>
+                                        <p:strVal val="visible"/>
+                                      </p:to>
+                                    </p:set>
+                                    <p:anim calcmode="lin" valueType="num">
+                                      <p:cBhvr additive="base">
+                                        <p:cTn id="7" dur="500" fill="hold"/>
+                                        <p:tgtEl>
+                                          <p:spTgt spid="3">
+                                            <p:txEl>
+                                              <p:pRg st="2" end="2"/>
+                                            </p:txEl>
+                                          </p:spTgt>
+                                        </p:tgtEl>
+                                        <p:attrNameLst>
+                                          <p:attrName>ppt_x</p:attrName>
+                                        </p:attrNameLst>
+                                      </p:cBhvr>
+                                      <p:tavLst>
+                                        <p:tav tm="0">
+                                          <p:val>
+                                            <p:strVal val="#ppt_x"/>
+                                          </p:val>
+                                        </p:tav>
+                                        <p:tav tm="100000">
+                                          <p:val>
+                                            <p:strVal val="#ppt_x"/>
+                                          </p:val>
+                                        </p:tav>
+                                      </p:tavLst>
+                                    </p:anim>
+                                    <p:anim calcmode="lin" valueType="num">
+                                      <p:cBhvr additive="base">
+                                        <p:cTn id="8" dur="500" fill="hold"/>
+                                        <p:tgtEl>
+                                          <p:spTgt spid="3">
+                                            <p:txEl>
+                                              <p:pRg st="2" end="2"/>
+                                            </p:txEl>
+                                          </p:spTgt>
+                                        </p:tgtEl>
+                                        <p:attrNameLst>
+                                          <p:attrName>ppt_y</p:attrName>
+                                        </p:attrNameLst>
+                                      </p:cBhvr>
+                                      <p:tavLst>
+                                        <p:tav tm="0">
+                                          <p:val>
+                                            <p:strVal val="1+#ppt_h/2"/>
+                                          </p:val>
+                                        </p:tav>
+                                        <p:tav tm="100000">
+                                          <p:val>
+                                            <p:strVal val="#ppt_y"/>
+                                          </p:val>
+                                        </p:tav>
+                                      </p:tavLst>
+                                    </p:anim>
+                                  </p:childTnLst>
+                                </p:cTn>
+                              </p:par>
+                            </p:childTnLst>
+                          </p:cTn>
+                        </p:par>
+                      </p:childTnLst>
+                    </p:cTn>
+                  </p:par>
+                </p:childTnLst>
+              </p:cTn>
+              <p:prevCondLst>
+                <p:cond evt="onPrev" delay="0">
+                  <p:tgtEl>
+                    <p:sldTgt/>
+                  </p:tgtEl>
+                </p:cond>
+              </p:prevCondLst>
+              <p:nextCondLst>
+                <p:cond evt="onNext" delay="0">
+                  <p:tgtEl>
+                    <p:sldTgt/>
+                  </p:tgtEl>
+                </p:cond>
+              </p:nextCondLst>
+            </p:seq>
+          </p:childTnLst>
+        </p:cTn>
+      </p:par>
+    </p:tnLst>
+  </p:timing>
 </p:sld>
 </file>
 
@@ -4642,10 +6615,10 @@
       </p:grpSpPr>
       <p:sp>
         <p:nvSpPr>
-          <p:cNvPr id="31" name="Rectangle 30">
+          <p:cNvPr id="14" name="Rectangle 13">
             <a:extLst>
               <a:ext uri="{FF2B5EF4-FFF2-40B4-BE49-F238E27FC236}">
-                <a16:creationId xmlns:a16="http://schemas.microsoft.com/office/drawing/2014/main" id="{EEA869E1-F851-4A52-92F5-77E592B76A5B}"/>
+                <a16:creationId xmlns:a16="http://schemas.microsoft.com/office/drawing/2014/main" id="{0CABCAE3-64FC-4149-819F-2C1812824154}"/>
               </a:ext>
               <a:ext uri="{C183D7F6-B498-43B3-948B-1728B52AA6E4}">
                 <adec:decorative xmlns:adec="http://schemas.microsoft.com/office/drawing/2017/decorative" val="1"/>
@@ -4708,10 +6681,10 @@
       </p:sp>
       <p:pic>
         <p:nvPicPr>
-          <p:cNvPr id="33" name="Picture 32">
+          <p:cNvPr id="16" name="Picture 15">
             <a:extLst>
               <a:ext uri="{FF2B5EF4-FFF2-40B4-BE49-F238E27FC236}">
-                <a16:creationId xmlns:a16="http://schemas.microsoft.com/office/drawing/2014/main" id="{B083AD55-8296-44BD-8E14-DD2DDBC351B0}"/>
+                <a16:creationId xmlns:a16="http://schemas.microsoft.com/office/drawing/2014/main" id="{012FDCFE-9AD2-4D8A-8CBF-B3AA37EBF6DD}"/>
               </a:ext>
               <a:ext uri="{C183D7F6-B498-43B3-948B-1728B52AA6E4}">
                 <adec:decorative xmlns:adec="http://schemas.microsoft.com/office/drawing/2017/decorative" val="1"/>
@@ -4752,10 +6725,10 @@
       </p:pic>
       <p:cxnSp>
         <p:nvCxnSpPr>
-          <p:cNvPr id="35" name="Straight Connector 34">
+          <p:cNvPr id="18" name="Straight Connector 17">
             <a:extLst>
               <a:ext uri="{FF2B5EF4-FFF2-40B4-BE49-F238E27FC236}">
-                <a16:creationId xmlns:a16="http://schemas.microsoft.com/office/drawing/2014/main" id="{2BF46B26-15FC-4C5A-94FA-AE9ED64B5C20}"/>
+                <a16:creationId xmlns:a16="http://schemas.microsoft.com/office/drawing/2014/main" id="{FBD463FC-4CA8-4FF4-85A3-AF9F4B98D210}"/>
               </a:ext>
               <a:ext uri="{C183D7F6-B498-43B3-948B-1728B52AA6E4}">
                 <adec:decorative xmlns:adec="http://schemas.microsoft.com/office/drawing/2017/decorative" val="1"/>
@@ -4806,10 +6779,10 @@
       </p:cxnSp>
       <p:cxnSp>
         <p:nvCxnSpPr>
-          <p:cNvPr id="37" name="Straight Connector 36">
+          <p:cNvPr id="20" name="Straight Connector 19">
             <a:extLst>
               <a:ext uri="{FF2B5EF4-FFF2-40B4-BE49-F238E27FC236}">
-                <a16:creationId xmlns:a16="http://schemas.microsoft.com/office/drawing/2014/main" id="{912F6065-5345-44BD-B66E-5487CCD7A9B9}"/>
+                <a16:creationId xmlns:a16="http://schemas.microsoft.com/office/drawing/2014/main" id="{BECF35C3-8B44-4F4B-BD25-4C01823DB22A}"/>
               </a:ext>
               <a:ext uri="{C183D7F6-B498-43B3-948B-1728B52AA6E4}">
                 <adec:decorative xmlns:adec="http://schemas.microsoft.com/office/drawing/2017/decorative" val="1"/>
@@ -4854,10 +6827,10 @@
       </p:cxnSp>
       <p:sp useBgFill="1">
         <p:nvSpPr>
-          <p:cNvPr id="39" name="Rectangle 38">
+          <p:cNvPr id="22" name="Rectangle 21">
             <a:extLst>
               <a:ext uri="{FF2B5EF4-FFF2-40B4-BE49-F238E27FC236}">
-                <a16:creationId xmlns:a16="http://schemas.microsoft.com/office/drawing/2014/main" id="{0EF77632-1A0C-4B9F-829B-226E68A78E9F}"/>
+                <a16:creationId xmlns:a16="http://schemas.microsoft.com/office/drawing/2014/main" id="{D0712110-0BC1-4B31-B3BB-63B44222E87F}"/>
               </a:ext>
               <a:ext uri="{C183D7F6-B498-43B3-948B-1728B52AA6E4}">
                 <adec:decorative xmlns:adec="http://schemas.microsoft.com/office/drawing/2017/decorative" val="1"/>
@@ -4914,10 +6887,10 @@
       </p:sp>
       <p:sp>
         <p:nvSpPr>
-          <p:cNvPr id="41" name="Rectangle 40">
+          <p:cNvPr id="24" name="Rectangle 23">
             <a:extLst>
               <a:ext uri="{FF2B5EF4-FFF2-40B4-BE49-F238E27FC236}">
-                <a16:creationId xmlns:a16="http://schemas.microsoft.com/office/drawing/2014/main" id="{F3DCFC27-6BCE-42B6-8372-070EA07685D7}"/>
+                <a16:creationId xmlns:a16="http://schemas.microsoft.com/office/drawing/2014/main" id="{4466B5F3-C053-4580-B04A-1EF949888280}"/>
               </a:ext>
               <a:ext uri="{C183D7F6-B498-43B3-948B-1728B52AA6E4}">
                 <adec:decorative xmlns:adec="http://schemas.microsoft.com/office/drawing/2017/decorative" val="1"/>
@@ -4988,10 +6961,10 @@
       </p:sp>
       <p:sp>
         <p:nvSpPr>
-          <p:cNvPr id="2" name="Tytuł 1">
+          <p:cNvPr id="6" name="Tytuł 1">
             <a:extLst>
               <a:ext uri="{FF2B5EF4-FFF2-40B4-BE49-F238E27FC236}">
-                <a16:creationId xmlns:a16="http://schemas.microsoft.com/office/drawing/2014/main" id="{1AC4678C-D484-4F41-A1B6-D4CC9BB1E489}"/>
+                <a16:creationId xmlns:a16="http://schemas.microsoft.com/office/drawing/2014/main" id="{1F2409F7-AFC0-4F01-B628-3CD13B5771F5}"/>
               </a:ext>
             </a:extLst>
           </p:cNvPr>
@@ -5004,8 +6977,8 @@
         </p:nvSpPr>
         <p:spPr>
           <a:xfrm>
-            <a:off x="1776424" y="4460798"/>
-            <a:ext cx="8637073" cy="558063"/>
+            <a:off x="1452616" y="962902"/>
+            <a:ext cx="4176384" cy="2380828"/>
           </a:xfrm>
         </p:spPr>
         <p:txBody>
@@ -5015,18 +6988,266 @@
           <a:lstStyle/>
           <a:p>
             <a:r>
-              <a:rPr lang="en-US" sz="3600"/>
-              <a:t>ANALIZA NAJLEPSZEGO MODELU</a:t>
-            </a:r>
-          </a:p>
-        </p:txBody>
-      </p:sp>
+              <a:rPr lang="en-US" sz="4800"/>
+              <a:t>ANALIZA WYNIKU - LIME </a:t>
+            </a:r>
+          </a:p>
+        </p:txBody>
+      </p:sp>
+      <p:sp>
+        <p:nvSpPr>
+          <p:cNvPr id="7" name="Symbol zastępczy zawartości 2">
+            <a:extLst>
+              <a:ext uri="{FF2B5EF4-FFF2-40B4-BE49-F238E27FC236}">
+                <a16:creationId xmlns:a16="http://schemas.microsoft.com/office/drawing/2014/main" id="{6D6E0B4F-EE8E-45FE-BA16-5A8F3A3DBFC0}"/>
+              </a:ext>
+            </a:extLst>
+          </p:cNvPr>
+          <p:cNvSpPr>
+            <a:spLocks noGrp="1"/>
+          </p:cNvSpPr>
+          <p:nvPr>
+            <p:ph idx="1"/>
+          </p:nvPr>
+        </p:nvSpPr>
+        <p:spPr>
+          <a:xfrm>
+            <a:off x="1452617" y="3531204"/>
+            <a:ext cx="4368967" cy="1832002"/>
+          </a:xfrm>
+        </p:spPr>
+        <p:txBody>
+          <a:bodyPr vert="horz" lIns="91440" tIns="91440" rIns="91440" bIns="91440" rtlCol="0">
+            <a:normAutofit/>
+          </a:bodyPr>
+          <a:lstStyle/>
+          <a:p>
+            <a:pPr marL="0" indent="0">
+              <a:buNone/>
+            </a:pPr>
+            <a:r>
+              <a:rPr lang="en-US" sz="1800" cap="all" dirty="0"/>
+              <a:t>Z 25 </a:t>
+            </a:r>
+            <a:r>
+              <a:rPr lang="en-US" sz="1800" cap="all" dirty="0" err="1"/>
+              <a:t>predykcji</a:t>
+            </a:r>
+            <a:r>
+              <a:rPr lang="en-US" sz="1800" cap="all" dirty="0"/>
+              <a:t> </a:t>
+            </a:r>
+            <a:r>
+              <a:rPr lang="en-US" sz="1800" cap="all" dirty="0" err="1"/>
+              <a:t>wyznaczono</a:t>
+            </a:r>
+            <a:r>
+              <a:rPr lang="en-US" sz="1800" cap="all" dirty="0"/>
+              <a:t> top 10 </a:t>
+            </a:r>
+            <a:r>
+              <a:rPr lang="en-US" sz="1800" cap="all" dirty="0" err="1"/>
+              <a:t>najważniejszych</a:t>
+            </a:r>
+            <a:r>
+              <a:rPr lang="en-US" sz="1800" cap="all" dirty="0"/>
+              <a:t> </a:t>
+            </a:r>
+            <a:r>
+              <a:rPr lang="en-US" sz="1800" cap="all" dirty="0" err="1"/>
+              <a:t>i</a:t>
+            </a:r>
+            <a:r>
+              <a:rPr lang="en-US" sz="1800" cap="all" dirty="0"/>
+              <a:t> </a:t>
+            </a:r>
+            <a:r>
+              <a:rPr lang="en-US" sz="1800" cap="all" dirty="0" err="1"/>
+              <a:t>najmniej</a:t>
+            </a:r>
+            <a:r>
+              <a:rPr lang="en-US" sz="1800" cap="all" dirty="0"/>
+              <a:t> </a:t>
+            </a:r>
+            <a:r>
+              <a:rPr lang="en-US" sz="1800" cap="all" dirty="0" err="1"/>
+              <a:t>znaczących</a:t>
+            </a:r>
+            <a:r>
+              <a:rPr lang="en-US" sz="1800" cap="all" dirty="0"/>
+              <a:t> </a:t>
+            </a:r>
+            <a:r>
+              <a:rPr lang="en-US" sz="1800" cap="all" dirty="0" err="1"/>
+              <a:t>bitów</a:t>
+            </a:r>
+            <a:r>
+              <a:rPr lang="en-US" sz="1800" cap="all" dirty="0"/>
+              <a:t> </a:t>
+            </a:r>
+            <a:r>
+              <a:rPr lang="en-US" sz="1800" cap="all" dirty="0" err="1"/>
+              <a:t>fingerprintu</a:t>
+            </a:r>
+            <a:r>
+              <a:rPr lang="en-US" sz="1800" cap="all" dirty="0"/>
+              <a:t> MACCSFP</a:t>
+            </a:r>
+          </a:p>
+        </p:txBody>
+      </p:sp>
+      <p:cxnSp>
+        <p:nvCxnSpPr>
+          <p:cNvPr id="26" name="Straight Connector 25">
+            <a:extLst>
+              <a:ext uri="{FF2B5EF4-FFF2-40B4-BE49-F238E27FC236}">
+                <a16:creationId xmlns:a16="http://schemas.microsoft.com/office/drawing/2014/main" id="{FA6123F2-4B61-414F-A7E5-5B7828EACAE2}"/>
+              </a:ext>
+              <a:ext uri="{C183D7F6-B498-43B3-948B-1728B52AA6E4}">
+                <adec:decorative xmlns:adec="http://schemas.microsoft.com/office/drawing/2017/decorative" val="1"/>
+              </a:ext>
+            </a:extLst>
+          </p:cNvPr>
+          <p:cNvCxnSpPr>
+            <a:cxnSpLocks noGrp="1" noRot="1" noChangeAspect="1" noMove="1" noResize="1" noEditPoints="1" noAdjustHandles="1" noChangeArrowheads="1" noChangeShapeType="1"/>
+          </p:cNvCxnSpPr>
+          <p:nvPr>
+            <p:extLst>
+              <p:ext uri="{386F3935-93C4-4BCD-93E2-E3B085C9AB24}">
+                <p16:designElem xmlns:p16="http://schemas.microsoft.com/office/powerpoint/2015/main" val="1"/>
+              </p:ext>
+            </p:extLst>
+          </p:nvPr>
+        </p:nvCxnSpPr>
+        <p:spPr>
+          <a:xfrm>
+            <a:off x="1452617" y="3528543"/>
+            <a:ext cx="4171479" cy="0"/>
+          </a:xfrm>
+          <a:prstGeom prst="line">
+            <a:avLst/>
+          </a:prstGeom>
+          <a:ln w="31750"/>
+        </p:spPr>
+        <p:style>
+          <a:lnRef idx="3">
+            <a:schemeClr val="accent1"/>
+          </a:lnRef>
+          <a:fillRef idx="0">
+            <a:schemeClr val="accent1"/>
+          </a:fillRef>
+          <a:effectRef idx="2">
+            <a:schemeClr val="accent1"/>
+          </a:effectRef>
+          <a:fontRef idx="minor">
+            <a:schemeClr val="tx1"/>
+          </a:fontRef>
+        </p:style>
+      </p:cxnSp>
       <p:pic>
         <p:nvPicPr>
-          <p:cNvPr id="8" name="Obraz 7">
+          <p:cNvPr id="28" name="Picture 27">
             <a:extLst>
               <a:ext uri="{FF2B5EF4-FFF2-40B4-BE49-F238E27FC236}">
-                <a16:creationId xmlns:a16="http://schemas.microsoft.com/office/drawing/2014/main" id="{26A8F3DD-E240-4A0C-9407-DFD6F73129A4}"/>
+                <a16:creationId xmlns:a16="http://schemas.microsoft.com/office/drawing/2014/main" id="{25CED634-E2D0-4AB7-96DD-816C9B52C5CF}"/>
+              </a:ext>
+              <a:ext uri="{C183D7F6-B498-43B3-948B-1728B52AA6E4}">
+                <adec:decorative xmlns:adec="http://schemas.microsoft.com/office/drawing/2017/decorative" val="1"/>
+              </a:ext>
+            </a:extLst>
+          </p:cNvPr>
+          <p:cNvPicPr>
+            <a:picLocks noGrp="1" noRot="1" noChangeAspect="1" noMove="1" noResize="1" noEditPoints="1" noAdjustHandles="1" noChangeArrowheads="1" noChangeShapeType="1" noCrop="1"/>
+          </p:cNvPicPr>
+          <p:nvPr>
+            <p:extLst>
+              <p:ext uri="{386F3935-93C4-4BCD-93E2-E3B085C9AB24}">
+                <p16:designElem xmlns:p16="http://schemas.microsoft.com/office/powerpoint/2015/main" val="1"/>
+              </p:ext>
+            </p:extLst>
+          </p:nvPr>
+        </p:nvPicPr>
+        <p:blipFill rotWithShape="1">
+          <a:blip r:embed="rId2">
+            <a:extLst>
+              <a:ext uri="{28A0092B-C50C-407E-A947-70E740481C1C}">
+                <a14:useLocalDpi xmlns:a14="http://schemas.microsoft.com/office/drawing/2010/main" val="0"/>
+              </a:ext>
+            </a:extLst>
+          </a:blip>
+          <a:srcRect t="1538" b="-1538"/>
+          <a:stretch/>
+        </p:blipFill>
+        <p:spPr bwMode="black">
+          <a:xfrm>
+            <a:off x="0" y="6126480"/>
+            <a:ext cx="12192000" cy="742950"/>
+          </a:xfrm>
+          <a:prstGeom prst="rect">
+            <a:avLst/>
+          </a:prstGeom>
+        </p:spPr>
+      </p:pic>
+      <p:cxnSp>
+        <p:nvCxnSpPr>
+          <p:cNvPr id="30" name="Straight Connector 29">
+            <a:extLst>
+              <a:ext uri="{FF2B5EF4-FFF2-40B4-BE49-F238E27FC236}">
+                <a16:creationId xmlns:a16="http://schemas.microsoft.com/office/drawing/2014/main" id="{FCDDCDFB-696D-4FDF-9B58-24F71B7C37BC}"/>
+              </a:ext>
+              <a:ext uri="{C183D7F6-B498-43B3-948B-1728B52AA6E4}">
+                <adec:decorative xmlns:adec="http://schemas.microsoft.com/office/drawing/2017/decorative" val="1"/>
+              </a:ext>
+            </a:extLst>
+          </p:cNvPr>
+          <p:cNvCxnSpPr>
+            <a:cxnSpLocks noGrp="1" noRot="1" noChangeAspect="1" noMove="1" noResize="1" noEditPoints="1" noAdjustHandles="1" noChangeArrowheads="1" noChangeShapeType="1"/>
+          </p:cNvCxnSpPr>
+          <p:nvPr>
+            <p:extLst>
+              <p:ext uri="{386F3935-93C4-4BCD-93E2-E3B085C9AB24}">
+                <p16:designElem xmlns:p16="http://schemas.microsoft.com/office/powerpoint/2015/main" val="1"/>
+              </p:ext>
+            </p:extLst>
+          </p:nvPr>
+        </p:nvCxnSpPr>
+        <p:spPr>
+          <a:xfrm>
+            <a:off x="0" y="6128413"/>
+            <a:ext cx="12192000" cy="0"/>
+          </a:xfrm>
+          <a:prstGeom prst="line">
+            <a:avLst/>
+          </a:prstGeom>
+          <a:ln w="12700">
+            <a:solidFill>
+              <a:srgbClr val="000001">
+                <a:alpha val="20000"/>
+              </a:srgbClr>
+            </a:solidFill>
+          </a:ln>
+        </p:spPr>
+        <p:style>
+          <a:lnRef idx="1">
+            <a:schemeClr val="accent1"/>
+          </a:lnRef>
+          <a:fillRef idx="0">
+            <a:schemeClr val="accent1"/>
+          </a:fillRef>
+          <a:effectRef idx="0">
+            <a:schemeClr val="accent1"/>
+          </a:effectRef>
+          <a:fontRef idx="minor">
+            <a:schemeClr val="tx1"/>
+          </a:fontRef>
+        </p:style>
+      </p:cxnSp>
+      <p:pic>
+        <p:nvPicPr>
+          <p:cNvPr id="43" name="Obraz 42">
+            <a:extLst>
+              <a:ext uri="{FF2B5EF4-FFF2-40B4-BE49-F238E27FC236}">
+                <a16:creationId xmlns:a16="http://schemas.microsoft.com/office/drawing/2014/main" id="{9B6FE316-99C4-477C-8958-853DEC4284A1}"/>
               </a:ext>
             </a:extLst>
           </p:cNvPr>
@@ -5043,8 +7264,8 @@
         </p:blipFill>
         <p:spPr>
           <a:xfrm>
-            <a:off x="963038" y="1343414"/>
-            <a:ext cx="2448851" cy="2185128"/>
+            <a:off x="6096000" y="1615110"/>
+            <a:ext cx="5233268" cy="3428693"/>
           </a:xfrm>
           <a:prstGeom prst="rect">
             <a:avLst/>
@@ -5061,207 +7282,10 @@
           </a:effectLst>
         </p:spPr>
       </p:pic>
-      <p:pic>
-        <p:nvPicPr>
-          <p:cNvPr id="5" name="Symbol zastępczy zawartości 4">
-            <a:extLst>
-              <a:ext uri="{FF2B5EF4-FFF2-40B4-BE49-F238E27FC236}">
-                <a16:creationId xmlns:a16="http://schemas.microsoft.com/office/drawing/2014/main" id="{1F8D59C8-FFBF-405C-A8F3-9E721C8149BB}"/>
-              </a:ext>
-            </a:extLst>
-          </p:cNvPr>
-          <p:cNvPicPr>
-            <a:picLocks noGrp="1" noChangeAspect="1"/>
-          </p:cNvPicPr>
-          <p:nvPr>
-            <p:ph idx="1"/>
-          </p:nvPr>
-        </p:nvPicPr>
-        <p:blipFill>
-          <a:blip r:embed="rId4">
-            <a:extLst>
-              <a:ext uri="{28A0092B-C50C-407E-A947-70E740481C1C}">
-                <a14:useLocalDpi xmlns:a14="http://schemas.microsoft.com/office/drawing/2010/main" val="0"/>
-              </a:ext>
-            </a:extLst>
-          </a:blip>
-          <a:stretch>
-            <a:fillRect/>
-          </a:stretch>
-        </p:blipFill>
-        <p:spPr>
-          <a:xfrm>
-            <a:off x="4134698" y="829519"/>
-            <a:ext cx="7334190" cy="3135365"/>
-          </a:xfrm>
-          <a:prstGeom prst="roundRect">
-            <a:avLst>
-              <a:gd name="adj" fmla="val 8594"/>
-            </a:avLst>
-          </a:prstGeom>
-          <a:solidFill>
-            <a:srgbClr val="FFFFFF">
-              <a:shade val="85000"/>
-            </a:srgbClr>
-          </a:solidFill>
-          <a:ln>
-            <a:noFill/>
-          </a:ln>
-          <a:effectLst>
-            <a:reflection blurRad="12700" stA="38000" endPos="28000" dist="5000" dir="5400000" sy="-100000" algn="bl" rotWithShape="0"/>
-          </a:effectLst>
-        </p:spPr>
-      </p:pic>
-      <p:cxnSp>
-        <p:nvCxnSpPr>
-          <p:cNvPr id="43" name="Straight Connector 42">
-            <a:extLst>
-              <a:ext uri="{FF2B5EF4-FFF2-40B4-BE49-F238E27FC236}">
-                <a16:creationId xmlns:a16="http://schemas.microsoft.com/office/drawing/2014/main" id="{96A4B1E0-284C-4A01-8141-A24D2B8EE093}"/>
-              </a:ext>
-              <a:ext uri="{C183D7F6-B498-43B3-948B-1728B52AA6E4}">
-                <adec:decorative xmlns:adec="http://schemas.microsoft.com/office/drawing/2017/decorative" val="1"/>
-              </a:ext>
-            </a:extLst>
-          </p:cNvPr>
-          <p:cNvCxnSpPr>
-            <a:cxnSpLocks noGrp="1" noRot="1" noChangeAspect="1" noMove="1" noResize="1" noEditPoints="1" noAdjustHandles="1" noChangeArrowheads="1" noChangeShapeType="1"/>
-          </p:cNvCxnSpPr>
-          <p:nvPr>
-            <p:extLst>
-              <p:ext uri="{386F3935-93C4-4BCD-93E2-E3B085C9AB24}">
-                <p16:designElem xmlns:p16="http://schemas.microsoft.com/office/powerpoint/2015/main" val="1"/>
-              </p:ext>
-            </p:extLst>
-          </p:nvPr>
-        </p:nvCxnSpPr>
-        <p:spPr>
-          <a:xfrm>
-            <a:off x="1776728" y="5027185"/>
-            <a:ext cx="8643010" cy="0"/>
-          </a:xfrm>
-          <a:prstGeom prst="line">
-            <a:avLst/>
-          </a:prstGeom>
-          <a:ln w="31750"/>
-        </p:spPr>
-        <p:style>
-          <a:lnRef idx="3">
-            <a:schemeClr val="accent1"/>
-          </a:lnRef>
-          <a:fillRef idx="0">
-            <a:schemeClr val="accent1"/>
-          </a:fillRef>
-          <a:effectRef idx="2">
-            <a:schemeClr val="accent1"/>
-          </a:effectRef>
-          <a:fontRef idx="minor">
-            <a:schemeClr val="tx1"/>
-          </a:fontRef>
-        </p:style>
-      </p:cxnSp>
-      <p:pic>
-        <p:nvPicPr>
-          <p:cNvPr id="45" name="Picture 44">
-            <a:extLst>
-              <a:ext uri="{FF2B5EF4-FFF2-40B4-BE49-F238E27FC236}">
-                <a16:creationId xmlns:a16="http://schemas.microsoft.com/office/drawing/2014/main" id="{F82046CE-87C5-4670-A404-6AB453F5A928}"/>
-              </a:ext>
-              <a:ext uri="{C183D7F6-B498-43B3-948B-1728B52AA6E4}">
-                <adec:decorative xmlns:adec="http://schemas.microsoft.com/office/drawing/2017/decorative" val="1"/>
-              </a:ext>
-            </a:extLst>
-          </p:cNvPr>
-          <p:cNvPicPr>
-            <a:picLocks noGrp="1" noRot="1" noChangeAspect="1" noMove="1" noResize="1" noEditPoints="1" noAdjustHandles="1" noChangeArrowheads="1" noChangeShapeType="1" noCrop="1"/>
-          </p:cNvPicPr>
-          <p:nvPr>
-            <p:extLst>
-              <p:ext uri="{386F3935-93C4-4BCD-93E2-E3B085C9AB24}">
-                <p16:designElem xmlns:p16="http://schemas.microsoft.com/office/powerpoint/2015/main" val="1"/>
-              </p:ext>
-            </p:extLst>
-          </p:nvPr>
-        </p:nvPicPr>
-        <p:blipFill rotWithShape="1">
-          <a:blip r:embed="rId2">
-            <a:extLst>
-              <a:ext uri="{28A0092B-C50C-407E-A947-70E740481C1C}">
-                <a14:useLocalDpi xmlns:a14="http://schemas.microsoft.com/office/drawing/2010/main" val="0"/>
-              </a:ext>
-            </a:extLst>
-          </a:blip>
-          <a:srcRect t="1538" b="-1538"/>
-          <a:stretch/>
-        </p:blipFill>
-        <p:spPr bwMode="black">
-          <a:xfrm>
-            <a:off x="0" y="6126480"/>
-            <a:ext cx="12192000" cy="742950"/>
-          </a:xfrm>
-          <a:prstGeom prst="rect">
-            <a:avLst/>
-          </a:prstGeom>
-        </p:spPr>
-      </p:pic>
-      <p:cxnSp>
-        <p:nvCxnSpPr>
-          <p:cNvPr id="47" name="Straight Connector 46">
-            <a:extLst>
-              <a:ext uri="{FF2B5EF4-FFF2-40B4-BE49-F238E27FC236}">
-                <a16:creationId xmlns:a16="http://schemas.microsoft.com/office/drawing/2014/main" id="{A224BAD7-5931-4CA6-BB58-0CBCFCFA65A5}"/>
-              </a:ext>
-              <a:ext uri="{C183D7F6-B498-43B3-948B-1728B52AA6E4}">
-                <adec:decorative xmlns:adec="http://schemas.microsoft.com/office/drawing/2017/decorative" val="1"/>
-              </a:ext>
-            </a:extLst>
-          </p:cNvPr>
-          <p:cNvCxnSpPr>
-            <a:cxnSpLocks noGrp="1" noRot="1" noChangeAspect="1" noMove="1" noResize="1" noEditPoints="1" noAdjustHandles="1" noChangeArrowheads="1" noChangeShapeType="1"/>
-          </p:cNvCxnSpPr>
-          <p:nvPr>
-            <p:extLst>
-              <p:ext uri="{386F3935-93C4-4BCD-93E2-E3B085C9AB24}">
-                <p16:designElem xmlns:p16="http://schemas.microsoft.com/office/powerpoint/2015/main" val="1"/>
-              </p:ext>
-            </p:extLst>
-          </p:nvPr>
-        </p:nvCxnSpPr>
-        <p:spPr>
-          <a:xfrm>
-            <a:off x="0" y="6128413"/>
-            <a:ext cx="12192000" cy="0"/>
-          </a:xfrm>
-          <a:prstGeom prst="line">
-            <a:avLst/>
-          </a:prstGeom>
-          <a:ln w="12700">
-            <a:solidFill>
-              <a:srgbClr val="000001">
-                <a:alpha val="20000"/>
-              </a:srgbClr>
-            </a:solidFill>
-          </a:ln>
-        </p:spPr>
-        <p:style>
-          <a:lnRef idx="1">
-            <a:schemeClr val="accent1"/>
-          </a:lnRef>
-          <a:fillRef idx="0">
-            <a:schemeClr val="accent1"/>
-          </a:fillRef>
-          <a:effectRef idx="0">
-            <a:schemeClr val="accent1"/>
-          </a:effectRef>
-          <a:fontRef idx="minor">
-            <a:schemeClr val="tx1"/>
-          </a:fontRef>
-        </p:style>
-      </p:cxnSp>
     </p:spTree>
     <p:extLst>
       <p:ext uri="{BB962C8B-B14F-4D97-AF65-F5344CB8AC3E}">
-        <p14:creationId xmlns:p14="http://schemas.microsoft.com/office/powerpoint/2010/main" val="4125572518"/>
+        <p14:creationId xmlns:p14="http://schemas.microsoft.com/office/powerpoint/2010/main" val="3575352984"/>
       </p:ext>
     </p:extLst>
   </p:cSld>
@@ -5293,7 +7317,7 @@
           <p:cNvPr id="2" name="Tytuł 1">
             <a:extLst>
               <a:ext uri="{FF2B5EF4-FFF2-40B4-BE49-F238E27FC236}">
-                <a16:creationId xmlns:a16="http://schemas.microsoft.com/office/drawing/2014/main" id="{B41421A1-C4E1-4654-9A13-ECF155778298}"/>
+                <a16:creationId xmlns:a16="http://schemas.microsoft.com/office/drawing/2014/main" id="{F4BB1F98-62BF-46EB-A2F3-A0076626DF28}"/>
               </a:ext>
             </a:extLst>
           </p:cNvPr>
@@ -5306,48 +7330,73 @@
         </p:nvSpPr>
         <p:spPr/>
         <p:txBody>
-          <a:bodyPr/>
+          <a:bodyPr>
+            <a:normAutofit/>
+          </a:bodyPr>
           <a:lstStyle/>
           <a:p>
             <a:r>
+              <a:rPr lang="pl-PL" dirty="0" err="1"/>
+              <a:t>WYNIKi</a:t>
+            </a:r>
+            <a:r>
               <a:rPr lang="pl-PL" dirty="0"/>
-              <a:t>Analiza Najlepszego Modelu - LIME</a:t>
-            </a:r>
-          </a:p>
-        </p:txBody>
-      </p:sp>
-      <p:sp>
-        <p:nvSpPr>
-          <p:cNvPr id="3" name="Symbol zastępczy zawartości 2">
+              <a:t> dla TD50</a:t>
+            </a:r>
+          </a:p>
+        </p:txBody>
+      </p:sp>
+      <p:pic>
+        <p:nvPicPr>
+          <p:cNvPr id="6146" name="Picture 2">
             <a:extLst>
               <a:ext uri="{FF2B5EF4-FFF2-40B4-BE49-F238E27FC236}">
-                <a16:creationId xmlns:a16="http://schemas.microsoft.com/office/drawing/2014/main" id="{CD8508D2-7005-45AC-B226-4E3F32A1293C}"/>
+                <a16:creationId xmlns:a16="http://schemas.microsoft.com/office/drawing/2014/main" id="{23CF6CBA-DD25-4BC5-B6D0-650D65053B6F}"/>
               </a:ext>
             </a:extLst>
           </p:cNvPr>
-          <p:cNvSpPr>
-            <a:spLocks noGrp="1"/>
-          </p:cNvSpPr>
-          <p:nvPr>
-            <p:ph idx="1"/>
-          </p:nvPr>
-        </p:nvSpPr>
-        <p:spPr/>
-        <p:txBody>
-          <a:bodyPr/>
-          <a:lstStyle/>
-          <a:p>
-            <a:r>
-              <a:rPr lang="pl-PL" dirty="0"/>
-              <a:t>TEMAT DO PRZEGADANIA</a:t>
-            </a:r>
-          </a:p>
-        </p:txBody>
-      </p:sp>
+          <p:cNvPicPr>
+            <a:picLocks noChangeAspect="1" noChangeArrowheads="1"/>
+          </p:cNvPicPr>
+          <p:nvPr/>
+        </p:nvPicPr>
+        <p:blipFill>
+          <a:blip r:embed="rId3">
+            <a:extLst>
+              <a:ext uri="{28A0092B-C50C-407E-A947-70E740481C1C}">
+                <a14:useLocalDpi xmlns:a14="http://schemas.microsoft.com/office/drawing/2010/main" val="0"/>
+              </a:ext>
+            </a:extLst>
+          </a:blip>
+          <a:srcRect/>
+          <a:stretch>
+            <a:fillRect/>
+          </a:stretch>
+        </p:blipFill>
+        <p:spPr bwMode="auto">
+          <a:xfrm>
+            <a:off x="2307498" y="2025458"/>
+            <a:ext cx="7173080" cy="3706025"/>
+          </a:xfrm>
+          <a:prstGeom prst="rect">
+            <a:avLst/>
+          </a:prstGeom>
+          <a:noFill/>
+          <a:extLst>
+            <a:ext uri="{909E8E84-426E-40DD-AFC4-6F175D3DCCD1}">
+              <a14:hiddenFill xmlns:a14="http://schemas.microsoft.com/office/drawing/2010/main">
+                <a:solidFill>
+                  <a:srgbClr val="FFFFFF"/>
+                </a:solidFill>
+              </a14:hiddenFill>
+            </a:ext>
+          </a:extLst>
+        </p:spPr>
+      </p:pic>
     </p:spTree>
     <p:extLst>
       <p:ext uri="{BB962C8B-B14F-4D97-AF65-F5344CB8AC3E}">
-        <p14:creationId xmlns:p14="http://schemas.microsoft.com/office/powerpoint/2010/main" val="3277077607"/>
+        <p14:creationId xmlns:p14="http://schemas.microsoft.com/office/powerpoint/2010/main" val="997222287"/>
       </p:ext>
     </p:extLst>
   </p:cSld>
@@ -5358,177 +7407,6 @@
 </file>
 
 <file path=ppt/slides/slide14.xml><?xml version="1.0" encoding="utf-8"?>
-<p:sld xmlns:a="http://schemas.openxmlformats.org/drawingml/2006/main" xmlns:r="http://schemas.openxmlformats.org/officeDocument/2006/relationships" xmlns:p="http://schemas.openxmlformats.org/presentationml/2006/main">
-  <p:cSld>
-    <p:spTree>
-      <p:nvGrpSpPr>
-        <p:cNvPr id="1" name=""/>
-        <p:cNvGrpSpPr/>
-        <p:nvPr/>
-      </p:nvGrpSpPr>
-      <p:grpSpPr>
-        <a:xfrm>
-          <a:off x="0" y="0"/>
-          <a:ext cx="0" cy="0"/>
-          <a:chOff x="0" y="0"/>
-          <a:chExt cx="0" cy="0"/>
-        </a:xfrm>
-      </p:grpSpPr>
-      <p:pic>
-        <p:nvPicPr>
-          <p:cNvPr id="5" name="Obraz 4">
-            <a:extLst>
-              <a:ext uri="{FF2B5EF4-FFF2-40B4-BE49-F238E27FC236}">
-                <a16:creationId xmlns:a16="http://schemas.microsoft.com/office/drawing/2014/main" id="{E221A2F9-805A-4C69-B249-4FE1EF07B204}"/>
-              </a:ext>
-            </a:extLst>
-          </p:cNvPr>
-          <p:cNvPicPr>
-            <a:picLocks noChangeAspect="1"/>
-          </p:cNvPicPr>
-          <p:nvPr/>
-        </p:nvPicPr>
-        <p:blipFill>
-          <a:blip r:embed="rId2"/>
-          <a:stretch>
-            <a:fillRect/>
-          </a:stretch>
-        </p:blipFill>
-        <p:spPr>
-          <a:xfrm>
-            <a:off x="7081736" y="0"/>
-            <a:ext cx="4066162" cy="6861648"/>
-          </a:xfrm>
-          <a:prstGeom prst="roundRect">
-            <a:avLst>
-              <a:gd name="adj" fmla="val 8594"/>
-            </a:avLst>
-          </a:prstGeom>
-          <a:solidFill>
-            <a:srgbClr val="FFFFFF">
-              <a:shade val="85000"/>
-            </a:srgbClr>
-          </a:solidFill>
-          <a:ln>
-            <a:noFill/>
-          </a:ln>
-          <a:effectLst>
-            <a:reflection blurRad="12700" stA="38000" endPos="28000" dist="5000" dir="5400000" sy="-100000" algn="bl" rotWithShape="0"/>
-          </a:effectLst>
-        </p:spPr>
-      </p:pic>
-      <p:sp>
-        <p:nvSpPr>
-          <p:cNvPr id="6" name="Tytuł 1">
-            <a:extLst>
-              <a:ext uri="{FF2B5EF4-FFF2-40B4-BE49-F238E27FC236}">
-                <a16:creationId xmlns:a16="http://schemas.microsoft.com/office/drawing/2014/main" id="{1F2409F7-AFC0-4F01-B628-3CD13B5771F5}"/>
-              </a:ext>
-            </a:extLst>
-          </p:cNvPr>
-          <p:cNvSpPr>
-            <a:spLocks noGrp="1"/>
-          </p:cNvSpPr>
-          <p:nvPr>
-            <p:ph type="title"/>
-          </p:nvPr>
-        </p:nvSpPr>
-        <p:spPr>
-          <a:xfrm>
-            <a:off x="1451579" y="804519"/>
-            <a:ext cx="5630157" cy="1049235"/>
-          </a:xfrm>
-        </p:spPr>
-        <p:txBody>
-          <a:bodyPr/>
-          <a:lstStyle/>
-          <a:p>
-            <a:r>
-              <a:rPr lang="pl-PL" dirty="0"/>
-              <a:t>ANALIZA WYNIKU - LIME </a:t>
-            </a:r>
-          </a:p>
-        </p:txBody>
-      </p:sp>
-      <p:sp>
-        <p:nvSpPr>
-          <p:cNvPr id="7" name="Symbol zastępczy zawartości 2">
-            <a:extLst>
-              <a:ext uri="{FF2B5EF4-FFF2-40B4-BE49-F238E27FC236}">
-                <a16:creationId xmlns:a16="http://schemas.microsoft.com/office/drawing/2014/main" id="{6D6E0B4F-EE8E-45FE-BA16-5A8F3A3DBFC0}"/>
-              </a:ext>
-            </a:extLst>
-          </p:cNvPr>
-          <p:cNvSpPr>
-            <a:spLocks noGrp="1"/>
-          </p:cNvSpPr>
-          <p:nvPr>
-            <p:ph idx="1"/>
-          </p:nvPr>
-        </p:nvSpPr>
-        <p:spPr>
-          <a:xfrm>
-            <a:off x="1451580" y="2015733"/>
-            <a:ext cx="5260306" cy="1413268"/>
-          </a:xfrm>
-        </p:spPr>
-        <p:txBody>
-          <a:bodyPr>
-            <a:normAutofit fontScale="77500" lnSpcReduction="20000"/>
-          </a:bodyPr>
-          <a:lstStyle/>
-          <a:p>
-            <a:r>
-              <a:rPr lang="pl-PL" dirty="0"/>
-              <a:t>Przygotowano zestaw danych, który określa:</a:t>
-            </a:r>
-          </a:p>
-          <a:p>
-            <a:pPr lvl="1"/>
-            <a:r>
-              <a:rPr lang="pl-PL" dirty="0"/>
-              <a:t>które bity </a:t>
-            </a:r>
-            <a:r>
-              <a:rPr lang="pl-PL" dirty="0" err="1"/>
-              <a:t>fingerprintu</a:t>
-            </a:r>
-            <a:r>
-              <a:rPr lang="pl-PL" dirty="0"/>
-              <a:t> MACCSFP i z jakimi wartościami mają bardzo mały wpływ (wręcz go nie mają) na predykcje</a:t>
-            </a:r>
-          </a:p>
-          <a:p>
-            <a:pPr lvl="1"/>
-            <a:r>
-              <a:rPr lang="pl-PL" dirty="0"/>
-              <a:t>które bity </a:t>
-            </a:r>
-            <a:r>
-              <a:rPr lang="pl-PL" dirty="0" err="1"/>
-              <a:t>fingerprintu</a:t>
-            </a:r>
-            <a:r>
-              <a:rPr lang="pl-PL" dirty="0"/>
-              <a:t> MACCSFP mają kluczowy wpływ na predykcje</a:t>
-            </a:r>
-          </a:p>
-        </p:txBody>
-      </p:sp>
-    </p:spTree>
-    <p:extLst>
-      <p:ext uri="{BB962C8B-B14F-4D97-AF65-F5344CB8AC3E}">
-        <p14:creationId xmlns:p14="http://schemas.microsoft.com/office/powerpoint/2010/main" val="3575352984"/>
-      </p:ext>
-    </p:extLst>
-  </p:cSld>
-  <p:clrMapOvr>
-    <a:masterClrMapping/>
-  </p:clrMapOvr>
-</p:sld>
-</file>
-
-<file path=ppt/slides/slide15.xml><?xml version="1.0" encoding="utf-8"?>
 <p:sld xmlns:a="http://schemas.openxmlformats.org/drawingml/2006/main" xmlns:r="http://schemas.openxmlformats.org/officeDocument/2006/relationships" xmlns:p="http://schemas.openxmlformats.org/presentationml/2006/main">
   <p:cSld>
     <p:bg>
@@ -6249,7 +8127,7 @@
         </p:nvSpPr>
         <p:spPr>
           <a:xfrm>
-            <a:off x="1443869" y="2717536"/>
+            <a:off x="2253188" y="1700125"/>
             <a:ext cx="7442679" cy="2764410"/>
           </a:xfrm>
           <a:prstGeom prst="rect">
@@ -6288,7 +8166,7 @@
                   <a:srgbClr val="454545"/>
                 </a:solidFill>
               </a:rPr>
-              <a:t>Dziękuję za MENTORING NAD PROJEKTEM Pani Agnieszce POCHA</a:t>
+              <a:t>Dziękuję za uwagę</a:t>
             </a:r>
             <a:endParaRPr lang="en-US" sz="2800" dirty="0">
               <a:solidFill>
@@ -6439,7 +8317,7 @@
         <p:spPr>
           <a:xfrm>
             <a:off x="1451580" y="3544479"/>
-            <a:ext cx="9603274" cy="1528746"/>
+            <a:ext cx="9603274" cy="1725105"/>
           </a:xfrm>
           <a:prstGeom prst="rect">
             <a:avLst/>
@@ -6447,7 +8325,7 @@
         </p:spPr>
         <p:txBody>
           <a:bodyPr vert="horz" lIns="91440" tIns="45720" rIns="91440" bIns="45720" rtlCol="0" anchor="t">
-            <a:normAutofit fontScale="85000" lnSpcReduction="10000"/>
+            <a:normAutofit/>
           </a:bodyPr>
           <a:lstStyle>
             <a:lvl1pPr marL="228600" indent="-228600" algn="l" defTabSz="914400" rtl="0" eaLnBrk="1" latinLnBrk="0" hangingPunct="1">
@@ -6666,16 +8544,17 @@
             </a:pPr>
             <a:r>
               <a:rPr lang="pl-PL" sz="2000" dirty="0"/>
-              <a:t>Określenie </a:t>
-            </a:r>
-            <a:r>
-              <a:rPr lang="pl-PL" sz="2000" dirty="0" err="1"/>
-              <a:t>hepatoksyczności</a:t>
-            </a:r>
-            <a:r>
-              <a:rPr lang="pl-PL" sz="2000" dirty="0"/>
-              <a:t> leku jest trudnym zadaniem, ponieważ nawet badania na zwierzętach nie pozwalają skutecznie przewidzieć potencjału DILI u ludzi.  Stworzenie modelu, który określa dla danego związku wartość parametru ALT może poprawić proces odkrywania leków</a:t>
-            </a:r>
+              <a:t>Stworzenie modelu, który określa dla danego związku wartość parametru ALT może poprawić i przyśpieszyć proces odkrywania leków</a:t>
+            </a:r>
+            <a:endParaRPr lang="pl-PL" dirty="0"/>
+          </a:p>
+          <a:p>
+            <a:pPr lvl="1">
+              <a:lnSpc>
+                <a:spcPct val="150000"/>
+              </a:lnSpc>
+            </a:pPr>
+            <a:endParaRPr lang="pl-PL" dirty="0"/>
           </a:p>
           <a:p>
             <a:pPr>
@@ -6738,7 +8617,7 @@
                 <a:solidFill>
                   <a:schemeClr val="bg1"/>
                 </a:solidFill>
-                <a:hlinkClick r:id="rId2">
+                <a:hlinkClick r:id="rId3">
                   <a:extLst>
                     <a:ext uri="{A12FA001-AC4F-418D-AE19-62706E023703}">
                       <ahyp:hlinkClr xmlns:ahyp="http://schemas.microsoft.com/office/drawing/2018/hyperlinkcolor" val="tx"/>
@@ -6801,7 +8680,7 @@
           <p:cNvPr id="2" name="Tytuł 1">
             <a:extLst>
               <a:ext uri="{FF2B5EF4-FFF2-40B4-BE49-F238E27FC236}">
-                <a16:creationId xmlns:a16="http://schemas.microsoft.com/office/drawing/2014/main" id="{674729A3-B54F-474F-8700-019B20D3653B}"/>
+                <a16:creationId xmlns:a16="http://schemas.microsoft.com/office/drawing/2014/main" id="{17920FAF-E51E-4EC7-A1D9-300F5F42693A}"/>
               </a:ext>
             </a:extLst>
           </p:cNvPr>
@@ -6818,12 +8697,8 @@
           <a:lstStyle/>
           <a:p>
             <a:r>
-              <a:rPr lang="pl-PL" dirty="0" err="1"/>
-              <a:t>PreProcessing</a:t>
-            </a:r>
-            <a:r>
               <a:rPr lang="pl-PL" dirty="0"/>
-              <a:t> danych</a:t>
+              <a:t>Wstępne przetwarzanie danych</a:t>
             </a:r>
           </a:p>
         </p:txBody>
@@ -6833,7 +8708,7 @@
           <p:cNvPr id="3" name="Symbol zastępczy zawartości 2">
             <a:extLst>
               <a:ext uri="{FF2B5EF4-FFF2-40B4-BE49-F238E27FC236}">
-                <a16:creationId xmlns:a16="http://schemas.microsoft.com/office/drawing/2014/main" id="{4421F929-CB06-4092-82C5-733070469C6E}"/>
+                <a16:creationId xmlns:a16="http://schemas.microsoft.com/office/drawing/2014/main" id="{93EAD5B4-8E2F-4243-AE6E-AF56A061E728}"/>
               </a:ext>
             </a:extLst>
           </p:cNvPr>
@@ -6846,21 +8721,49 @@
         </p:nvSpPr>
         <p:spPr>
           <a:xfrm>
-            <a:off x="1451579" y="2015732"/>
-            <a:ext cx="9603275" cy="1179955"/>
-          </a:xfrm>
-        </p:spPr>
-        <p:txBody>
-          <a:bodyPr/>
+            <a:off x="1451578" y="2015732"/>
+            <a:ext cx="7588727" cy="3450613"/>
+          </a:xfrm>
+        </p:spPr>
+        <p:txBody>
+          <a:bodyPr>
+            <a:normAutofit fontScale="92500"/>
+          </a:bodyPr>
           <a:lstStyle/>
           <a:p>
             <a:r>
               <a:rPr lang="pl-PL" dirty="0"/>
-              <a:t>Dane zawierają tylko 98 rekordów – wykorzystano dane przedstawione za pomocą </a:t>
+              <a:t>Mała liczba danych = 98 rekordów dla ALT, dla pTD50 tylko 54 rekordy </a:t>
+            </a:r>
+          </a:p>
+          <a:p>
+            <a:r>
+              <a:rPr lang="pl-PL" dirty="0"/>
+              <a:t>Przygotowano dwa skrypty z testami realizujące:</a:t>
+            </a:r>
+          </a:p>
+          <a:p>
+            <a:pPr lvl="1"/>
+            <a:r>
+              <a:rPr lang="pl-PL" dirty="0"/>
+              <a:t>Przekonwertowanie danych do odpowiedniej postaci</a:t>
+            </a:r>
+          </a:p>
+          <a:p>
+            <a:pPr lvl="1"/>
+            <a:r>
+              <a:rPr lang="pl-PL" dirty="0"/>
+              <a:t>Wstępne przetwarzanie danych</a:t>
+            </a:r>
+          </a:p>
+          <a:p>
+            <a:r>
+              <a:rPr lang="pl-PL" dirty="0"/>
+              <a:t>Wykorzystano dane przedstawione za pomocą </a:t>
             </a:r>
             <a:r>
               <a:rPr lang="pl-PL" dirty="0" err="1"/>
-              <a:t>fingerprintów</a:t>
+              <a:t>fingerprintu</a:t>
             </a:r>
             <a:r>
               <a:rPr lang="pl-PL" dirty="0"/>
@@ -6869,13 +8772,26 @@
             <a:r>
               <a:rPr lang="pl-PL" b="0" i="0" dirty="0">
                 <a:effectLst/>
-                <a:latin typeface="-apple-system"/>
               </a:rPr>
-              <a:t>MACCSFP.  </a:t>
-            </a:r>
-            <a:endParaRPr lang="pl-PL" dirty="0"/>
-          </a:p>
-          <a:p>
+              <a:t>MACCSFP (166 podstruktur)</a:t>
+            </a:r>
+          </a:p>
+          <a:p>
+            <a:pPr lvl="1"/>
+            <a:r>
+              <a:rPr lang="pl-PL" dirty="0"/>
+              <a:t>Wartości parametru ALT zlogarytmizowano</a:t>
+            </a:r>
+          </a:p>
+          <a:p>
+            <a:pPr lvl="1"/>
+            <a:r>
+              <a:rPr lang="pl-PL" dirty="0"/>
+              <a:t>Usunięto kolumny z zerową wariancją</a:t>
+            </a:r>
+          </a:p>
+          <a:p>
+            <a:pPr lvl="1"/>
             <a:endParaRPr lang="pl-PL" dirty="0"/>
           </a:p>
         </p:txBody>
@@ -6885,7 +8801,7 @@
           <p:cNvPr id="5" name="pole tekstowe 4">
             <a:extLst>
               <a:ext uri="{FF2B5EF4-FFF2-40B4-BE49-F238E27FC236}">
-                <a16:creationId xmlns:a16="http://schemas.microsoft.com/office/drawing/2014/main" id="{4EC6DAF7-9B35-4D8C-BEBF-CC1910DB3276}"/>
+                <a16:creationId xmlns:a16="http://schemas.microsoft.com/office/drawing/2014/main" id="{85EC0F8C-F8EE-4099-86B6-D44D4B3A401E}"/>
               </a:ext>
             </a:extLst>
           </p:cNvPr>
@@ -6894,7 +8810,7 @@
         </p:nvSpPr>
         <p:spPr>
           <a:xfrm>
-            <a:off x="1260835" y="6211669"/>
+            <a:off x="1703895" y="6203715"/>
             <a:ext cx="6103854" cy="646331"/>
           </a:xfrm>
           <a:prstGeom prst="rect">
@@ -6921,10 +8837,10 @@
       </p:sp>
       <p:pic>
         <p:nvPicPr>
-          <p:cNvPr id="7" name="Obraz 6">
+          <p:cNvPr id="6" name="Obraz 5">
             <a:extLst>
               <a:ext uri="{FF2B5EF4-FFF2-40B4-BE49-F238E27FC236}">
-                <a16:creationId xmlns:a16="http://schemas.microsoft.com/office/drawing/2014/main" id="{87089D9F-7EC9-4681-8181-4C9AFACE7B03}"/>
+                <a16:creationId xmlns:a16="http://schemas.microsoft.com/office/drawing/2014/main" id="{769F6A0B-6D22-4A68-BD60-CAB086C47F04}"/>
               </a:ext>
             </a:extLst>
           </p:cNvPr>
@@ -6941,210 +8857,14 @@
         </p:blipFill>
         <p:spPr>
           <a:xfrm>
-            <a:off x="1641830" y="3195687"/>
-            <a:ext cx="3876675" cy="2657475"/>
-          </a:xfrm>
-          <a:prstGeom prst="roundRect">
-            <a:avLst>
-              <a:gd name="adj" fmla="val 16667"/>
-            </a:avLst>
+            <a:off x="9061280" y="2015732"/>
+            <a:ext cx="1993574" cy="3794998"/>
+          </a:xfrm>
+          <a:prstGeom prst="rect">
+            <a:avLst/>
           </a:prstGeom>
-          <a:ln>
-            <a:noFill/>
-          </a:ln>
-          <a:effectLst>
-            <a:outerShdw blurRad="76200" dist="38100" dir="7800000" algn="tl" rotWithShape="0">
-              <a:srgbClr val="000000">
-                <a:alpha val="40000"/>
-              </a:srgbClr>
-            </a:outerShdw>
-          </a:effectLst>
-          <a:scene3d>
-            <a:camera prst="orthographicFront"/>
-            <a:lightRig rig="contrasting" dir="t">
-              <a:rot lat="0" lon="0" rev="4200000"/>
-            </a:lightRig>
-          </a:scene3d>
-          <a:sp3d prstMaterial="plastic">
-            <a:bevelT w="381000" h="114300" prst="relaxedInset"/>
-            <a:contourClr>
-              <a:srgbClr val="969696"/>
-            </a:contourClr>
-          </a:sp3d>
         </p:spPr>
       </p:pic>
-      <p:pic>
-        <p:nvPicPr>
-          <p:cNvPr id="9" name="Obraz 8">
-            <a:extLst>
-              <a:ext uri="{FF2B5EF4-FFF2-40B4-BE49-F238E27FC236}">
-                <a16:creationId xmlns:a16="http://schemas.microsoft.com/office/drawing/2014/main" id="{BC1F5F10-62C0-4BA1-B1A2-EEB7F7EF0254}"/>
-              </a:ext>
-            </a:extLst>
-          </p:cNvPr>
-          <p:cNvPicPr>
-            <a:picLocks noChangeAspect="1"/>
-          </p:cNvPicPr>
-          <p:nvPr/>
-        </p:nvPicPr>
-        <p:blipFill>
-          <a:blip r:embed="rId3"/>
-          <a:stretch>
-            <a:fillRect/>
-          </a:stretch>
-        </p:blipFill>
-        <p:spPr>
-          <a:xfrm>
-            <a:off x="6578245" y="3162350"/>
-            <a:ext cx="3971925" cy="2724150"/>
-          </a:xfrm>
-          <a:prstGeom prst="roundRect">
-            <a:avLst>
-              <a:gd name="adj" fmla="val 16667"/>
-            </a:avLst>
-          </a:prstGeom>
-          <a:ln>
-            <a:noFill/>
-          </a:ln>
-          <a:effectLst>
-            <a:outerShdw blurRad="76200" dist="38100" dir="7800000" algn="tl" rotWithShape="0">
-              <a:srgbClr val="000000">
-                <a:alpha val="40000"/>
-              </a:srgbClr>
-            </a:outerShdw>
-          </a:effectLst>
-          <a:scene3d>
-            <a:camera prst="orthographicFront"/>
-            <a:lightRig rig="contrasting" dir="t">
-              <a:rot lat="0" lon="0" rev="4200000"/>
-            </a:lightRig>
-          </a:scene3d>
-          <a:sp3d prstMaterial="plastic">
-            <a:bevelT w="381000" h="114300" prst="relaxedInset"/>
-            <a:contourClr>
-              <a:srgbClr val="969696"/>
-            </a:contourClr>
-          </a:sp3d>
-        </p:spPr>
-      </p:pic>
-    </p:spTree>
-    <p:extLst>
-      <p:ext uri="{BB962C8B-B14F-4D97-AF65-F5344CB8AC3E}">
-        <p14:creationId xmlns:p14="http://schemas.microsoft.com/office/powerpoint/2010/main" val="2385279893"/>
-      </p:ext>
-    </p:extLst>
-  </p:cSld>
-  <p:clrMapOvr>
-    <a:masterClrMapping/>
-  </p:clrMapOvr>
-</p:sld>
-</file>
-
-<file path=ppt/slides/slide4.xml><?xml version="1.0" encoding="utf-8"?>
-<p:sld xmlns:a="http://schemas.openxmlformats.org/drawingml/2006/main" xmlns:r="http://schemas.openxmlformats.org/officeDocument/2006/relationships" xmlns:p="http://schemas.openxmlformats.org/presentationml/2006/main">
-  <p:cSld>
-    <p:spTree>
-      <p:nvGrpSpPr>
-        <p:cNvPr id="1" name=""/>
-        <p:cNvGrpSpPr/>
-        <p:nvPr/>
-      </p:nvGrpSpPr>
-      <p:grpSpPr>
-        <a:xfrm>
-          <a:off x="0" y="0"/>
-          <a:ext cx="0" cy="0"/>
-          <a:chOff x="0" y="0"/>
-          <a:chExt cx="0" cy="0"/>
-        </a:xfrm>
-      </p:grpSpPr>
-      <p:sp>
-        <p:nvSpPr>
-          <p:cNvPr id="2" name="Tytuł 1">
-            <a:extLst>
-              <a:ext uri="{FF2B5EF4-FFF2-40B4-BE49-F238E27FC236}">
-                <a16:creationId xmlns:a16="http://schemas.microsoft.com/office/drawing/2014/main" id="{17920FAF-E51E-4EC7-A1D9-300F5F42693A}"/>
-              </a:ext>
-            </a:extLst>
-          </p:cNvPr>
-          <p:cNvSpPr>
-            <a:spLocks noGrp="1"/>
-          </p:cNvSpPr>
-          <p:nvPr>
-            <p:ph type="title"/>
-          </p:nvPr>
-        </p:nvSpPr>
-        <p:spPr/>
-        <p:txBody>
-          <a:bodyPr/>
-          <a:lstStyle/>
-          <a:p>
-            <a:r>
-              <a:rPr lang="pl-PL" dirty="0" err="1"/>
-              <a:t>PreProcessing</a:t>
-            </a:r>
-            <a:r>
-              <a:rPr lang="pl-PL" dirty="0"/>
-              <a:t> danych</a:t>
-            </a:r>
-          </a:p>
-        </p:txBody>
-      </p:sp>
-      <p:sp>
-        <p:nvSpPr>
-          <p:cNvPr id="3" name="Symbol zastępczy zawartości 2">
-            <a:extLst>
-              <a:ext uri="{FF2B5EF4-FFF2-40B4-BE49-F238E27FC236}">
-                <a16:creationId xmlns:a16="http://schemas.microsoft.com/office/drawing/2014/main" id="{93EAD5B4-8E2F-4243-AE6E-AF56A061E728}"/>
-              </a:ext>
-            </a:extLst>
-          </p:cNvPr>
-          <p:cNvSpPr>
-            <a:spLocks noGrp="1"/>
-          </p:cNvSpPr>
-          <p:nvPr>
-            <p:ph idx="1"/>
-          </p:nvPr>
-        </p:nvSpPr>
-        <p:spPr/>
-        <p:txBody>
-          <a:bodyPr/>
-          <a:lstStyle/>
-          <a:p>
-            <a:r>
-              <a:rPr lang="pl-PL" dirty="0"/>
-              <a:t>Dane, które otrzymaliśmy należało sprowadzić do odpowiedniej postaci, przygotowałem dwa skrypty, które </a:t>
-            </a:r>
-            <a:r>
-              <a:rPr lang="pl-PL" dirty="0" err="1"/>
-              <a:t>extractują</a:t>
-            </a:r>
-            <a:r>
-              <a:rPr lang="pl-PL" dirty="0"/>
-              <a:t> i </a:t>
-            </a:r>
-            <a:r>
-              <a:rPr lang="pl-PL" dirty="0" err="1"/>
-              <a:t>preprocessują</a:t>
-            </a:r>
-            <a:r>
-              <a:rPr lang="pl-PL" dirty="0"/>
-              <a:t> dane – zawierają również testy, aby sprawdzić czy końcowe dane są poprawne.</a:t>
-            </a:r>
-          </a:p>
-          <a:p>
-            <a:r>
-              <a:rPr lang="pl-PL" dirty="0"/>
-              <a:t>Usunięcie kolumn z wariancją == 0, takie kolumny nie dają do naszego modelu żadnych dodatkowych informacji.</a:t>
-            </a:r>
-          </a:p>
-          <a:p>
-            <a:r>
-              <a:rPr lang="pl-PL" dirty="0"/>
-              <a:t>Nie możemy usunąć najwyższych wartości ALT, ponieważ są one najważniejsze - wskazują na toksyczność. Jednak takie skrajne wartości mogłyby mieć negatywny wpływ na model, dlatego też na wartościach parametru ALT zaaplikowano funkcję np.log1p</a:t>
-            </a:r>
-          </a:p>
-        </p:txBody>
-      </p:sp>
     </p:spTree>
     <p:extLst>
       <p:ext uri="{BB962C8B-B14F-4D97-AF65-F5344CB8AC3E}">
@@ -7158,30 +8878,14 @@
 </p:sld>
 </file>
 
-<file path=ppt/slides/slide5.xml><?xml version="1.0" encoding="utf-8"?>
+<file path=ppt/slides/slide4.xml><?xml version="1.0" encoding="utf-8"?>
 <p:sld xmlns:a="http://schemas.openxmlformats.org/drawingml/2006/main" xmlns:r="http://schemas.openxmlformats.org/officeDocument/2006/relationships" xmlns:p="http://schemas.openxmlformats.org/presentationml/2006/main">
   <p:cSld>
     <p:bg>
       <p:bgPr>
-        <a:gradFill rotWithShape="1">
-          <a:gsLst>
-            <a:gs pos="0">
-              <a:schemeClr val="bg2">
-                <a:tint val="94000"/>
-                <a:satMod val="80000"/>
-                <a:lumMod val="106000"/>
-              </a:schemeClr>
-            </a:gs>
-            <a:gs pos="100000">
-              <a:schemeClr val="bg2">
-                <a:shade val="80000"/>
-              </a:schemeClr>
-            </a:gs>
-          </a:gsLst>
-          <a:path path="circle">
-            <a:fillToRect l="43000" r="43000" b="100000"/>
-          </a:path>
-        </a:gradFill>
+        <a:solidFill>
+          <a:schemeClr val="bg1"/>
+        </a:solidFill>
         <a:effectLst/>
       </p:bgPr>
     </p:bg>
@@ -7201,10 +8905,10 @@
       </p:grpSpPr>
       <p:sp>
         <p:nvSpPr>
-          <p:cNvPr id="75" name="Rectangle 36">
+          <p:cNvPr id="16" name="Rectangle 15">
             <a:extLst>
               <a:ext uri="{FF2B5EF4-FFF2-40B4-BE49-F238E27FC236}">
-                <a16:creationId xmlns:a16="http://schemas.microsoft.com/office/drawing/2014/main" id="{EEA869E1-F851-4A52-92F5-77E592B76A5B}"/>
+                <a16:creationId xmlns:a16="http://schemas.microsoft.com/office/drawing/2014/main" id="{6F79B0DD-2C63-4EE5-804F-B8E391FC1E45}"/>
               </a:ext>
               <a:ext uri="{C183D7F6-B498-43B3-948B-1728B52AA6E4}">
                 <adec:decorative xmlns:adec="http://schemas.microsoft.com/office/drawing/2017/decorative" val="1"/>
@@ -7224,26 +8928,18 @@
         </p:nvSpPr>
         <p:spPr>
           <a:xfrm>
-            <a:off x="0" y="2019476"/>
-            <a:ext cx="12192000" cy="4105941"/>
+            <a:off x="3137" y="0"/>
+            <a:ext cx="12192000" cy="6858000"/>
           </a:xfrm>
           <a:prstGeom prst="rect">
             <a:avLst/>
           </a:prstGeom>
-          <a:gradFill flip="none" rotWithShape="1">
-            <a:gsLst>
-              <a:gs pos="0">
-                <a:schemeClr val="bg2">
-                  <a:alpha val="0"/>
-                </a:schemeClr>
-              </a:gs>
-              <a:gs pos="100000">
-                <a:schemeClr val="bg2"/>
-              </a:gs>
-            </a:gsLst>
-            <a:lin ang="5400000" scaled="0"/>
-            <a:tileRect/>
-          </a:gradFill>
+          <a:solidFill>
+            <a:schemeClr val="bg1">
+              <a:lumMod val="75000"/>
+              <a:alpha val="80000"/>
+            </a:schemeClr>
+          </a:solidFill>
           <a:ln>
             <a:noFill/>
           </a:ln>
@@ -7264,22 +8960,30 @@
             <a:schemeClr val="lt1"/>
           </a:fontRef>
         </p:style>
-      </p:sp>
-      <p:pic>
-        <p:nvPicPr>
-          <p:cNvPr id="76" name="Picture 38">
+        <p:txBody>
+          <a:bodyPr rtlCol="0" anchor="ctr"/>
+          <a:lstStyle/>
+          <a:p>
+            <a:pPr algn="ctr"/>
+            <a:endParaRPr lang="en-US"/>
+          </a:p>
+        </p:txBody>
+      </p:sp>
+      <p:sp>
+        <p:nvSpPr>
+          <p:cNvPr id="18" name="Rectangle 17">
             <a:extLst>
               <a:ext uri="{FF2B5EF4-FFF2-40B4-BE49-F238E27FC236}">
-                <a16:creationId xmlns:a16="http://schemas.microsoft.com/office/drawing/2014/main" id="{B083AD55-8296-44BD-8E14-DD2DDBC351B0}"/>
+                <a16:creationId xmlns:a16="http://schemas.microsoft.com/office/drawing/2014/main" id="{627DB8AB-CD55-4C8F-9043-52652B89231A}"/>
               </a:ext>
               <a:ext uri="{C183D7F6-B498-43B3-948B-1728B52AA6E4}">
                 <adec:decorative xmlns:adec="http://schemas.microsoft.com/office/drawing/2017/decorative" val="1"/>
               </a:ext>
             </a:extLst>
           </p:cNvPr>
-          <p:cNvPicPr>
-            <a:picLocks noGrp="1" noRot="1" noChangeAspect="1" noMove="1" noResize="1" noEditPoints="1" noAdjustHandles="1" noChangeArrowheads="1" noChangeShapeType="1" noCrop="1"/>
-          </p:cNvPicPr>
+          <p:cNvSpPr>
+            <a:spLocks noGrp="1" noRot="1" noChangeAspect="1" noMove="1" noResize="1" noEditPoints="1" noAdjustHandles="1" noChangeArrowheads="1" noChangeShapeType="1" noTextEdit="1"/>
+          </p:cNvSpPr>
           <p:nvPr>
             <p:extLst>
               <p:ext uri="{386F3935-93C4-4BCD-93E2-E3B085C9AB24}">
@@ -7287,164 +8991,28 @@
               </p:ext>
             </p:extLst>
           </p:nvPr>
-        </p:nvPicPr>
-        <p:blipFill rotWithShape="1">
-          <a:blip r:embed="rId2">
-            <a:extLst>
-              <a:ext uri="{28A0092B-C50C-407E-A947-70E740481C1C}">
-                <a14:useLocalDpi xmlns:a14="http://schemas.microsoft.com/office/drawing/2010/main" val="0"/>
-              </a:ext>
-            </a:extLst>
-          </a:blip>
-          <a:srcRect t="1538" b="-1538"/>
-          <a:stretch/>
-        </p:blipFill>
-        <p:spPr bwMode="black">
-          <a:xfrm>
-            <a:off x="0" y="6126480"/>
-            <a:ext cx="12192000" cy="742950"/>
+        </p:nvSpPr>
+        <p:spPr>
+          <a:xfrm>
+            <a:off x="643466" y="643466"/>
+            <a:ext cx="5364255" cy="2706794"/>
           </a:xfrm>
           <a:prstGeom prst="rect">
             <a:avLst/>
           </a:prstGeom>
-        </p:spPr>
-      </p:pic>
-      <p:cxnSp>
-        <p:nvCxnSpPr>
-          <p:cNvPr id="77" name="Straight Connector 40">
-            <a:extLst>
-              <a:ext uri="{FF2B5EF4-FFF2-40B4-BE49-F238E27FC236}">
-                <a16:creationId xmlns:a16="http://schemas.microsoft.com/office/drawing/2014/main" id="{2BF46B26-15FC-4C5A-94FA-AE9ED64B5C20}"/>
-              </a:ext>
-              <a:ext uri="{C183D7F6-B498-43B3-948B-1728B52AA6E4}">
-                <adec:decorative xmlns:adec="http://schemas.microsoft.com/office/drawing/2017/decorative" val="1"/>
-              </a:ext>
-            </a:extLst>
-          </p:cNvPr>
-          <p:cNvCxnSpPr>
-            <a:cxnSpLocks noGrp="1" noRot="1" noChangeAspect="1" noMove="1" noResize="1" noEditPoints="1" noAdjustHandles="1" noChangeArrowheads="1" noChangeShapeType="1"/>
-          </p:cNvCxnSpPr>
-          <p:nvPr>
-            <p:extLst>
-              <p:ext uri="{386F3935-93C4-4BCD-93E2-E3B085C9AB24}">
-                <p16:designElem xmlns:p16="http://schemas.microsoft.com/office/powerpoint/2015/main" val="1"/>
-              </p:ext>
-            </p:extLst>
-          </p:nvPr>
-        </p:nvCxnSpPr>
-        <p:spPr>
-          <a:xfrm>
-            <a:off x="0" y="6128413"/>
-            <a:ext cx="12192000" cy="0"/>
-          </a:xfrm>
-          <a:prstGeom prst="line">
-            <a:avLst/>
-          </a:prstGeom>
-          <a:ln w="12700">
-            <a:solidFill>
-              <a:srgbClr val="000001">
-                <a:alpha val="20000"/>
-              </a:srgbClr>
-            </a:solidFill>
-          </a:ln>
-        </p:spPr>
-        <p:style>
-          <a:lnRef idx="1">
-            <a:schemeClr val="accent1"/>
-          </a:lnRef>
-          <a:fillRef idx="0">
-            <a:schemeClr val="accent1"/>
-          </a:fillRef>
-          <a:effectRef idx="0">
-            <a:schemeClr val="accent1"/>
-          </a:effectRef>
-          <a:fontRef idx="minor">
-            <a:schemeClr val="tx1"/>
-          </a:fontRef>
-        </p:style>
-      </p:cxnSp>
-      <p:cxnSp>
-        <p:nvCxnSpPr>
-          <p:cNvPr id="78" name="Straight Connector 42">
-            <a:extLst>
-              <a:ext uri="{FF2B5EF4-FFF2-40B4-BE49-F238E27FC236}">
-                <a16:creationId xmlns:a16="http://schemas.microsoft.com/office/drawing/2014/main" id="{912F6065-5345-44BD-B66E-5487CCD7A9B9}"/>
-              </a:ext>
-              <a:ext uri="{C183D7F6-B498-43B3-948B-1728B52AA6E4}">
-                <adec:decorative xmlns:adec="http://schemas.microsoft.com/office/drawing/2017/decorative" val="1"/>
-              </a:ext>
-            </a:extLst>
-          </p:cNvPr>
-          <p:cNvCxnSpPr>
-            <a:cxnSpLocks noGrp="1" noRot="1" noChangeAspect="1" noMove="1" noResize="1" noEditPoints="1" noAdjustHandles="1" noChangeArrowheads="1" noChangeShapeType="1"/>
-          </p:cNvCxnSpPr>
-          <p:nvPr>
-            <p:extLst>
-              <p:ext uri="{386F3935-93C4-4BCD-93E2-E3B085C9AB24}">
-                <p16:designElem xmlns:p16="http://schemas.microsoft.com/office/powerpoint/2015/main" val="1"/>
-              </p:ext>
-            </p:extLst>
-          </p:nvPr>
-        </p:nvCxnSpPr>
-        <p:spPr>
-          <a:xfrm>
-            <a:off x="2417780" y="3528542"/>
-            <a:ext cx="8637072" cy="0"/>
-          </a:xfrm>
-          <a:prstGeom prst="line">
-            <a:avLst/>
-          </a:prstGeom>
-          <a:ln w="31750"/>
-        </p:spPr>
-        <p:style>
-          <a:lnRef idx="3">
-            <a:schemeClr val="accent1"/>
-          </a:lnRef>
-          <a:fillRef idx="0">
-            <a:schemeClr val="accent1"/>
-          </a:fillRef>
-          <a:effectRef idx="2">
-            <a:schemeClr val="accent1"/>
-          </a:effectRef>
-          <a:fontRef idx="minor">
-            <a:schemeClr val="tx1"/>
-          </a:fontRef>
-        </p:style>
-      </p:cxnSp>
-      <p:sp useBgFill="1">
-        <p:nvSpPr>
-          <p:cNvPr id="79" name="Rectangle 44">
-            <a:extLst>
-              <a:ext uri="{FF2B5EF4-FFF2-40B4-BE49-F238E27FC236}">
-                <a16:creationId xmlns:a16="http://schemas.microsoft.com/office/drawing/2014/main" id="{0EF77632-1A0C-4B9F-829B-226E68A78E9F}"/>
-              </a:ext>
-              <a:ext uri="{C183D7F6-B498-43B3-948B-1728B52AA6E4}">
-                <adec:decorative xmlns:adec="http://schemas.microsoft.com/office/drawing/2017/decorative" val="1"/>
-              </a:ext>
-            </a:extLst>
-          </p:cNvPr>
-          <p:cNvSpPr>
-            <a:spLocks noGrp="1" noRot="1" noChangeAspect="1" noMove="1" noResize="1" noEditPoints="1" noAdjustHandles="1" noChangeArrowheads="1" noChangeShapeType="1" noTextEdit="1"/>
-          </p:cNvSpPr>
-          <p:nvPr>
-            <p:extLst>
-              <p:ext uri="{386F3935-93C4-4BCD-93E2-E3B085C9AB24}">
-                <p16:designElem xmlns:p16="http://schemas.microsoft.com/office/powerpoint/2015/main" val="1"/>
-              </p:ext>
-            </p:extLst>
-          </p:nvPr>
-        </p:nvSpPr>
-        <p:spPr>
-          <a:xfrm>
-            <a:off x="2" y="0"/>
-            <a:ext cx="12191695" cy="6858000"/>
-          </a:xfrm>
-          <a:prstGeom prst="rect">
-            <a:avLst/>
-          </a:prstGeom>
-          <a:ln>
+          <a:solidFill>
+            <a:srgbClr val="FFFFFF"/>
+          </a:solidFill>
+          <a:ln w="9525">
             <a:noFill/>
           </a:ln>
+          <a:effectLst>
+            <a:outerShdw blurRad="63500" dist="17780" dir="5400000" algn="t" rotWithShape="0">
+              <a:prstClr val="black">
+                <a:alpha val="43000"/>
+              </a:prstClr>
+            </a:outerShdw>
+          </a:effectLst>
         </p:spPr>
         <p:style>
           <a:lnRef idx="2">
@@ -7473,10 +9041,10 @@
       </p:sp>
       <p:sp>
         <p:nvSpPr>
-          <p:cNvPr id="80" name="Rectangle 46">
+          <p:cNvPr id="20" name="Rectangle 19">
             <a:extLst>
               <a:ext uri="{FF2B5EF4-FFF2-40B4-BE49-F238E27FC236}">
-                <a16:creationId xmlns:a16="http://schemas.microsoft.com/office/drawing/2014/main" id="{F3DCFC27-6BCE-42B6-8372-070EA07685D7}"/>
+                <a16:creationId xmlns:a16="http://schemas.microsoft.com/office/drawing/2014/main" id="{53059C5A-91CB-4024-9B4E-20082E25C70B}"/>
               </a:ext>
               <a:ext uri="{C183D7F6-B498-43B3-948B-1728B52AA6E4}">
                 <adec:decorative xmlns:adec="http://schemas.microsoft.com/office/drawing/2017/decorative" val="1"/>
@@ -7496,29 +9064,25 @@
         </p:nvSpPr>
         <p:spPr>
           <a:xfrm>
-            <a:off x="0" y="2019476"/>
-            <a:ext cx="12192000" cy="4105941"/>
+            <a:off x="6168589" y="643466"/>
+            <a:ext cx="5376806" cy="2706794"/>
           </a:xfrm>
           <a:prstGeom prst="rect">
             <a:avLst/>
           </a:prstGeom>
-          <a:gradFill flip="none" rotWithShape="1">
-            <a:gsLst>
-              <a:gs pos="0">
-                <a:schemeClr val="bg2">
-                  <a:alpha val="0"/>
-                </a:schemeClr>
-              </a:gs>
-              <a:gs pos="100000">
-                <a:schemeClr val="bg2"/>
-              </a:gs>
-            </a:gsLst>
-            <a:lin ang="5400000" scaled="0"/>
-            <a:tileRect/>
-          </a:gradFill>
-          <a:ln>
+          <a:solidFill>
+            <a:srgbClr val="FFFFFF"/>
+          </a:solidFill>
+          <a:ln w="9525">
             <a:noFill/>
           </a:ln>
+          <a:effectLst>
+            <a:outerShdw blurRad="63500" dist="17780" dir="5400000" algn="t" rotWithShape="0">
+              <a:prstClr val="black">
+                <a:alpha val="43000"/>
+              </a:prstClr>
+            </a:outerShdw>
+          </a:effectLst>
         </p:spPr>
         <p:style>
           <a:lnRef idx="2">
@@ -7540,48 +9104,148 @@
           <a:bodyPr rtlCol="0" anchor="ctr"/>
           <a:lstStyle/>
           <a:p>
-            <a:pPr lvl="0" algn="ctr"/>
+            <a:pPr algn="ctr"/>
             <a:endParaRPr lang="en-US"/>
           </a:p>
         </p:txBody>
       </p:sp>
       <p:sp>
         <p:nvSpPr>
-          <p:cNvPr id="2" name="Tytuł 1">
+          <p:cNvPr id="22" name="Rectangle 21">
             <a:extLst>
               <a:ext uri="{FF2B5EF4-FFF2-40B4-BE49-F238E27FC236}">
-                <a16:creationId xmlns:a16="http://schemas.microsoft.com/office/drawing/2014/main" id="{40295D85-4F9F-4F75-A9CD-187A65C0DD43}"/>
+                <a16:creationId xmlns:a16="http://schemas.microsoft.com/office/drawing/2014/main" id="{184884BF-A898-4EFF-9504-E13EBE3FF62E}"/>
+              </a:ext>
+              <a:ext uri="{C183D7F6-B498-43B3-948B-1728B52AA6E4}">
+                <adec:decorative xmlns:adec="http://schemas.microsoft.com/office/drawing/2017/decorative" val="1"/>
               </a:ext>
             </a:extLst>
           </p:cNvPr>
           <p:cNvSpPr>
-            <a:spLocks noGrp="1"/>
-          </p:cNvSpPr>
-          <p:nvPr>
-            <p:ph type="title"/>
-          </p:nvPr>
-        </p:nvSpPr>
-        <p:spPr>
-          <a:xfrm>
-            <a:off x="1776425" y="4460798"/>
-            <a:ext cx="8637072" cy="558063"/>
-          </a:xfrm>
-        </p:spPr>
-        <p:txBody>
-          <a:bodyPr vert="horz" lIns="91440" tIns="45720" rIns="91440" bIns="0" rtlCol="0" anchor="b">
-            <a:normAutofit/>
-          </a:bodyPr>
+            <a:spLocks noGrp="1" noRot="1" noChangeAspect="1" noMove="1" noResize="1" noEditPoints="1" noAdjustHandles="1" noChangeArrowheads="1" noChangeShapeType="1" noTextEdit="1"/>
+          </p:cNvSpPr>
+          <p:nvPr>
+            <p:extLst>
+              <p:ext uri="{386F3935-93C4-4BCD-93E2-E3B085C9AB24}">
+                <p16:designElem xmlns:p16="http://schemas.microsoft.com/office/powerpoint/2015/main" val="1"/>
+              </p:ext>
+            </p:extLst>
+          </p:nvPr>
+        </p:nvSpPr>
+        <p:spPr>
+          <a:xfrm>
+            <a:off x="643466" y="3514513"/>
+            <a:ext cx="5364255" cy="2703406"/>
+          </a:xfrm>
+          <a:prstGeom prst="rect">
+            <a:avLst/>
+          </a:prstGeom>
+          <a:solidFill>
+            <a:srgbClr val="FFFFFF"/>
+          </a:solidFill>
+          <a:ln w="9525">
+            <a:noFill/>
+          </a:ln>
+          <a:effectLst>
+            <a:outerShdw blurRad="63500" dist="17780" dir="5400000" algn="t" rotWithShape="0">
+              <a:prstClr val="black">
+                <a:alpha val="43000"/>
+              </a:prstClr>
+            </a:outerShdw>
+          </a:effectLst>
+        </p:spPr>
+        <p:style>
+          <a:lnRef idx="2">
+            <a:schemeClr val="accent1">
+              <a:shade val="50000"/>
+            </a:schemeClr>
+          </a:lnRef>
+          <a:fillRef idx="1">
+            <a:schemeClr val="accent1"/>
+          </a:fillRef>
+          <a:effectRef idx="0">
+            <a:schemeClr val="accent1"/>
+          </a:effectRef>
+          <a:fontRef idx="minor">
+            <a:schemeClr val="lt1"/>
+          </a:fontRef>
+        </p:style>
+        <p:txBody>
+          <a:bodyPr rtlCol="0" anchor="ctr"/>
           <a:lstStyle/>
           <a:p>
-            <a:r>
-              <a:rPr lang="pl-PL" sz="3600" dirty="0"/>
-              <a:t>Dane po </a:t>
-            </a:r>
-            <a:r>
-              <a:rPr lang="pl-PL" sz="3600" dirty="0" err="1"/>
-              <a:t>preprocessingu</a:t>
-            </a:r>
-            <a:endParaRPr lang="en-US" sz="3600" dirty="0"/>
+            <a:pPr algn="ctr"/>
+            <a:endParaRPr lang="en-US"/>
+          </a:p>
+        </p:txBody>
+      </p:sp>
+      <p:sp>
+        <p:nvSpPr>
+          <p:cNvPr id="24" name="Rectangle 23">
+            <a:extLst>
+              <a:ext uri="{FF2B5EF4-FFF2-40B4-BE49-F238E27FC236}">
+                <a16:creationId xmlns:a16="http://schemas.microsoft.com/office/drawing/2014/main" id="{7B32D337-FDA6-4468-ADB1-7038E5FC0BA9}"/>
+              </a:ext>
+              <a:ext uri="{C183D7F6-B498-43B3-948B-1728B52AA6E4}">
+                <adec:decorative xmlns:adec="http://schemas.microsoft.com/office/drawing/2017/decorative" val="1"/>
+              </a:ext>
+            </a:extLst>
+          </p:cNvPr>
+          <p:cNvSpPr>
+            <a:spLocks noGrp="1" noRot="1" noChangeAspect="1" noMove="1" noResize="1" noEditPoints="1" noAdjustHandles="1" noChangeArrowheads="1" noChangeShapeType="1" noTextEdit="1"/>
+          </p:cNvSpPr>
+          <p:nvPr>
+            <p:extLst>
+              <p:ext uri="{386F3935-93C4-4BCD-93E2-E3B085C9AB24}">
+                <p16:designElem xmlns:p16="http://schemas.microsoft.com/office/powerpoint/2015/main" val="1"/>
+              </p:ext>
+            </p:extLst>
+          </p:nvPr>
+        </p:nvSpPr>
+        <p:spPr>
+          <a:xfrm>
+            <a:off x="6168589" y="3514513"/>
+            <a:ext cx="5376806" cy="2706794"/>
+          </a:xfrm>
+          <a:prstGeom prst="rect">
+            <a:avLst/>
+          </a:prstGeom>
+          <a:solidFill>
+            <a:srgbClr val="FFFFFF"/>
+          </a:solidFill>
+          <a:ln w="9525">
+            <a:noFill/>
+          </a:ln>
+          <a:effectLst>
+            <a:outerShdw blurRad="63500" dist="17780" dir="5400000" algn="t" rotWithShape="0">
+              <a:prstClr val="black">
+                <a:alpha val="43000"/>
+              </a:prstClr>
+            </a:outerShdw>
+          </a:effectLst>
+        </p:spPr>
+        <p:style>
+          <a:lnRef idx="2">
+            <a:schemeClr val="accent1">
+              <a:shade val="50000"/>
+            </a:schemeClr>
+          </a:lnRef>
+          <a:fillRef idx="1">
+            <a:schemeClr val="accent1"/>
+          </a:fillRef>
+          <a:effectRef idx="0">
+            <a:schemeClr val="accent1"/>
+          </a:effectRef>
+          <a:fontRef idx="minor">
+            <a:schemeClr val="lt1"/>
+          </a:fontRef>
+        </p:style>
+        <p:txBody>
+          <a:bodyPr rtlCol="0" anchor="ctr"/>
+          <a:lstStyle/>
+          <a:p>
+            <a:pPr algn="ctr"/>
+            <a:endParaRPr lang="en-US"/>
           </a:p>
         </p:txBody>
       </p:sp>
@@ -7590,7 +9254,165 @@
           <p:cNvPr id="7" name="Obraz 6">
             <a:extLst>
               <a:ext uri="{FF2B5EF4-FFF2-40B4-BE49-F238E27FC236}">
-                <a16:creationId xmlns:a16="http://schemas.microsoft.com/office/drawing/2014/main" id="{2E228ED1-A4AC-4FD9-813A-7466C14E1ABC}"/>
+                <a16:creationId xmlns:a16="http://schemas.microsoft.com/office/drawing/2014/main" id="{87089D9F-7EC9-4681-8181-4C9AFACE7B03}"/>
+              </a:ext>
+            </a:extLst>
+          </p:cNvPr>
+          <p:cNvPicPr>
+            <a:picLocks noChangeAspect="1"/>
+          </p:cNvPicPr>
+          <p:nvPr/>
+        </p:nvPicPr>
+        <p:blipFill>
+          <a:blip r:embed="rId2"/>
+          <a:stretch>
+            <a:fillRect/>
+          </a:stretch>
+        </p:blipFill>
+        <p:spPr>
+          <a:xfrm>
+            <a:off x="1418429" y="722893"/>
+            <a:ext cx="3822873" cy="2620594"/>
+          </a:xfrm>
+          <a:prstGeom prst="rect">
+            <a:avLst/>
+          </a:prstGeom>
+          <a:scene3d>
+            <a:camera prst="orthographicFront"/>
+            <a:lightRig rig="contrasting" dir="t">
+              <a:rot lat="0" lon="0" rev="4200000"/>
+            </a:lightRig>
+          </a:scene3d>
+          <a:sp3d prstMaterial="plastic">
+            <a:bevelT w="381000" h="114300" prst="relaxedInset"/>
+            <a:contourClr>
+              <a:srgbClr val="969696"/>
+            </a:contourClr>
+          </a:sp3d>
+        </p:spPr>
+      </p:pic>
+      <p:sp>
+        <p:nvSpPr>
+          <p:cNvPr id="17" name="pole tekstowe 16">
+            <a:extLst>
+              <a:ext uri="{FF2B5EF4-FFF2-40B4-BE49-F238E27FC236}">
+                <a16:creationId xmlns:a16="http://schemas.microsoft.com/office/drawing/2014/main" id="{B1375DF5-ED70-4508-8BBF-B83B598A1CC6}"/>
+              </a:ext>
+            </a:extLst>
+          </p:cNvPr>
+          <p:cNvSpPr txBox="1"/>
+          <p:nvPr/>
+        </p:nvSpPr>
+        <p:spPr>
+          <a:xfrm>
+            <a:off x="1260835" y="6211669"/>
+            <a:ext cx="6103854" cy="646331"/>
+          </a:xfrm>
+          <a:prstGeom prst="rect">
+            <a:avLst/>
+          </a:prstGeom>
+          <a:noFill/>
+        </p:spPr>
+        <p:txBody>
+          <a:bodyPr wrap="square">
+            <a:spAutoFit/>
+          </a:bodyPr>
+          <a:lstStyle/>
+          <a:p>
+            <a:r>
+              <a:rPr lang="pl-PL" dirty="0">
+                <a:solidFill>
+                  <a:schemeClr val="bg1"/>
+                </a:solidFill>
+              </a:rPr>
+              <a:t>https://github.com/DawidSzczerba/umwpl2021-hepatoxicity-prediction/blob/main/notebooks/data_pre_processing.ipynb</a:t>
+            </a:r>
+          </a:p>
+        </p:txBody>
+      </p:sp>
+      <p:pic>
+        <p:nvPicPr>
+          <p:cNvPr id="10" name="Obraz 9">
+            <a:extLst>
+              <a:ext uri="{FF2B5EF4-FFF2-40B4-BE49-F238E27FC236}">
+                <a16:creationId xmlns:a16="http://schemas.microsoft.com/office/drawing/2014/main" id="{FEDA7428-526C-46FB-96B7-2EA2C7CBBF5C}"/>
+              </a:ext>
+            </a:extLst>
+          </p:cNvPr>
+          <p:cNvPicPr>
+            <a:picLocks noChangeAspect="1"/>
+          </p:cNvPicPr>
+          <p:nvPr/>
+        </p:nvPicPr>
+        <p:blipFill>
+          <a:blip r:embed="rId3"/>
+          <a:stretch>
+            <a:fillRect/>
+          </a:stretch>
+        </p:blipFill>
+        <p:spPr>
+          <a:xfrm>
+            <a:off x="1418429" y="3557714"/>
+            <a:ext cx="3601039" cy="2610754"/>
+          </a:xfrm>
+          <a:prstGeom prst="rect">
+            <a:avLst/>
+          </a:prstGeom>
+          <a:solidFill>
+            <a:srgbClr val="FFFFFF">
+              <a:shade val="85000"/>
+            </a:srgbClr>
+          </a:solidFill>
+        </p:spPr>
+      </p:pic>
+      <p:pic>
+        <p:nvPicPr>
+          <p:cNvPr id="9" name="Obraz 8">
+            <a:extLst>
+              <a:ext uri="{FF2B5EF4-FFF2-40B4-BE49-F238E27FC236}">
+                <a16:creationId xmlns:a16="http://schemas.microsoft.com/office/drawing/2014/main" id="{BC1F5F10-62C0-4BA1-B1A2-EEB7F7EF0254}"/>
+              </a:ext>
+            </a:extLst>
+          </p:cNvPr>
+          <p:cNvPicPr>
+            <a:picLocks noChangeAspect="1"/>
+          </p:cNvPicPr>
+          <p:nvPr/>
+        </p:nvPicPr>
+        <p:blipFill>
+          <a:blip r:embed="rId4"/>
+          <a:stretch>
+            <a:fillRect/>
+          </a:stretch>
+        </p:blipFill>
+        <p:spPr>
+          <a:xfrm>
+            <a:off x="6990076" y="654323"/>
+            <a:ext cx="3916736" cy="2686299"/>
+          </a:xfrm>
+          <a:prstGeom prst="rect">
+            <a:avLst/>
+          </a:prstGeom>
+          <a:scene3d>
+            <a:camera prst="orthographicFront"/>
+            <a:lightRig rig="contrasting" dir="t">
+              <a:rot lat="0" lon="0" rev="4200000"/>
+            </a:lightRig>
+          </a:scene3d>
+          <a:sp3d prstMaterial="plastic">
+            <a:bevelT w="381000" h="114300" prst="relaxedInset"/>
+            <a:contourClr>
+              <a:srgbClr val="969696"/>
+            </a:contourClr>
+          </a:sp3d>
+        </p:spPr>
+      </p:pic>
+      <p:pic>
+        <p:nvPicPr>
+          <p:cNvPr id="11" name="Obraz 10">
+            <a:extLst>
+              <a:ext uri="{FF2B5EF4-FFF2-40B4-BE49-F238E27FC236}">
+                <a16:creationId xmlns:a16="http://schemas.microsoft.com/office/drawing/2014/main" id="{D8D9520D-49E1-40A5-9674-E794F9C5179D}"/>
               </a:ext>
             </a:extLst>
           </p:cNvPr>
@@ -7600,14 +9422,233 @@
           <p:nvPr/>
         </p:nvPicPr>
         <p:blipFill rotWithShape="1">
-          <a:blip r:embed="rId3"/>
+          <a:blip r:embed="rId5"/>
           <a:srcRect t="1513" r="2" b="5387"/>
           <a:stretch/>
         </p:blipFill>
         <p:spPr>
           <a:xfrm>
-            <a:off x="6171060" y="995466"/>
-            <a:ext cx="4242437" cy="2792091"/>
+            <a:off x="6990076" y="3645060"/>
+            <a:ext cx="3783495" cy="2490047"/>
+          </a:xfrm>
+          <a:prstGeom prst="rect">
+            <a:avLst/>
+          </a:prstGeom>
+          <a:solidFill>
+            <a:srgbClr val="FFFFFF">
+              <a:shade val="85000"/>
+            </a:srgbClr>
+          </a:solidFill>
+        </p:spPr>
+      </p:pic>
+    </p:spTree>
+    <p:extLst>
+      <p:ext uri="{BB962C8B-B14F-4D97-AF65-F5344CB8AC3E}">
+        <p14:creationId xmlns:p14="http://schemas.microsoft.com/office/powerpoint/2010/main" val="2385279893"/>
+      </p:ext>
+    </p:extLst>
+  </p:cSld>
+  <p:clrMapOvr>
+    <a:masterClrMapping/>
+  </p:clrMapOvr>
+</p:sld>
+</file>
+
+<file path=ppt/slides/slide5.xml><?xml version="1.0" encoding="utf-8"?>
+<p:sld xmlns:a="http://schemas.openxmlformats.org/drawingml/2006/main" xmlns:r="http://schemas.openxmlformats.org/officeDocument/2006/relationships" xmlns:p="http://schemas.openxmlformats.org/presentationml/2006/main">
+  <p:cSld>
+    <p:spTree>
+      <p:nvGrpSpPr>
+        <p:cNvPr id="1" name=""/>
+        <p:cNvGrpSpPr/>
+        <p:nvPr/>
+      </p:nvGrpSpPr>
+      <p:grpSpPr>
+        <a:xfrm>
+          <a:off x="0" y="0"/>
+          <a:ext cx="0" cy="0"/>
+          <a:chOff x="0" y="0"/>
+          <a:chExt cx="0" cy="0"/>
+        </a:xfrm>
+      </p:grpSpPr>
+      <p:sp>
+        <p:nvSpPr>
+          <p:cNvPr id="2" name="Tytuł 1">
+            <a:extLst>
+              <a:ext uri="{FF2B5EF4-FFF2-40B4-BE49-F238E27FC236}">
+                <a16:creationId xmlns:a16="http://schemas.microsoft.com/office/drawing/2014/main" id="{2C6E2DE0-2E01-4EE7-A104-C9132ECDE9C5}"/>
+              </a:ext>
+            </a:extLst>
+          </p:cNvPr>
+          <p:cNvSpPr>
+            <a:spLocks noGrp="1"/>
+          </p:cNvSpPr>
+          <p:nvPr>
+            <p:ph type="title"/>
+          </p:nvPr>
+        </p:nvSpPr>
+        <p:spPr/>
+        <p:txBody>
+          <a:bodyPr/>
+          <a:lstStyle/>
+          <a:p>
+            <a:r>
+              <a:rPr lang="pl-PL" dirty="0"/>
+              <a:t>Implementacja</a:t>
+            </a:r>
+          </a:p>
+        </p:txBody>
+      </p:sp>
+      <p:sp>
+        <p:nvSpPr>
+          <p:cNvPr id="3" name="Symbol zastępczy zawartości 2">
+            <a:extLst>
+              <a:ext uri="{FF2B5EF4-FFF2-40B4-BE49-F238E27FC236}">
+                <a16:creationId xmlns:a16="http://schemas.microsoft.com/office/drawing/2014/main" id="{7BCC8BE2-685C-4D18-89BA-29A90BAF75B1}"/>
+              </a:ext>
+            </a:extLst>
+          </p:cNvPr>
+          <p:cNvSpPr>
+            <a:spLocks noGrp="1"/>
+          </p:cNvSpPr>
+          <p:nvPr>
+            <p:ph idx="1"/>
+          </p:nvPr>
+        </p:nvSpPr>
+        <p:spPr>
+          <a:xfrm>
+            <a:off x="1451579" y="2015732"/>
+            <a:ext cx="9603275" cy="3800606"/>
+          </a:xfrm>
+        </p:spPr>
+        <p:txBody>
+          <a:bodyPr>
+            <a:normAutofit/>
+          </a:bodyPr>
+          <a:lstStyle/>
+          <a:p>
+            <a:r>
+              <a:rPr lang="pl-PL" dirty="0"/>
+              <a:t>Z</a:t>
+            </a:r>
+            <a:r>
+              <a:rPr lang="pl-PL" sz="2000" dirty="0"/>
+              <a:t> powodu niewielkiego </a:t>
+            </a:r>
+            <a:r>
+              <a:rPr lang="pl-PL" sz="2000" dirty="0" err="1"/>
+              <a:t>datasetu</a:t>
+            </a:r>
+            <a:r>
+              <a:rPr lang="pl-PL" sz="2000" dirty="0"/>
+              <a:t> wykorzystano podwójną 5-krotną walidacje krzyżową</a:t>
+            </a:r>
+          </a:p>
+          <a:p>
+            <a:pPr lvl="1"/>
+            <a:r>
+              <a:rPr lang="pl-PL" dirty="0"/>
+              <a:t>Wyniki zgrupowano względem </a:t>
+            </a:r>
+            <a:r>
+              <a:rPr lang="pl-PL" dirty="0" err="1"/>
+              <a:t>hiperparametrów</a:t>
+            </a:r>
+            <a:r>
+              <a:rPr lang="pl-PL" dirty="0"/>
+              <a:t>, a następnie dla każdej grupy obliczono średni wyniki predykcji</a:t>
+            </a:r>
+            <a:endParaRPr lang="pl-PL" sz="2000" dirty="0"/>
+          </a:p>
+          <a:p>
+            <a:r>
+              <a:rPr lang="pl-PL" dirty="0"/>
+              <a:t>Wykorzystane modele</a:t>
+            </a:r>
+          </a:p>
+          <a:p>
+            <a:pPr lvl="1"/>
+            <a:r>
+              <a:rPr lang="en-US" dirty="0"/>
+              <a:t>Lasso</a:t>
+            </a:r>
+          </a:p>
+          <a:p>
+            <a:pPr lvl="1"/>
+            <a:r>
+              <a:rPr lang="en-US" dirty="0"/>
+              <a:t>Decision Tree Regressor</a:t>
+            </a:r>
+          </a:p>
+          <a:p>
+            <a:pPr lvl="1"/>
+            <a:r>
+              <a:rPr lang="en-US" dirty="0"/>
+              <a:t>Random Forest Regressor</a:t>
+            </a:r>
+          </a:p>
+          <a:p>
+            <a:pPr lvl="1"/>
+            <a:r>
+              <a:rPr lang="en-US" dirty="0"/>
+              <a:t>Gradient Boosting Regressor</a:t>
+            </a:r>
+            <a:endParaRPr lang="pl-PL" dirty="0"/>
+          </a:p>
+          <a:p>
+            <a:pPr marL="457200" lvl="1" indent="0">
+              <a:buNone/>
+            </a:pPr>
+            <a:endParaRPr lang="pl-PL" dirty="0"/>
+          </a:p>
+          <a:p>
+            <a:pPr lvl="1"/>
+            <a:endParaRPr lang="pl-PL" dirty="0"/>
+          </a:p>
+          <a:p>
+            <a:pPr lvl="1"/>
+            <a:endParaRPr lang="pl-PL" dirty="0"/>
+          </a:p>
+          <a:p>
+            <a:pPr lvl="1"/>
+            <a:endParaRPr lang="pl-PL" dirty="0"/>
+          </a:p>
+          <a:p>
+            <a:pPr lvl="1"/>
+            <a:endParaRPr lang="pl-PL" dirty="0"/>
+          </a:p>
+          <a:p>
+            <a:endParaRPr lang="pl-PL" sz="2000" dirty="0"/>
+          </a:p>
+          <a:p>
+            <a:endParaRPr lang="pl-PL" dirty="0"/>
+          </a:p>
+        </p:txBody>
+      </p:sp>
+      <p:pic>
+        <p:nvPicPr>
+          <p:cNvPr id="9" name="Obraz 8">
+            <a:extLst>
+              <a:ext uri="{FF2B5EF4-FFF2-40B4-BE49-F238E27FC236}">
+                <a16:creationId xmlns:a16="http://schemas.microsoft.com/office/drawing/2014/main" id="{1160D608-6DCF-479B-BB41-263E6BE2DD65}"/>
+              </a:ext>
+            </a:extLst>
+          </p:cNvPr>
+          <p:cNvPicPr>
+            <a:picLocks noChangeAspect="1"/>
+          </p:cNvPicPr>
+          <p:nvPr/>
+        </p:nvPicPr>
+        <p:blipFill>
+          <a:blip r:embed="rId3"/>
+          <a:stretch>
+            <a:fillRect/>
+          </a:stretch>
+        </p:blipFill>
+        <p:spPr>
+          <a:xfrm>
+            <a:off x="6821567" y="3323231"/>
+            <a:ext cx="2731076" cy="1826629"/>
           </a:xfrm>
           <a:prstGeom prst="roundRect">
             <a:avLst>
@@ -7627,297 +9668,55 @@
           </a:effectLst>
         </p:spPr>
       </p:pic>
-      <p:cxnSp>
-        <p:nvCxnSpPr>
-          <p:cNvPr id="81" name="Straight Connector 48">
+      <p:sp>
+        <p:nvSpPr>
+          <p:cNvPr id="15" name="pole tekstowe 14">
             <a:extLst>
               <a:ext uri="{FF2B5EF4-FFF2-40B4-BE49-F238E27FC236}">
-                <a16:creationId xmlns:a16="http://schemas.microsoft.com/office/drawing/2014/main" id="{96A4B1E0-284C-4A01-8141-A24D2B8EE093}"/>
-              </a:ext>
-              <a:ext uri="{C183D7F6-B498-43B3-948B-1728B52AA6E4}">
-                <adec:decorative xmlns:adec="http://schemas.microsoft.com/office/drawing/2017/decorative" val="1"/>
+                <a16:creationId xmlns:a16="http://schemas.microsoft.com/office/drawing/2014/main" id="{F390113E-5781-4DBA-A047-6787B864A126}"/>
               </a:ext>
             </a:extLst>
           </p:cNvPr>
-          <p:cNvCxnSpPr>
-            <a:cxnSpLocks noGrp="1" noRot="1" noChangeAspect="1" noMove="1" noResize="1" noEditPoints="1" noAdjustHandles="1" noChangeArrowheads="1" noChangeShapeType="1"/>
-          </p:cNvCxnSpPr>
-          <p:nvPr>
-            <p:extLst>
-              <p:ext uri="{386F3935-93C4-4BCD-93E2-E3B085C9AB24}">
-                <p16:designElem xmlns:p16="http://schemas.microsoft.com/office/powerpoint/2015/main" val="1"/>
-              </p:ext>
-            </p:extLst>
-          </p:nvPr>
-        </p:nvCxnSpPr>
-        <p:spPr>
-          <a:xfrm>
-            <a:off x="1776728" y="5027185"/>
-            <a:ext cx="8643010" cy="0"/>
-          </a:xfrm>
-          <a:prstGeom prst="line">
-            <a:avLst/>
-          </a:prstGeom>
-          <a:ln w="31750"/>
-        </p:spPr>
-        <p:style>
-          <a:lnRef idx="3">
-            <a:schemeClr val="accent1"/>
-          </a:lnRef>
-          <a:fillRef idx="0">
-            <a:schemeClr val="accent1"/>
-          </a:fillRef>
-          <a:effectRef idx="2">
-            <a:schemeClr val="accent1"/>
-          </a:effectRef>
-          <a:fontRef idx="minor">
-            <a:schemeClr val="tx1"/>
-          </a:fontRef>
-        </p:style>
-      </p:cxnSp>
-      <p:pic>
-        <p:nvPicPr>
-          <p:cNvPr id="82" name="Picture 50">
-            <a:extLst>
-              <a:ext uri="{FF2B5EF4-FFF2-40B4-BE49-F238E27FC236}">
-                <a16:creationId xmlns:a16="http://schemas.microsoft.com/office/drawing/2014/main" id="{F82046CE-87C5-4670-A404-6AB453F5A928}"/>
-              </a:ext>
-              <a:ext uri="{C183D7F6-B498-43B3-948B-1728B52AA6E4}">
-                <adec:decorative xmlns:adec="http://schemas.microsoft.com/office/drawing/2017/decorative" val="1"/>
-              </a:ext>
-            </a:extLst>
-          </p:cNvPr>
-          <p:cNvPicPr>
-            <a:picLocks noGrp="1" noRot="1" noChangeAspect="1" noMove="1" noResize="1" noEditPoints="1" noAdjustHandles="1" noChangeArrowheads="1" noChangeShapeType="1" noCrop="1"/>
-          </p:cNvPicPr>
-          <p:nvPr>
-            <p:extLst>
-              <p:ext uri="{386F3935-93C4-4BCD-93E2-E3B085C9AB24}">
-                <p16:designElem xmlns:p16="http://schemas.microsoft.com/office/powerpoint/2015/main" val="1"/>
-              </p:ext>
-            </p:extLst>
-          </p:nvPr>
-        </p:nvPicPr>
-        <p:blipFill rotWithShape="1">
-          <a:blip r:embed="rId2">
-            <a:extLst>
-              <a:ext uri="{28A0092B-C50C-407E-A947-70E740481C1C}">
-                <a14:useLocalDpi xmlns:a14="http://schemas.microsoft.com/office/drawing/2010/main" val="0"/>
-              </a:ext>
-            </a:extLst>
-          </a:blip>
-          <a:srcRect t="1538" b="-1538"/>
-          <a:stretch/>
-        </p:blipFill>
-        <p:spPr bwMode="black">
-          <a:xfrm>
-            <a:off x="0" y="6126480"/>
-            <a:ext cx="12192000" cy="742950"/>
+          <p:cNvSpPr txBox="1"/>
+          <p:nvPr/>
+        </p:nvSpPr>
+        <p:spPr>
+          <a:xfrm>
+            <a:off x="1094295" y="6134193"/>
+            <a:ext cx="6418868" cy="646331"/>
           </a:xfrm>
           <a:prstGeom prst="rect">
             <a:avLst/>
           </a:prstGeom>
-        </p:spPr>
-      </p:pic>
-      <p:cxnSp>
-        <p:nvCxnSpPr>
-          <p:cNvPr id="83" name="Straight Connector 52">
-            <a:extLst>
-              <a:ext uri="{FF2B5EF4-FFF2-40B4-BE49-F238E27FC236}">
-                <a16:creationId xmlns:a16="http://schemas.microsoft.com/office/drawing/2014/main" id="{A224BAD7-5931-4CA6-BB58-0CBCFCFA65A5}"/>
-              </a:ext>
-              <a:ext uri="{C183D7F6-B498-43B3-948B-1728B52AA6E4}">
-                <adec:decorative xmlns:adec="http://schemas.microsoft.com/office/drawing/2017/decorative" val="1"/>
-              </a:ext>
-            </a:extLst>
-          </p:cNvPr>
-          <p:cNvCxnSpPr>
-            <a:cxnSpLocks noGrp="1" noRot="1" noChangeAspect="1" noMove="1" noResize="1" noEditPoints="1" noAdjustHandles="1" noChangeArrowheads="1" noChangeShapeType="1"/>
-          </p:cNvCxnSpPr>
-          <p:nvPr>
-            <p:extLst>
-              <p:ext uri="{386F3935-93C4-4BCD-93E2-E3B085C9AB24}">
-                <p16:designElem xmlns:p16="http://schemas.microsoft.com/office/powerpoint/2015/main" val="1"/>
-              </p:ext>
-            </p:extLst>
-          </p:nvPr>
-        </p:nvCxnSpPr>
-        <p:spPr>
-          <a:xfrm>
-            <a:off x="0" y="6128413"/>
-            <a:ext cx="12192000" cy="0"/>
-          </a:xfrm>
-          <a:prstGeom prst="line">
-            <a:avLst/>
-          </a:prstGeom>
-          <a:ln w="12700">
-            <a:solidFill>
-              <a:srgbClr val="000001">
-                <a:alpha val="20000"/>
-              </a:srgbClr>
-            </a:solidFill>
-          </a:ln>
-        </p:spPr>
-        <p:style>
-          <a:lnRef idx="1">
-            <a:schemeClr val="accent1"/>
-          </a:lnRef>
-          <a:fillRef idx="0">
-            <a:schemeClr val="accent1"/>
-          </a:fillRef>
-          <a:effectRef idx="0">
-            <a:schemeClr val="accent1"/>
-          </a:effectRef>
-          <a:fontRef idx="minor">
-            <a:schemeClr val="tx1"/>
-          </a:fontRef>
-        </p:style>
-      </p:cxnSp>
-      <p:pic>
-        <p:nvPicPr>
-          <p:cNvPr id="9" name="Obraz 8">
-            <a:extLst>
-              <a:ext uri="{FF2B5EF4-FFF2-40B4-BE49-F238E27FC236}">
-                <a16:creationId xmlns:a16="http://schemas.microsoft.com/office/drawing/2014/main" id="{F6A9C834-416C-4644-8434-E34FE0C23E99}"/>
-              </a:ext>
-            </a:extLst>
-          </p:cNvPr>
-          <p:cNvPicPr>
-            <a:picLocks noChangeAspect="1"/>
-          </p:cNvPicPr>
-          <p:nvPr/>
-        </p:nvPicPr>
-        <p:blipFill>
-          <a:blip r:embed="rId4"/>
-          <a:stretch>
-            <a:fillRect/>
-          </a:stretch>
-        </p:blipFill>
-        <p:spPr>
-          <a:xfrm>
-            <a:off x="1776425" y="995466"/>
-            <a:ext cx="3851159" cy="2792091"/>
-          </a:xfrm>
-          <a:prstGeom prst="roundRect">
-            <a:avLst>
-              <a:gd name="adj" fmla="val 8594"/>
-            </a:avLst>
-          </a:prstGeom>
-          <a:solidFill>
-            <a:srgbClr val="FFFFFF">
-              <a:shade val="85000"/>
-            </a:srgbClr>
-          </a:solidFill>
-          <a:ln>
-            <a:noFill/>
-          </a:ln>
-          <a:effectLst>
-            <a:reflection blurRad="12700" stA="38000" endPos="28000" dist="5000" dir="5400000" sy="-100000" algn="bl" rotWithShape="0"/>
-          </a:effectLst>
-        </p:spPr>
-      </p:pic>
+          <a:noFill/>
+        </p:spPr>
+        <p:txBody>
+          <a:bodyPr wrap="square">
+            <a:spAutoFit/>
+          </a:bodyPr>
+          <a:lstStyle/>
+          <a:p>
+            <a:r>
+              <a:rPr lang="pl-PL" dirty="0">
+                <a:solidFill>
+                  <a:schemeClr val="bg1"/>
+                </a:solidFill>
+              </a:rPr>
+              <a:t>https://github.com/DawidSzczerba/umwpl2021-hepatoxicity-prediction/blob/main/notebooks/alt_prediction.ipynb</a:t>
+            </a:r>
+          </a:p>
+        </p:txBody>
+      </p:sp>
     </p:spTree>
     <p:extLst>
       <p:ext uri="{BB962C8B-B14F-4D97-AF65-F5344CB8AC3E}">
-        <p14:creationId xmlns:p14="http://schemas.microsoft.com/office/powerpoint/2010/main" val="1163768327"/>
+        <p14:creationId xmlns:p14="http://schemas.microsoft.com/office/powerpoint/2010/main" val="2278866840"/>
       </p:ext>
     </p:extLst>
   </p:cSld>
   <p:clrMapOvr>
     <a:masterClrMapping/>
   </p:clrMapOvr>
-  <p:timing>
-    <p:tnLst>
-      <p:par>
-        <p:cTn id="1" dur="indefinite" restart="never" nodeType="tmRoot">
-          <p:childTnLst>
-            <p:seq concurrent="1" nextAc="seek">
-              <p:cTn id="2" dur="indefinite" nodeType="mainSeq">
-                <p:childTnLst>
-                  <p:par>
-                    <p:cTn id="3" fill="hold">
-                      <p:stCondLst>
-                        <p:cond delay="indefinite"/>
-                        <p:cond evt="onBegin" delay="0">
-                          <p:tn val="2"/>
-                        </p:cond>
-                      </p:stCondLst>
-                      <p:childTnLst>
-                        <p:par>
-                          <p:cTn id="4" fill="hold">
-                            <p:stCondLst>
-                              <p:cond delay="0"/>
-                            </p:stCondLst>
-                            <p:childTnLst>
-                              <p:par>
-                                <p:cTn id="5" presetID="10" presetClass="entr" presetSubtype="0" fill="hold" grpId="0" nodeType="withEffect">
-                                  <p:stCondLst>
-                                    <p:cond delay="1000"/>
-                                  </p:stCondLst>
-                                  <p:iterate>
-                                    <p:tmPct val="10000"/>
-                                  </p:iterate>
-                                  <p:childTnLst>
-                                    <p:set>
-                                      <p:cBhvr>
-                                        <p:cTn id="6" dur="1" fill="hold">
-                                          <p:stCondLst>
-                                            <p:cond delay="0"/>
-                                          </p:stCondLst>
-                                        </p:cTn>
-                                        <p:tgtEl>
-                                          <p:spTgt spid="2"/>
-                                        </p:tgtEl>
-                                        <p:attrNameLst>
-                                          <p:attrName>style.visibility</p:attrName>
-                                        </p:attrNameLst>
-                                      </p:cBhvr>
-                                      <p:to>
-                                        <p:strVal val="visible"/>
-                                      </p:to>
-                                    </p:set>
-                                    <p:animEffect transition="in" filter="fade">
-                                      <p:cBhvr>
-                                        <p:cTn id="7" dur="700"/>
-                                        <p:tgtEl>
-                                          <p:spTgt spid="2"/>
-                                        </p:tgtEl>
-                                      </p:cBhvr>
-                                    </p:animEffect>
-                                  </p:childTnLst>
-                                </p:cTn>
-                              </p:par>
-                            </p:childTnLst>
-                          </p:cTn>
-                        </p:par>
-                      </p:childTnLst>
-                    </p:cTn>
-                  </p:par>
-                </p:childTnLst>
-              </p:cTn>
-              <p:prevCondLst>
-                <p:cond evt="onPrev" delay="0">
-                  <p:tgtEl>
-                    <p:sldTgt/>
-                  </p:tgtEl>
-                </p:cond>
-              </p:prevCondLst>
-              <p:nextCondLst>
-                <p:cond evt="onNext" delay="0">
-                  <p:tgtEl>
-                    <p:sldTgt/>
-                  </p:tgtEl>
-                </p:cond>
-              </p:nextCondLst>
-            </p:seq>
-          </p:childTnLst>
-        </p:cTn>
-      </p:par>
-    </p:tnLst>
-    <p:bldLst>
-      <p:bldP spid="2" grpId="0"/>
-    </p:bldLst>
-  </p:timing>
 </p:sld>
 </file>
 
@@ -7943,7 +9742,7 @@
           <p:cNvPr id="2" name="Tytuł 1">
             <a:extLst>
               <a:ext uri="{FF2B5EF4-FFF2-40B4-BE49-F238E27FC236}">
-                <a16:creationId xmlns:a16="http://schemas.microsoft.com/office/drawing/2014/main" id="{D0FC2569-B04C-42B2-94C9-7A8FEE7A8173}"/>
+                <a16:creationId xmlns:a16="http://schemas.microsoft.com/office/drawing/2014/main" id="{11A6CD6E-9B7E-4610-B1AE-5480CC0BA1E0}"/>
               </a:ext>
             </a:extLst>
           </p:cNvPr>
@@ -7961,75 +9760,216 @@
           <a:p>
             <a:r>
               <a:rPr lang="pl-PL" dirty="0"/>
-              <a:t>Modele – Badanie skuteczności modelu</a:t>
-            </a:r>
-          </a:p>
-        </p:txBody>
-      </p:sp>
-      <p:sp>
-        <p:nvSpPr>
-          <p:cNvPr id="3" name="Symbol zastępczy zawartości 2">
+              <a:t>Implementacja</a:t>
+            </a:r>
+          </a:p>
+        </p:txBody>
+      </p:sp>
+      <mc:AlternateContent xmlns:mc="http://schemas.openxmlformats.org/markup-compatibility/2006">
+        <mc:Choice xmlns:a14="http://schemas.microsoft.com/office/drawing/2010/main" Requires="a14">
+          <p:sp>
+            <p:nvSpPr>
+              <p:cNvPr id="3" name="Symbol zastępczy zawartości 2">
+                <a:extLst>
+                  <a:ext uri="{FF2B5EF4-FFF2-40B4-BE49-F238E27FC236}">
+                    <a16:creationId xmlns:a16="http://schemas.microsoft.com/office/drawing/2014/main" id="{128A68FD-B353-4D8D-B2B1-D1D001A5F03F}"/>
+                  </a:ext>
+                </a:extLst>
+              </p:cNvPr>
+              <p:cNvSpPr>
+                <a:spLocks noGrp="1"/>
+              </p:cNvSpPr>
+              <p:nvPr>
+                <p:ph idx="1"/>
+              </p:nvPr>
+            </p:nvSpPr>
+            <p:spPr>
+              <a:xfrm>
+                <a:off x="1451580" y="2015732"/>
+                <a:ext cx="9603274" cy="3450613"/>
+              </a:xfrm>
+            </p:spPr>
+            <p:txBody>
+              <a:bodyPr/>
+              <a:lstStyle/>
+              <a:p>
+                <a:r>
+                  <a:rPr lang="pl-PL" dirty="0"/>
+                  <a:t>Do badania skuteczności modelów, wykorzystano współczynnik determinacji </a:t>
+                </a:r>
+                <a14:m>
+                  <m:oMath xmlns:m="http://schemas.openxmlformats.org/officeDocument/2006/math">
+                    <m:sSup>
+                      <m:sSupPr>
+                        <m:ctrlPr>
+                          <a:rPr lang="pl-PL" i="1" smtClean="0">
+                            <a:latin typeface="Cambria Math" panose="02040503050406030204" pitchFamily="18" charset="0"/>
+                          </a:rPr>
+                        </m:ctrlPr>
+                      </m:sSupPr>
+                      <m:e>
+                        <m:r>
+                          <a:rPr lang="pl-PL" b="0" i="1" smtClean="0">
+                            <a:latin typeface="Cambria Math" panose="02040503050406030204" pitchFamily="18" charset="0"/>
+                          </a:rPr>
+                          <m:t>𝑅</m:t>
+                        </m:r>
+                      </m:e>
+                      <m:sup>
+                        <m:r>
+                          <a:rPr lang="pl-PL" i="1" smtClean="0">
+                            <a:latin typeface="Cambria Math" panose="02040503050406030204" pitchFamily="18" charset="0"/>
+                          </a:rPr>
+                          <m:t>2</m:t>
+                        </m:r>
+                      </m:sup>
+                    </m:sSup>
+                  </m:oMath>
+                </a14:m>
+                <a:endParaRPr lang="pl-PL" dirty="0"/>
+              </a:p>
+              <a:p>
+                <a:r>
+                  <a:rPr lang="pl-PL" dirty="0"/>
+                  <a:t>Wynik dla każdego modelu to średnia arytmetyczna wyników, dla każdego z 5 podziałów</a:t>
+                </a:r>
+              </a:p>
+              <a:p>
+                <a:r>
+                  <a:rPr lang="pl-PL" dirty="0"/>
+                  <a:t>Zadbano o odtwarzalność projektu:</a:t>
+                </a:r>
+              </a:p>
+              <a:p>
+                <a:pPr lvl="1"/>
+                <a:r>
+                  <a:rPr lang="pl-PL" dirty="0"/>
+                  <a:t>Wyniki dla każdego modelu zapisano w formacie </a:t>
+                </a:r>
+                <a:r>
+                  <a:rPr lang="pl-PL" dirty="0" err="1"/>
+                  <a:t>csv</a:t>
+                </a:r>
+                <a:r>
+                  <a:rPr lang="pl-PL" dirty="0"/>
+                  <a:t> </a:t>
+                </a:r>
+              </a:p>
+              <a:p>
+                <a:pPr lvl="1"/>
+                <a:r>
+                  <a:rPr lang="pl-PL" dirty="0"/>
+                  <a:t>Zapisano wszystkie wytrenowane modele</a:t>
+                </a:r>
+              </a:p>
+              <a:p>
+                <a:pPr lvl="1"/>
+                <a:r>
+                  <a:rPr lang="pl-PL" dirty="0"/>
+                  <a:t>Kod umożliwia szybkie sprawdzenie predykcji dla innych modeli</a:t>
+                </a:r>
+              </a:p>
+              <a:p>
+                <a:pPr lvl="1"/>
+                <a:endParaRPr lang="pl-PL" dirty="0"/>
+              </a:p>
+              <a:p>
+                <a:pPr lvl="1"/>
+                <a:endParaRPr lang="pl-PL" dirty="0"/>
+              </a:p>
+              <a:p>
+                <a:endParaRPr lang="pl-PL" dirty="0"/>
+              </a:p>
+            </p:txBody>
+          </p:sp>
+        </mc:Choice>
+        <mc:Fallback>
+          <p:sp>
+            <p:nvSpPr>
+              <p:cNvPr id="3" name="Symbol zastępczy zawartości 2">
+                <a:extLst>
+                  <a:ext uri="{FF2B5EF4-FFF2-40B4-BE49-F238E27FC236}">
+                    <a16:creationId xmlns:a16="http://schemas.microsoft.com/office/drawing/2014/main" id="{128A68FD-B353-4D8D-B2B1-D1D001A5F03F}"/>
+                  </a:ext>
+                </a:extLst>
+              </p:cNvPr>
+              <p:cNvSpPr>
+                <a:spLocks noGrp="1" noRot="1" noChangeAspect="1" noMove="1" noResize="1" noEditPoints="1" noAdjustHandles="1" noChangeArrowheads="1" noChangeShapeType="1" noTextEdit="1"/>
+              </p:cNvSpPr>
+              <p:nvPr>
+                <p:ph idx="1"/>
+              </p:nvPr>
+            </p:nvSpPr>
+            <p:spPr>
+              <a:xfrm>
+                <a:off x="1451580" y="2015732"/>
+                <a:ext cx="9603274" cy="3450613"/>
+              </a:xfrm>
+              <a:blipFill>
+                <a:blip r:embed="rId3"/>
+                <a:stretch>
+                  <a:fillRect l="-571" t="-177"/>
+                </a:stretch>
+              </a:blipFill>
+            </p:spPr>
+            <p:txBody>
+              <a:bodyPr/>
+              <a:lstStyle/>
+              <a:p>
+                <a:r>
+                  <a:rPr lang="pl-PL">
+                    <a:noFill/>
+                  </a:rPr>
+                  <a:t> </a:t>
+                </a:r>
+              </a:p>
+            </p:txBody>
+          </p:sp>
+        </mc:Fallback>
+      </mc:AlternateContent>
+      <p:sp>
+        <p:nvSpPr>
+          <p:cNvPr id="5" name="pole tekstowe 4">
             <a:extLst>
               <a:ext uri="{FF2B5EF4-FFF2-40B4-BE49-F238E27FC236}">
-                <a16:creationId xmlns:a16="http://schemas.microsoft.com/office/drawing/2014/main" id="{A378ADEA-BC47-4232-B02A-94B17D5262DE}"/>
+                <a16:creationId xmlns:a16="http://schemas.microsoft.com/office/drawing/2014/main" id="{4F73E42D-4C03-48FC-82DF-2B1EFC8DB935}"/>
               </a:ext>
             </a:extLst>
           </p:cNvPr>
-          <p:cNvSpPr>
-            <a:spLocks noGrp="1"/>
-          </p:cNvSpPr>
-          <p:nvPr>
-            <p:ph idx="1"/>
-          </p:nvPr>
-        </p:nvSpPr>
-        <p:spPr>
-          <a:xfrm>
-            <a:off x="1451579" y="2015732"/>
-            <a:ext cx="9681477" cy="3450613"/>
-          </a:xfrm>
-        </p:spPr>
-        <p:txBody>
-          <a:bodyPr/>
+          <p:cNvSpPr txBox="1"/>
+          <p:nvPr/>
+        </p:nvSpPr>
+        <p:spPr>
+          <a:xfrm>
+            <a:off x="1451579" y="6211669"/>
+            <a:ext cx="6418868" cy="646331"/>
+          </a:xfrm>
+          <a:prstGeom prst="rect">
+            <a:avLst/>
+          </a:prstGeom>
+          <a:noFill/>
+        </p:spPr>
+        <p:txBody>
+          <a:bodyPr wrap="square">
+            <a:spAutoFit/>
+          </a:bodyPr>
           <a:lstStyle/>
           <a:p>
             <a:r>
-              <a:rPr lang="pl-PL" dirty="0"/>
-              <a:t>LASSO</a:t>
-            </a:r>
-          </a:p>
-          <a:p>
-            <a:r>
-              <a:rPr lang="pl-PL" dirty="0"/>
-              <a:t>DECISION TREE REGRESSOR</a:t>
-            </a:r>
-          </a:p>
-          <a:p>
-            <a:r>
-              <a:rPr lang="pl-PL" dirty="0"/>
-              <a:t>RANDOM FOREST REGRESSOR</a:t>
-            </a:r>
-          </a:p>
-          <a:p>
-            <a:r>
-              <a:rPr lang="pl-PL" dirty="0"/>
-              <a:t>GRADIEN BOOSTING REGRESSOR</a:t>
-            </a:r>
-          </a:p>
-          <a:p>
-            <a:r>
-              <a:rPr lang="pl-PL" dirty="0"/>
-              <a:t>Do badania skuteczności modelów, wykorzystałem współczynnik determinacji – funkcja wyniku regresji R2</a:t>
-            </a:r>
-          </a:p>
-          <a:p>
-            <a:endParaRPr lang="pl-PL" dirty="0"/>
+              <a:rPr lang="pl-PL" dirty="0">
+                <a:solidFill>
+                  <a:schemeClr val="bg1"/>
+                </a:solidFill>
+              </a:rPr>
+              <a:t>https://github.com/DawidSzczerba/umwpl2021-hepatoxicity-prediction/blob/main/notebooks/alt_prediction.ipynb</a:t>
+            </a:r>
           </a:p>
         </p:txBody>
       </p:sp>
     </p:spTree>
     <p:extLst>
       <p:ext uri="{BB962C8B-B14F-4D97-AF65-F5344CB8AC3E}">
-        <p14:creationId xmlns:p14="http://schemas.microsoft.com/office/powerpoint/2010/main" val="3967985407"/>
+        <p14:creationId xmlns:p14="http://schemas.microsoft.com/office/powerpoint/2010/main" val="2379378399"/>
       </p:ext>
     </p:extLst>
   </p:cSld>
@@ -8080,155 +10020,12 @@
           <a:chExt cx="0" cy="0"/>
         </a:xfrm>
       </p:grpSpPr>
-      <p:sp useBgFill="1">
-        <p:nvSpPr>
-          <p:cNvPr id="12" name="Rectangle 11">
+      <p:sp>
+        <p:nvSpPr>
+          <p:cNvPr id="34" name="Rectangle 9">
             <a:extLst>
               <a:ext uri="{FF2B5EF4-FFF2-40B4-BE49-F238E27FC236}">
-                <a16:creationId xmlns:a16="http://schemas.microsoft.com/office/drawing/2014/main" id="{35C3D674-3D59-4E93-80CA-0C0A9095E816}"/>
-              </a:ext>
-              <a:ext uri="{C183D7F6-B498-43B3-948B-1728B52AA6E4}">
-                <adec:decorative xmlns:adec="http://schemas.microsoft.com/office/drawing/2017/decorative" val="1"/>
-              </a:ext>
-            </a:extLst>
-          </p:cNvPr>
-          <p:cNvSpPr>
-            <a:spLocks noGrp="1" noRot="1" noChangeAspect="1" noMove="1" noResize="1" noEditPoints="1" noAdjustHandles="1" noChangeArrowheads="1" noChangeShapeType="1" noTextEdit="1"/>
-          </p:cNvSpPr>
-          <p:nvPr>
-            <p:extLst>
-              <p:ext uri="{386F3935-93C4-4BCD-93E2-E3B085C9AB24}">
-                <p16:designElem xmlns:p16="http://schemas.microsoft.com/office/powerpoint/2015/main" val="1"/>
-              </p:ext>
-            </p:extLst>
-          </p:nvPr>
-        </p:nvSpPr>
-        <p:spPr>
-          <a:xfrm>
-            <a:off x="2" y="0"/>
-            <a:ext cx="12191695" cy="6858000"/>
-          </a:xfrm>
-          <a:prstGeom prst="rect">
-            <a:avLst/>
-          </a:prstGeom>
-          <a:ln>
-            <a:noFill/>
-          </a:ln>
-        </p:spPr>
-        <p:style>
-          <a:lnRef idx="2">
-            <a:schemeClr val="accent1">
-              <a:shade val="50000"/>
-            </a:schemeClr>
-          </a:lnRef>
-          <a:fillRef idx="1">
-            <a:schemeClr val="accent1"/>
-          </a:fillRef>
-          <a:effectRef idx="0">
-            <a:schemeClr val="accent1"/>
-          </a:effectRef>
-          <a:fontRef idx="minor">
-            <a:schemeClr val="lt1"/>
-          </a:fontRef>
-        </p:style>
-        <p:txBody>
-          <a:bodyPr rtlCol="0" anchor="ctr"/>
-          <a:lstStyle/>
-          <a:p>
-            <a:pPr algn="ctr"/>
-            <a:endParaRPr lang="en-US"/>
-          </a:p>
-        </p:txBody>
-      </p:sp>
-      <p:cxnSp>
-        <p:nvCxnSpPr>
-          <p:cNvPr id="14" name="Straight Connector 13">
-            <a:extLst>
-              <a:ext uri="{FF2B5EF4-FFF2-40B4-BE49-F238E27FC236}">
-                <a16:creationId xmlns:a16="http://schemas.microsoft.com/office/drawing/2014/main" id="{C884B8F8-FDC9-498B-9960-5D7260AFCB03}"/>
-              </a:ext>
-              <a:ext uri="{C183D7F6-B498-43B3-948B-1728B52AA6E4}">
-                <adec:decorative xmlns:adec="http://schemas.microsoft.com/office/drawing/2017/decorative" val="1"/>
-              </a:ext>
-            </a:extLst>
-          </p:cNvPr>
-          <p:cNvCxnSpPr>
-            <a:cxnSpLocks noGrp="1" noRot="1" noChangeAspect="1" noMove="1" noResize="1" noEditPoints="1" noAdjustHandles="1" noChangeArrowheads="1" noChangeShapeType="1"/>
-          </p:cNvCxnSpPr>
-          <p:nvPr>
-            <p:extLst>
-              <p:ext uri="{386F3935-93C4-4BCD-93E2-E3B085C9AB24}">
-                <p16:designElem xmlns:p16="http://schemas.microsoft.com/office/powerpoint/2015/main" val="1"/>
-              </p:ext>
-            </p:extLst>
-          </p:nvPr>
-        </p:nvCxnSpPr>
-        <p:spPr>
-          <a:xfrm>
-            <a:off x="1453896" y="1847088"/>
-            <a:ext cx="4177373" cy="0"/>
-          </a:xfrm>
-          <a:prstGeom prst="line">
-            <a:avLst/>
-          </a:prstGeom>
-          <a:ln w="31750"/>
-        </p:spPr>
-        <p:style>
-          <a:lnRef idx="3">
-            <a:schemeClr val="accent1"/>
-          </a:lnRef>
-          <a:fillRef idx="0">
-            <a:schemeClr val="accent1"/>
-          </a:fillRef>
-          <a:effectRef idx="2">
-            <a:schemeClr val="accent1"/>
-          </a:effectRef>
-          <a:fontRef idx="minor">
-            <a:schemeClr val="tx1"/>
-          </a:fontRef>
-        </p:style>
-      </p:cxnSp>
-      <p:sp>
-        <p:nvSpPr>
-          <p:cNvPr id="2" name="Tytuł 1">
-            <a:extLst>
-              <a:ext uri="{FF2B5EF4-FFF2-40B4-BE49-F238E27FC236}">
-                <a16:creationId xmlns:a16="http://schemas.microsoft.com/office/drawing/2014/main" id="{30C98A5E-C7C2-4801-BA31-1C097DA5C34A}"/>
-              </a:ext>
-            </a:extLst>
-          </p:cNvPr>
-          <p:cNvSpPr>
-            <a:spLocks noGrp="1"/>
-          </p:cNvSpPr>
-          <p:nvPr>
-            <p:ph type="title"/>
-          </p:nvPr>
-        </p:nvSpPr>
-        <p:spPr>
-          <a:xfrm>
-            <a:off x="1451580" y="804520"/>
-            <a:ext cx="4176511" cy="1049235"/>
-          </a:xfrm>
-        </p:spPr>
-        <p:txBody>
-          <a:bodyPr>
-            <a:normAutofit/>
-          </a:bodyPr>
-          <a:lstStyle/>
-          <a:p>
-            <a:r>
-              <a:rPr lang="pl-PL" sz="2200"/>
-              <a:t>IMPLEMENTACJA – PODWOJNA WALIDACJA KRZYZOWA</a:t>
-            </a:r>
-          </a:p>
-        </p:txBody>
-      </p:sp>
-      <p:sp>
-        <p:nvSpPr>
-          <p:cNvPr id="16" name="Rectangle 15">
-            <a:extLst>
-              <a:ext uri="{FF2B5EF4-FFF2-40B4-BE49-F238E27FC236}">
-                <a16:creationId xmlns:a16="http://schemas.microsoft.com/office/drawing/2014/main" id="{EF2A81E1-BCBE-426B-8C09-33274E69409D}"/>
+                <a16:creationId xmlns:a16="http://schemas.microsoft.com/office/drawing/2014/main" id="{84C75E2B-CACA-478C-B26B-182AF87A18E3}"/>
               </a:ext>
               <a:ext uri="{C183D7F6-B498-43B3-948B-1728B52AA6E4}">
                 <adec:decorative xmlns:adec="http://schemas.microsoft.com/office/drawing/2017/decorative" val="1"/>
@@ -8288,83 +10085,233 @@
             <a:schemeClr val="lt1"/>
           </a:fontRef>
         </p:style>
-        <p:txBody>
-          <a:bodyPr rtlCol="0" anchor="ctr"/>
-          <a:lstStyle/>
-          <a:p>
-            <a:pPr lvl="0" algn="ctr"/>
-            <a:endParaRPr lang="en-US"/>
-          </a:p>
-        </p:txBody>
-      </p:sp>
-      <p:sp>
-        <p:nvSpPr>
-          <p:cNvPr id="3" name="Symbol zastępczy zawartości 2">
+      </p:sp>
+      <p:pic>
+        <p:nvPicPr>
+          <p:cNvPr id="35" name="Picture 11">
             <a:extLst>
               <a:ext uri="{FF2B5EF4-FFF2-40B4-BE49-F238E27FC236}">
-                <a16:creationId xmlns:a16="http://schemas.microsoft.com/office/drawing/2014/main" id="{0DCA2547-477C-4521-BF47-C498490979D4}"/>
+                <a16:creationId xmlns:a16="http://schemas.microsoft.com/office/drawing/2014/main" id="{50FF2874-547C-4D14-9E18-28B19002FB8C}"/>
+              </a:ext>
+              <a:ext uri="{C183D7F6-B498-43B3-948B-1728B52AA6E4}">
+                <adec:decorative xmlns:adec="http://schemas.microsoft.com/office/drawing/2017/decorative" val="1"/>
               </a:ext>
             </a:extLst>
           </p:cNvPr>
+          <p:cNvPicPr>
+            <a:picLocks noGrp="1" noRot="1" noChangeAspect="1" noMove="1" noResize="1" noEditPoints="1" noAdjustHandles="1" noChangeArrowheads="1" noChangeShapeType="1" noCrop="1"/>
+          </p:cNvPicPr>
+          <p:nvPr>
+            <p:extLst>
+              <p:ext uri="{386F3935-93C4-4BCD-93E2-E3B085C9AB24}">
+                <p16:designElem xmlns:p16="http://schemas.microsoft.com/office/powerpoint/2015/main" val="1"/>
+              </p:ext>
+            </p:extLst>
+          </p:nvPr>
+        </p:nvPicPr>
+        <p:blipFill rotWithShape="1">
+          <a:blip r:embed="rId2">
+            <a:extLst>
+              <a:ext uri="{28A0092B-C50C-407E-A947-70E740481C1C}">
+                <a14:useLocalDpi xmlns:a14="http://schemas.microsoft.com/office/drawing/2010/main" val="0"/>
+              </a:ext>
+            </a:extLst>
+          </a:blip>
+          <a:srcRect t="1538" b="-1538"/>
+          <a:stretch/>
+        </p:blipFill>
+        <p:spPr bwMode="black">
+          <a:xfrm>
+            <a:off x="0" y="6126480"/>
+            <a:ext cx="12192000" cy="742950"/>
+          </a:xfrm>
+          <a:prstGeom prst="rect">
+            <a:avLst/>
+          </a:prstGeom>
+        </p:spPr>
+      </p:pic>
+      <p:cxnSp>
+        <p:nvCxnSpPr>
+          <p:cNvPr id="36" name="Straight Connector 13">
+            <a:extLst>
+              <a:ext uri="{FF2B5EF4-FFF2-40B4-BE49-F238E27FC236}">
+                <a16:creationId xmlns:a16="http://schemas.microsoft.com/office/drawing/2014/main" id="{36CF827D-A163-47F7-BD87-34EB4FA7D696}"/>
+              </a:ext>
+              <a:ext uri="{C183D7F6-B498-43B3-948B-1728B52AA6E4}">
+                <adec:decorative xmlns:adec="http://schemas.microsoft.com/office/drawing/2017/decorative" val="1"/>
+              </a:ext>
+            </a:extLst>
+          </p:cNvPr>
+          <p:cNvCxnSpPr>
+            <a:cxnSpLocks noGrp="1" noRot="1" noChangeAspect="1" noMove="1" noResize="1" noEditPoints="1" noAdjustHandles="1" noChangeArrowheads="1" noChangeShapeType="1"/>
+          </p:cNvCxnSpPr>
+          <p:nvPr>
+            <p:extLst>
+              <p:ext uri="{386F3935-93C4-4BCD-93E2-E3B085C9AB24}">
+                <p16:designElem xmlns:p16="http://schemas.microsoft.com/office/powerpoint/2015/main" val="1"/>
+              </p:ext>
+            </p:extLst>
+          </p:nvPr>
+        </p:nvCxnSpPr>
+        <p:spPr>
+          <a:xfrm>
+            <a:off x="0" y="6128413"/>
+            <a:ext cx="12192000" cy="0"/>
+          </a:xfrm>
+          <a:prstGeom prst="line">
+            <a:avLst/>
+          </a:prstGeom>
+          <a:ln w="12700">
+            <a:solidFill>
+              <a:srgbClr val="000001">
+                <a:alpha val="20000"/>
+              </a:srgbClr>
+            </a:solidFill>
+          </a:ln>
+        </p:spPr>
+        <p:style>
+          <a:lnRef idx="1">
+            <a:schemeClr val="accent1"/>
+          </a:lnRef>
+          <a:fillRef idx="0">
+            <a:schemeClr val="accent1"/>
+          </a:fillRef>
+          <a:effectRef idx="0">
+            <a:schemeClr val="accent1"/>
+          </a:effectRef>
+          <a:fontRef idx="minor">
+            <a:schemeClr val="tx1"/>
+          </a:fontRef>
+        </p:style>
+      </p:cxnSp>
+      <p:cxnSp>
+        <p:nvCxnSpPr>
+          <p:cNvPr id="37" name="Straight Connector 15">
+            <a:extLst>
+              <a:ext uri="{FF2B5EF4-FFF2-40B4-BE49-F238E27FC236}">
+                <a16:creationId xmlns:a16="http://schemas.microsoft.com/office/drawing/2014/main" id="{D299D9A9-1DA8-433D-A9BC-FB48D93D4217}"/>
+              </a:ext>
+              <a:ext uri="{C183D7F6-B498-43B3-948B-1728B52AA6E4}">
+                <adec:decorative xmlns:adec="http://schemas.microsoft.com/office/drawing/2017/decorative" val="1"/>
+              </a:ext>
+            </a:extLst>
+          </p:cNvPr>
+          <p:cNvCxnSpPr>
+            <a:cxnSpLocks noGrp="1" noRot="1" noChangeAspect="1" noMove="1" noResize="1" noEditPoints="1" noAdjustHandles="1" noChangeArrowheads="1" noChangeShapeType="1"/>
+          </p:cNvCxnSpPr>
+          <p:nvPr>
+            <p:extLst>
+              <p:ext uri="{386F3935-93C4-4BCD-93E2-E3B085C9AB24}">
+                <p16:designElem xmlns:p16="http://schemas.microsoft.com/office/powerpoint/2015/main" val="1"/>
+              </p:ext>
+            </p:extLst>
+          </p:nvPr>
+        </p:nvCxnSpPr>
+        <p:spPr>
+          <a:xfrm>
+            <a:off x="1453896" y="1847088"/>
+            <a:ext cx="9607522" cy="0"/>
+          </a:xfrm>
+          <a:prstGeom prst="line">
+            <a:avLst/>
+          </a:prstGeom>
+          <a:ln w="31750"/>
+        </p:spPr>
+        <p:style>
+          <a:lnRef idx="3">
+            <a:schemeClr val="accent1"/>
+          </a:lnRef>
+          <a:fillRef idx="0">
+            <a:schemeClr val="accent1"/>
+          </a:fillRef>
+          <a:effectRef idx="2">
+            <a:schemeClr val="accent1"/>
+          </a:effectRef>
+          <a:fontRef idx="minor">
+            <a:schemeClr val="tx1"/>
+          </a:fontRef>
+        </p:style>
+      </p:cxnSp>
+      <p:sp>
+        <p:nvSpPr>
+          <p:cNvPr id="2" name="Tytuł 1">
+            <a:extLst>
+              <a:ext uri="{FF2B5EF4-FFF2-40B4-BE49-F238E27FC236}">
+                <a16:creationId xmlns:a16="http://schemas.microsoft.com/office/drawing/2014/main" id="{20A3F127-B4B4-438C-8690-EE0F85643BD5}"/>
+              </a:ext>
+            </a:extLst>
+          </p:cNvPr>
           <p:cNvSpPr>
             <a:spLocks noGrp="1"/>
           </p:cNvSpPr>
           <p:nvPr>
-            <p:ph idx="1"/>
-          </p:nvPr>
-        </p:nvSpPr>
-        <p:spPr>
-          <a:xfrm>
-            <a:off x="1451581" y="2015732"/>
-            <a:ext cx="4172212" cy="3450613"/>
-          </a:xfrm>
-        </p:spPr>
-        <p:txBody>
-          <a:bodyPr>
+            <p:ph type="title"/>
+          </p:nvPr>
+        </p:nvSpPr>
+        <p:spPr>
+          <a:xfrm>
+            <a:off x="1451579" y="804519"/>
+            <a:ext cx="9603275" cy="1049235"/>
+          </a:xfrm>
+        </p:spPr>
+        <p:txBody>
+          <a:bodyPr vert="horz" lIns="91440" tIns="45720" rIns="91440" bIns="45720" rtlCol="0" anchor="t">
             <a:normAutofit/>
           </a:bodyPr>
           <a:lstStyle/>
           <a:p>
-            <a:pPr>
-              <a:lnSpc>
-                <a:spcPct val="110000"/>
-              </a:lnSpc>
-            </a:pPr>
-            <a:r>
-              <a:rPr lang="pl-PL" sz="1700"/>
-              <a:t>Ze względu na małą ilość danych wykorzystano podwójną walidację krzyżową – po 5 podziałów</a:t>
-            </a:r>
-          </a:p>
-          <a:p>
-            <a:pPr>
-              <a:lnSpc>
-                <a:spcPct val="110000"/>
-              </a:lnSpc>
-            </a:pPr>
-            <a:r>
-              <a:rPr lang="pl-PL" sz="1700"/>
-              <a:t>Do wewnętrznej walidacji krzyżowej wykorzystano GridSearchCV z modułu sklearn. </a:t>
-            </a:r>
-          </a:p>
-          <a:p>
-            <a:pPr>
-              <a:lnSpc>
-                <a:spcPct val="110000"/>
-              </a:lnSpc>
-            </a:pPr>
-            <a:r>
-              <a:rPr lang="pl-PL" sz="1700"/>
-              <a:t>Uzyskane wyniki zagregowano względem hiperparametrów – dla każdej grupy hiperparametrów obliczono mean test score i wybrano najlepszą grupę.</a:t>
+            <a:r>
+              <a:rPr lang="en-US" dirty="0"/>
+              <a:t>WYNIKI</a:t>
+            </a:r>
+          </a:p>
+        </p:txBody>
+      </p:sp>
+      <p:sp>
+        <p:nvSpPr>
+          <p:cNvPr id="8" name="pole tekstowe 7">
+            <a:extLst>
+              <a:ext uri="{FF2B5EF4-FFF2-40B4-BE49-F238E27FC236}">
+                <a16:creationId xmlns:a16="http://schemas.microsoft.com/office/drawing/2014/main" id="{BA04E55F-5B2F-452B-B150-DC764810D035}"/>
+              </a:ext>
+            </a:extLst>
+          </p:cNvPr>
+          <p:cNvSpPr txBox="1"/>
+          <p:nvPr/>
+        </p:nvSpPr>
+        <p:spPr>
+          <a:xfrm>
+            <a:off x="1451579" y="6172759"/>
+            <a:ext cx="6418868" cy="646331"/>
+          </a:xfrm>
+          <a:prstGeom prst="rect">
+            <a:avLst/>
+          </a:prstGeom>
+          <a:noFill/>
+        </p:spPr>
+        <p:txBody>
+          <a:bodyPr wrap="square">
+            <a:spAutoFit/>
+          </a:bodyPr>
+          <a:lstStyle/>
+          <a:p>
+            <a:r>
+              <a:rPr lang="pl-PL" dirty="0">
+                <a:solidFill>
+                  <a:schemeClr val="bg1"/>
+                </a:solidFill>
+              </a:rPr>
+              <a:t>https://github.com/DawidSzczerba/umwpl2021-hepatoxicity-prediction/blob/main/notebooks/alt_prediction.ipynb</a:t>
             </a:r>
           </a:p>
         </p:txBody>
       </p:sp>
       <p:pic>
         <p:nvPicPr>
-          <p:cNvPr id="7" name="Obraz 6">
+          <p:cNvPr id="12" name="Obraz 11">
             <a:extLst>
               <a:ext uri="{FF2B5EF4-FFF2-40B4-BE49-F238E27FC236}">
-                <a16:creationId xmlns:a16="http://schemas.microsoft.com/office/drawing/2014/main" id="{54C40F0E-4285-4F4E-90FE-37F861589ADE}"/>
+                <a16:creationId xmlns:a16="http://schemas.microsoft.com/office/drawing/2014/main" id="{1EA806F1-CE1B-4BAB-B24D-19FE7AA06F49}"/>
               </a:ext>
             </a:extLst>
           </p:cNvPr>
@@ -8374,15 +10321,21 @@
           <p:nvPr/>
         </p:nvPicPr>
         <p:blipFill>
-          <a:blip r:embed="rId2"/>
+          <a:blip r:embed="rId3">
+            <a:extLst>
+              <a:ext uri="{28A0092B-C50C-407E-A947-70E740481C1C}">
+                <a14:useLocalDpi xmlns:a14="http://schemas.microsoft.com/office/drawing/2010/main" val="0"/>
+              </a:ext>
+            </a:extLst>
+          </a:blip>
           <a:stretch>
             <a:fillRect/>
           </a:stretch>
         </p:blipFill>
         <p:spPr>
           <a:xfrm>
-            <a:off x="6095849" y="115797"/>
-            <a:ext cx="5576922" cy="2989119"/>
+            <a:off x="1" y="2469221"/>
+            <a:ext cx="5997202" cy="2890906"/>
           </a:xfrm>
           <a:prstGeom prst="roundRect">
             <a:avLst>
@@ -8404,108 +10357,10 @@
       </p:pic>
       <p:pic>
         <p:nvPicPr>
-          <p:cNvPr id="18" name="Picture 17">
+          <p:cNvPr id="14" name="Obraz 13">
             <a:extLst>
               <a:ext uri="{FF2B5EF4-FFF2-40B4-BE49-F238E27FC236}">
-                <a16:creationId xmlns:a16="http://schemas.microsoft.com/office/drawing/2014/main" id="{39D1DDD4-5BB3-45BA-B9B3-06B62299AD79}"/>
-              </a:ext>
-              <a:ext uri="{C183D7F6-B498-43B3-948B-1728B52AA6E4}">
-                <adec:decorative xmlns:adec="http://schemas.microsoft.com/office/drawing/2017/decorative" val="1"/>
-              </a:ext>
-            </a:extLst>
-          </p:cNvPr>
-          <p:cNvPicPr>
-            <a:picLocks noGrp="1" noRot="1" noChangeAspect="1" noMove="1" noResize="1" noEditPoints="1" noAdjustHandles="1" noChangeArrowheads="1" noChangeShapeType="1" noCrop="1"/>
-          </p:cNvPicPr>
-          <p:nvPr>
-            <p:extLst>
-              <p:ext uri="{386F3935-93C4-4BCD-93E2-E3B085C9AB24}">
-                <p16:designElem xmlns:p16="http://schemas.microsoft.com/office/powerpoint/2015/main" val="1"/>
-              </p:ext>
-            </p:extLst>
-          </p:nvPr>
-        </p:nvPicPr>
-        <p:blipFill rotWithShape="1">
-          <a:blip r:embed="rId3">
-            <a:extLst>
-              <a:ext uri="{28A0092B-C50C-407E-A947-70E740481C1C}">
-                <a14:useLocalDpi xmlns:a14="http://schemas.microsoft.com/office/drawing/2010/main" val="0"/>
-              </a:ext>
-            </a:extLst>
-          </a:blip>
-          <a:srcRect t="1538" b="-1538"/>
-          <a:stretch/>
-        </p:blipFill>
-        <p:spPr bwMode="black">
-          <a:xfrm>
-            <a:off x="0" y="6126480"/>
-            <a:ext cx="12192000" cy="742950"/>
-          </a:xfrm>
-          <a:prstGeom prst="rect">
-            <a:avLst/>
-          </a:prstGeom>
-        </p:spPr>
-      </p:pic>
-      <p:cxnSp>
-        <p:nvCxnSpPr>
-          <p:cNvPr id="20" name="Straight Connector 19">
-            <a:extLst>
-              <a:ext uri="{FF2B5EF4-FFF2-40B4-BE49-F238E27FC236}">
-                <a16:creationId xmlns:a16="http://schemas.microsoft.com/office/drawing/2014/main" id="{A24DAE64-2302-42EA-8239-F2F0775CA5AD}"/>
-              </a:ext>
-              <a:ext uri="{C183D7F6-B498-43B3-948B-1728B52AA6E4}">
-                <adec:decorative xmlns:adec="http://schemas.microsoft.com/office/drawing/2017/decorative" val="1"/>
-              </a:ext>
-            </a:extLst>
-          </p:cNvPr>
-          <p:cNvCxnSpPr>
-            <a:cxnSpLocks noGrp="1" noRot="1" noChangeAspect="1" noMove="1" noResize="1" noEditPoints="1" noAdjustHandles="1" noChangeArrowheads="1" noChangeShapeType="1"/>
-          </p:cNvCxnSpPr>
-          <p:nvPr>
-            <p:extLst>
-              <p:ext uri="{386F3935-93C4-4BCD-93E2-E3B085C9AB24}">
-                <p16:designElem xmlns:p16="http://schemas.microsoft.com/office/powerpoint/2015/main" val="1"/>
-              </p:ext>
-            </p:extLst>
-          </p:nvPr>
-        </p:nvCxnSpPr>
-        <p:spPr>
-          <a:xfrm>
-            <a:off x="0" y="6128413"/>
-            <a:ext cx="12192000" cy="0"/>
-          </a:xfrm>
-          <a:prstGeom prst="line">
-            <a:avLst/>
-          </a:prstGeom>
-          <a:ln w="12700">
-            <a:solidFill>
-              <a:srgbClr val="000001">
-                <a:alpha val="20000"/>
-              </a:srgbClr>
-            </a:solidFill>
-          </a:ln>
-        </p:spPr>
-        <p:style>
-          <a:lnRef idx="1">
-            <a:schemeClr val="accent1"/>
-          </a:lnRef>
-          <a:fillRef idx="0">
-            <a:schemeClr val="accent1"/>
-          </a:fillRef>
-          <a:effectRef idx="0">
-            <a:schemeClr val="accent1"/>
-          </a:effectRef>
-          <a:fontRef idx="minor">
-            <a:schemeClr val="tx1"/>
-          </a:fontRef>
-        </p:style>
-      </p:cxnSp>
-      <p:pic>
-        <p:nvPicPr>
-          <p:cNvPr id="9" name="Obraz 8">
-            <a:extLst>
-              <a:ext uri="{FF2B5EF4-FFF2-40B4-BE49-F238E27FC236}">
-                <a16:creationId xmlns:a16="http://schemas.microsoft.com/office/drawing/2014/main" id="{2018B615-24EA-4949-A91E-CBB6EF1CF6B1}"/>
+                <a16:creationId xmlns:a16="http://schemas.microsoft.com/office/drawing/2014/main" id="{DBD456D9-25FA-4F83-A032-26A3B42397EE}"/>
               </a:ext>
             </a:extLst>
           </p:cNvPr>
@@ -8515,15 +10370,21 @@
           <p:nvPr/>
         </p:nvPicPr>
         <p:blipFill>
-          <a:blip r:embed="rId4"/>
+          <a:blip r:embed="rId4">
+            <a:extLst>
+              <a:ext uri="{28A0092B-C50C-407E-A947-70E740481C1C}">
+                <a14:useLocalDpi xmlns:a14="http://schemas.microsoft.com/office/drawing/2010/main" val="0"/>
+              </a:ext>
+            </a:extLst>
+          </a:blip>
           <a:stretch>
             <a:fillRect/>
           </a:stretch>
         </p:blipFill>
         <p:spPr>
           <a:xfrm>
-            <a:off x="5417249" y="3261453"/>
-            <a:ext cx="6705600" cy="2711330"/>
+            <a:off x="6094094" y="2491829"/>
+            <a:ext cx="6097905" cy="2845689"/>
           </a:xfrm>
           <a:prstGeom prst="roundRect">
             <a:avLst>
@@ -8546,13 +10407,88 @@
     </p:spTree>
     <p:extLst>
       <p:ext uri="{BB962C8B-B14F-4D97-AF65-F5344CB8AC3E}">
-        <p14:creationId xmlns:p14="http://schemas.microsoft.com/office/powerpoint/2010/main" val="1825210991"/>
+        <p14:creationId xmlns:p14="http://schemas.microsoft.com/office/powerpoint/2010/main" val="1690488757"/>
       </p:ext>
     </p:extLst>
   </p:cSld>
   <p:clrMapOvr>
     <a:masterClrMapping/>
   </p:clrMapOvr>
+  <p:timing>
+    <p:tnLst>
+      <p:par>
+        <p:cTn id="1" dur="indefinite" restart="never" nodeType="tmRoot">
+          <p:childTnLst>
+            <p:seq concurrent="1" nextAc="seek">
+              <p:cTn id="2" dur="indefinite" nodeType="mainSeq">
+                <p:childTnLst>
+                  <p:par>
+                    <p:cTn id="3" fill="hold">
+                      <p:stCondLst>
+                        <p:cond delay="indefinite"/>
+                      </p:stCondLst>
+                      <p:childTnLst>
+                        <p:par>
+                          <p:cTn id="4" fill="hold">
+                            <p:stCondLst>
+                              <p:cond delay="0"/>
+                            </p:stCondLst>
+                            <p:childTnLst>
+                              <p:par>
+                                <p:cTn id="5" presetID="1" presetClass="entr" presetSubtype="0" fill="hold" nodeType="clickEffect">
+                                  <p:stCondLst>
+                                    <p:cond delay="0"/>
+                                  </p:stCondLst>
+                                  <p:childTnLst>
+                                    <p:set>
+                                      <p:cBhvr>
+                                        <p:cTn id="6" dur="1" fill="hold">
+                                          <p:stCondLst>
+                                            <p:cond delay="0"/>
+                                          </p:stCondLst>
+                                        </p:cTn>
+                                        <p:tgtEl>
+                                          <p:spTgt spid="14"/>
+                                        </p:tgtEl>
+                                        <p:attrNameLst>
+                                          <p:attrName>style.visibility</p:attrName>
+                                        </p:attrNameLst>
+                                      </p:cBhvr>
+                                      <p:to>
+                                        <p:strVal val="visible"/>
+                                      </p:to>
+                                    </p:set>
+                                  </p:childTnLst>
+                                </p:cTn>
+                              </p:par>
+                            </p:childTnLst>
+                          </p:cTn>
+                        </p:par>
+                      </p:childTnLst>
+                    </p:cTn>
+                  </p:par>
+                </p:childTnLst>
+              </p:cTn>
+              <p:prevCondLst>
+                <p:cond evt="onPrev" delay="0">
+                  <p:tgtEl>
+                    <p:sldTgt/>
+                  </p:tgtEl>
+                </p:cond>
+              </p:prevCondLst>
+              <p:nextCondLst>
+                <p:cond evt="onNext" delay="0">
+                  <p:tgtEl>
+                    <p:sldTgt/>
+                  </p:tgtEl>
+                </p:cond>
+              </p:nextCondLst>
+            </p:seq>
+          </p:childTnLst>
+        </p:cTn>
+      </p:par>
+    </p:tnLst>
+  </p:timing>
 </p:sld>
 </file>
 
@@ -8578,7 +10514,7 @@
           <p:cNvPr id="2" name="Tytuł 1">
             <a:extLst>
               <a:ext uri="{FF2B5EF4-FFF2-40B4-BE49-F238E27FC236}">
-                <a16:creationId xmlns:a16="http://schemas.microsoft.com/office/drawing/2014/main" id="{63328A75-EEF3-4D1A-BB84-87488B7B9464}"/>
+                <a16:creationId xmlns:a16="http://schemas.microsoft.com/office/drawing/2014/main" id="{5B972A46-0DBB-4906-9427-E07406365254}"/>
               </a:ext>
             </a:extLst>
           </p:cNvPr>
@@ -8589,74 +10525,21 @@
             <p:ph type="title"/>
           </p:nvPr>
         </p:nvSpPr>
-        <p:spPr/>
+        <p:spPr>
+          <a:xfrm>
+            <a:off x="1461006" y="804519"/>
+            <a:ext cx="9603275" cy="1049235"/>
+          </a:xfrm>
+        </p:spPr>
         <p:txBody>
           <a:bodyPr/>
           <a:lstStyle/>
           <a:p>
             <a:r>
-              <a:rPr lang="pl-PL" dirty="0"/>
-              <a:t>Implementacja </a:t>
-            </a:r>
-          </a:p>
-        </p:txBody>
-      </p:sp>
-      <p:sp>
-        <p:nvSpPr>
-          <p:cNvPr id="3" name="Symbol zastępczy zawartości 2">
-            <a:extLst>
-              <a:ext uri="{FF2B5EF4-FFF2-40B4-BE49-F238E27FC236}">
-                <a16:creationId xmlns:a16="http://schemas.microsoft.com/office/drawing/2014/main" id="{753F7E1A-6585-46B5-B27E-0AC625AA2F98}"/>
-              </a:ext>
-            </a:extLst>
-          </p:cNvPr>
-          <p:cNvSpPr>
-            <a:spLocks noGrp="1"/>
-          </p:cNvSpPr>
-          <p:nvPr>
-            <p:ph idx="1"/>
-          </p:nvPr>
-        </p:nvSpPr>
-        <p:spPr>
-          <a:xfrm>
-            <a:off x="1451579" y="2015733"/>
-            <a:ext cx="9603275" cy="1413268"/>
-          </a:xfrm>
-        </p:spPr>
-        <p:txBody>
-          <a:bodyPr>
-            <a:normAutofit lnSpcReduction="10000"/>
-          </a:bodyPr>
-          <a:lstStyle/>
-          <a:p>
-            <a:r>
-              <a:rPr lang="pl-PL" dirty="0"/>
-              <a:t>Dla każdego podziału z 5 model został wytrenowany z najlepszymi </a:t>
-            </a:r>
-            <a:r>
-              <a:rPr lang="pl-PL" dirty="0" err="1"/>
-              <a:t>hiperparametrami</a:t>
-            </a:r>
-            <a:r>
-              <a:rPr lang="pl-PL" dirty="0"/>
-              <a:t> oraz została wykonana predykcja i obliczony jej wynik. Wynik dla modelu to średnia arytmetyczna z </a:t>
-            </a:r>
-            <a:r>
-              <a:rPr lang="pl-PL" dirty="0" err="1"/>
-              <a:t>test_score</a:t>
-            </a:r>
-            <a:r>
-              <a:rPr lang="pl-PL" dirty="0"/>
-              <a:t>. Zadbano o odtwarzalność projektu, wyniki dla każdego modelu zapisano w formacie </a:t>
-            </a:r>
-            <a:r>
-              <a:rPr lang="pl-PL" dirty="0" err="1"/>
-              <a:t>csv</a:t>
-            </a:r>
-            <a:r>
-              <a:rPr lang="pl-PL" dirty="0"/>
-              <a:t> oraz zapisano też wszystkie wytrenowane modele.</a:t>
-            </a:r>
+              <a:rPr lang="pl-PL" sz="3200" dirty="0"/>
+              <a:t>Porównanie Dwóch najlepszych modeli</a:t>
+            </a:r>
+            <a:endParaRPr lang="pl-PL" dirty="0"/>
           </a:p>
         </p:txBody>
       </p:sp>
@@ -8665,7 +10548,7 @@
           <p:cNvPr id="7" name="Obraz 6">
             <a:extLst>
               <a:ext uri="{FF2B5EF4-FFF2-40B4-BE49-F238E27FC236}">
-                <a16:creationId xmlns:a16="http://schemas.microsoft.com/office/drawing/2014/main" id="{D3F35683-791D-49C8-BB47-F697B8D3E924}"/>
+                <a16:creationId xmlns:a16="http://schemas.microsoft.com/office/drawing/2014/main" id="{A19B52CC-8F9B-4525-8D8D-723466138C12}"/>
               </a:ext>
             </a:extLst>
           </p:cNvPr>
@@ -8675,73 +10558,67 @@
           <p:nvPr/>
         </p:nvPicPr>
         <p:blipFill>
-          <a:blip r:embed="rId2"/>
+          <a:blip r:embed="rId2">
+            <a:extLst>
+              <a:ext uri="{28A0092B-C50C-407E-A947-70E740481C1C}">
+                <a14:useLocalDpi xmlns:a14="http://schemas.microsoft.com/office/drawing/2010/main" val="0"/>
+              </a:ext>
+            </a:extLst>
+          </a:blip>
           <a:stretch>
             <a:fillRect/>
           </a:stretch>
         </p:blipFill>
         <p:spPr>
           <a:xfrm>
-            <a:off x="2013800" y="3555839"/>
-            <a:ext cx="7919303" cy="1642621"/>
-          </a:xfrm>
-          <a:prstGeom prst="roundRect">
-            <a:avLst>
-              <a:gd name="adj" fmla="val 8594"/>
-            </a:avLst>
-          </a:prstGeom>
-          <a:solidFill>
-            <a:srgbClr val="FFFFFF">
-              <a:shade val="85000"/>
-            </a:srgbClr>
-          </a:solidFill>
-          <a:ln>
-            <a:noFill/>
-          </a:ln>
-          <a:effectLst>
-            <a:reflection blurRad="12700" stA="38000" endPos="28000" dist="5000" dir="5400000" sy="-100000" algn="bl" rotWithShape="0"/>
-          </a:effectLst>
-        </p:spPr>
-      </p:pic>
-      <p:sp>
-        <p:nvSpPr>
-          <p:cNvPr id="11" name="pole tekstowe 10">
-            <a:extLst>
-              <a:ext uri="{FF2B5EF4-FFF2-40B4-BE49-F238E27FC236}">
-                <a16:creationId xmlns:a16="http://schemas.microsoft.com/office/drawing/2014/main" id="{2F1D77E3-8152-4A2E-806F-A92DFFC8C11F}"/>
-              </a:ext>
-            </a:extLst>
-          </p:cNvPr>
-          <p:cNvSpPr txBox="1"/>
-          <p:nvPr/>
-        </p:nvSpPr>
-        <p:spPr>
-          <a:xfrm>
-            <a:off x="3885809" y="5325299"/>
-            <a:ext cx="6169842" cy="369332"/>
+            <a:off x="6840166" y="1960025"/>
+            <a:ext cx="4054813" cy="4054813"/>
           </a:xfrm>
           <a:prstGeom prst="rect">
             <a:avLst/>
           </a:prstGeom>
-          <a:noFill/>
-        </p:spPr>
-        <p:txBody>
-          <a:bodyPr wrap="square">
-            <a:spAutoFit/>
-          </a:bodyPr>
-          <a:lstStyle/>
-          <a:p>
-            <a:r>
-              <a:rPr lang="pl-PL" dirty="0"/>
-              <a:t>MEAN TEST SCORE = 0.674498698154544</a:t>
-            </a:r>
-          </a:p>
-        </p:txBody>
-      </p:sp>
+        </p:spPr>
+      </p:pic>
+      <p:pic>
+        <p:nvPicPr>
+          <p:cNvPr id="9" name="Obraz 8">
+            <a:extLst>
+              <a:ext uri="{FF2B5EF4-FFF2-40B4-BE49-F238E27FC236}">
+                <a16:creationId xmlns:a16="http://schemas.microsoft.com/office/drawing/2014/main" id="{39235026-20A7-41D9-89F2-51465D31B2D5}"/>
+              </a:ext>
+            </a:extLst>
+          </p:cNvPr>
+          <p:cNvPicPr>
+            <a:picLocks noChangeAspect="1"/>
+          </p:cNvPicPr>
+          <p:nvPr/>
+        </p:nvPicPr>
+        <p:blipFill>
+          <a:blip r:embed="rId3">
+            <a:extLst>
+              <a:ext uri="{28A0092B-C50C-407E-A947-70E740481C1C}">
+                <a14:useLocalDpi xmlns:a14="http://schemas.microsoft.com/office/drawing/2010/main" val="0"/>
+              </a:ext>
+            </a:extLst>
+          </a:blip>
+          <a:stretch>
+            <a:fillRect/>
+          </a:stretch>
+        </p:blipFill>
+        <p:spPr>
+          <a:xfrm>
+            <a:off x="1742874" y="1960025"/>
+            <a:ext cx="4054813" cy="4054813"/>
+          </a:xfrm>
+          <a:prstGeom prst="rect">
+            <a:avLst/>
+          </a:prstGeom>
+        </p:spPr>
+      </p:pic>
     </p:spTree>
     <p:extLst>
       <p:ext uri="{BB962C8B-B14F-4D97-AF65-F5344CB8AC3E}">
-        <p14:creationId xmlns:p14="http://schemas.microsoft.com/office/powerpoint/2010/main" val="3949897570"/>
+        <p14:creationId xmlns:p14="http://schemas.microsoft.com/office/powerpoint/2010/main" val="2365298663"/>
       </p:ext>
     </p:extLst>
   </p:cSld>
@@ -8756,25 +10633,9 @@
   <p:cSld>
     <p:bg>
       <p:bgPr>
-        <a:gradFill rotWithShape="1">
-          <a:gsLst>
-            <a:gs pos="0">
-              <a:schemeClr val="bg2">
-                <a:tint val="94000"/>
-                <a:satMod val="80000"/>
-                <a:lumMod val="106000"/>
-              </a:schemeClr>
-            </a:gs>
-            <a:gs pos="100000">
-              <a:schemeClr val="bg2">
-                <a:shade val="80000"/>
-              </a:schemeClr>
-            </a:gs>
-          </a:gsLst>
-          <a:path path="circle">
-            <a:fillToRect l="43000" r="43000" b="100000"/>
-          </a:path>
-        </a:gradFill>
+        <a:solidFill>
+          <a:schemeClr val="bg1"/>
+        </a:solidFill>
         <a:effectLst/>
       </p:bgPr>
     </p:bg>
@@ -8794,10 +10655,10 @@
       </p:grpSpPr>
       <p:sp>
         <p:nvSpPr>
-          <p:cNvPr id="34" name="Rectangle 9">
+          <p:cNvPr id="1038" name="Rectangle 80">
             <a:extLst>
               <a:ext uri="{FF2B5EF4-FFF2-40B4-BE49-F238E27FC236}">
-                <a16:creationId xmlns:a16="http://schemas.microsoft.com/office/drawing/2014/main" id="{84C75E2B-CACA-478C-B26B-182AF87A18E3}"/>
+                <a16:creationId xmlns:a16="http://schemas.microsoft.com/office/drawing/2014/main" id="{6F79B0DD-2C63-4EE5-804F-B8E391FC1E45}"/>
               </a:ext>
               <a:ext uri="{C183D7F6-B498-43B3-948B-1728B52AA6E4}">
                 <adec:decorative xmlns:adec="http://schemas.microsoft.com/office/drawing/2017/decorative" val="1"/>
@@ -8817,26 +10678,18 @@
         </p:nvSpPr>
         <p:spPr>
           <a:xfrm>
-            <a:off x="0" y="2019476"/>
-            <a:ext cx="12192000" cy="4105941"/>
+            <a:off x="3137" y="0"/>
+            <a:ext cx="12192000" cy="6858000"/>
           </a:xfrm>
           <a:prstGeom prst="rect">
             <a:avLst/>
           </a:prstGeom>
-          <a:gradFill flip="none" rotWithShape="1">
-            <a:gsLst>
-              <a:gs pos="0">
-                <a:schemeClr val="bg2">
-                  <a:alpha val="0"/>
-                </a:schemeClr>
-              </a:gs>
-              <a:gs pos="100000">
-                <a:schemeClr val="bg2"/>
-              </a:gs>
-            </a:gsLst>
-            <a:lin ang="5400000" scaled="0"/>
-            <a:tileRect/>
-          </a:gradFill>
+          <a:solidFill>
+            <a:schemeClr val="bg1">
+              <a:lumMod val="75000"/>
+              <a:alpha val="80000"/>
+            </a:schemeClr>
+          </a:solidFill>
           <a:ln>
             <a:noFill/>
           </a:ln>
@@ -8857,22 +10710,30 @@
             <a:schemeClr val="lt1"/>
           </a:fontRef>
         </p:style>
-      </p:sp>
-      <p:pic>
-        <p:nvPicPr>
-          <p:cNvPr id="35" name="Picture 11">
+        <p:txBody>
+          <a:bodyPr rtlCol="0" anchor="ctr"/>
+          <a:lstStyle/>
+          <a:p>
+            <a:pPr algn="ctr"/>
+            <a:endParaRPr lang="en-US"/>
+          </a:p>
+        </p:txBody>
+      </p:sp>
+      <p:sp>
+        <p:nvSpPr>
+          <p:cNvPr id="1039" name="Rectangle 82">
             <a:extLst>
               <a:ext uri="{FF2B5EF4-FFF2-40B4-BE49-F238E27FC236}">
-                <a16:creationId xmlns:a16="http://schemas.microsoft.com/office/drawing/2014/main" id="{50FF2874-547C-4D14-9E18-28B19002FB8C}"/>
+                <a16:creationId xmlns:a16="http://schemas.microsoft.com/office/drawing/2014/main" id="{627DB8AB-CD55-4C8F-9043-52652B89231A}"/>
               </a:ext>
               <a:ext uri="{C183D7F6-B498-43B3-948B-1728B52AA6E4}">
                 <adec:decorative xmlns:adec="http://schemas.microsoft.com/office/drawing/2017/decorative" val="1"/>
               </a:ext>
             </a:extLst>
           </p:cNvPr>
-          <p:cNvPicPr>
-            <a:picLocks noGrp="1" noRot="1" noChangeAspect="1" noMove="1" noResize="1" noEditPoints="1" noAdjustHandles="1" noChangeArrowheads="1" noChangeShapeType="1" noCrop="1"/>
-          </p:cNvPicPr>
+          <p:cNvSpPr>
+            <a:spLocks noGrp="1" noRot="1" noChangeAspect="1" noMove="1" noResize="1" noEditPoints="1" noAdjustHandles="1" noChangeArrowheads="1" noChangeShapeType="1" noTextEdit="1"/>
+          </p:cNvSpPr>
           <p:nvPr>
             <p:extLst>
               <p:ext uri="{386F3935-93C4-4BCD-93E2-E3B085C9AB24}">
@@ -8880,43 +10741,69 @@
               </p:ext>
             </p:extLst>
           </p:nvPr>
-        </p:nvPicPr>
-        <p:blipFill rotWithShape="1">
-          <a:blip r:embed="rId2">
-            <a:extLst>
-              <a:ext uri="{28A0092B-C50C-407E-A947-70E740481C1C}">
-                <a14:useLocalDpi xmlns:a14="http://schemas.microsoft.com/office/drawing/2010/main" val="0"/>
-              </a:ext>
-            </a:extLst>
-          </a:blip>
-          <a:srcRect t="1538" b="-1538"/>
-          <a:stretch/>
-        </p:blipFill>
-        <p:spPr bwMode="black">
-          <a:xfrm>
-            <a:off x="0" y="6126480"/>
-            <a:ext cx="12192000" cy="742950"/>
+        </p:nvSpPr>
+        <p:spPr>
+          <a:xfrm>
+            <a:off x="643466" y="643466"/>
+            <a:ext cx="5364255" cy="2706794"/>
           </a:xfrm>
           <a:prstGeom prst="rect">
             <a:avLst/>
           </a:prstGeom>
-        </p:spPr>
-      </p:pic>
-      <p:cxnSp>
-        <p:nvCxnSpPr>
-          <p:cNvPr id="36" name="Straight Connector 13">
+          <a:solidFill>
+            <a:srgbClr val="FFFFFF"/>
+          </a:solidFill>
+          <a:ln w="9525">
+            <a:noFill/>
+          </a:ln>
+          <a:effectLst>
+            <a:outerShdw blurRad="63500" dist="17780" dir="5400000" algn="t" rotWithShape="0">
+              <a:prstClr val="black">
+                <a:alpha val="43000"/>
+              </a:prstClr>
+            </a:outerShdw>
+          </a:effectLst>
+        </p:spPr>
+        <p:style>
+          <a:lnRef idx="2">
+            <a:schemeClr val="accent1">
+              <a:shade val="50000"/>
+            </a:schemeClr>
+          </a:lnRef>
+          <a:fillRef idx="1">
+            <a:schemeClr val="accent1"/>
+          </a:fillRef>
+          <a:effectRef idx="0">
+            <a:schemeClr val="accent1"/>
+          </a:effectRef>
+          <a:fontRef idx="minor">
+            <a:schemeClr val="lt1"/>
+          </a:fontRef>
+        </p:style>
+        <p:txBody>
+          <a:bodyPr rtlCol="0" anchor="ctr"/>
+          <a:lstStyle/>
+          <a:p>
+            <a:pPr algn="ctr"/>
+            <a:endParaRPr lang="en-US"/>
+          </a:p>
+        </p:txBody>
+      </p:sp>
+      <p:sp>
+        <p:nvSpPr>
+          <p:cNvPr id="1040" name="Rectangle 84">
             <a:extLst>
               <a:ext uri="{FF2B5EF4-FFF2-40B4-BE49-F238E27FC236}">
-                <a16:creationId xmlns:a16="http://schemas.microsoft.com/office/drawing/2014/main" id="{36CF827D-A163-47F7-BD87-34EB4FA7D696}"/>
+                <a16:creationId xmlns:a16="http://schemas.microsoft.com/office/drawing/2014/main" id="{53059C5A-91CB-4024-9B4E-20082E25C70B}"/>
               </a:ext>
               <a:ext uri="{C183D7F6-B498-43B3-948B-1728B52AA6E4}">
                 <adec:decorative xmlns:adec="http://schemas.microsoft.com/office/drawing/2017/decorative" val="1"/>
               </a:ext>
             </a:extLst>
           </p:cNvPr>
-          <p:cNvCxnSpPr>
-            <a:cxnSpLocks noGrp="1" noRot="1" noChangeAspect="1" noMove="1" noResize="1" noEditPoints="1" noAdjustHandles="1" noChangeArrowheads="1" noChangeShapeType="1"/>
-          </p:cNvCxnSpPr>
+          <p:cNvSpPr>
+            <a:spLocks noGrp="1" noRot="1" noChangeAspect="1" noMove="1" noResize="1" noEditPoints="1" noAdjustHandles="1" noChangeArrowheads="1" noChangeShapeType="1" noTextEdit="1"/>
+          </p:cNvSpPr>
           <p:nvPr>
             <p:extLst>
               <p:ext uri="{386F3935-93C4-4BCD-93E2-E3B085C9AB24}">
@@ -8924,53 +10811,69 @@
               </p:ext>
             </p:extLst>
           </p:nvPr>
-        </p:nvCxnSpPr>
-        <p:spPr>
-          <a:xfrm>
-            <a:off x="0" y="6128413"/>
-            <a:ext cx="12192000" cy="0"/>
-          </a:xfrm>
-          <a:prstGeom prst="line">
+        </p:nvSpPr>
+        <p:spPr>
+          <a:xfrm>
+            <a:off x="6168589" y="643466"/>
+            <a:ext cx="5376806" cy="2706794"/>
+          </a:xfrm>
+          <a:prstGeom prst="rect">
             <a:avLst/>
           </a:prstGeom>
-          <a:ln w="12700">
-            <a:solidFill>
-              <a:srgbClr val="000001">
-                <a:alpha val="20000"/>
-              </a:srgbClr>
-            </a:solidFill>
+          <a:solidFill>
+            <a:srgbClr val="FFFFFF"/>
+          </a:solidFill>
+          <a:ln w="9525">
+            <a:noFill/>
           </a:ln>
+          <a:effectLst>
+            <a:outerShdw blurRad="63500" dist="17780" dir="5400000" algn="t" rotWithShape="0">
+              <a:prstClr val="black">
+                <a:alpha val="43000"/>
+              </a:prstClr>
+            </a:outerShdw>
+          </a:effectLst>
         </p:spPr>
         <p:style>
-          <a:lnRef idx="1">
-            <a:schemeClr val="accent1"/>
+          <a:lnRef idx="2">
+            <a:schemeClr val="accent1">
+              <a:shade val="50000"/>
+            </a:schemeClr>
           </a:lnRef>
-          <a:fillRef idx="0">
+          <a:fillRef idx="1">
             <a:schemeClr val="accent1"/>
           </a:fillRef>
           <a:effectRef idx="0">
             <a:schemeClr val="accent1"/>
           </a:effectRef>
           <a:fontRef idx="minor">
-            <a:schemeClr val="tx1"/>
+            <a:schemeClr val="lt1"/>
           </a:fontRef>
         </p:style>
-      </p:cxnSp>
-      <p:cxnSp>
-        <p:nvCxnSpPr>
-          <p:cNvPr id="37" name="Straight Connector 15">
+        <p:txBody>
+          <a:bodyPr rtlCol="0" anchor="ctr"/>
+          <a:lstStyle/>
+          <a:p>
+            <a:pPr algn="ctr"/>
+            <a:endParaRPr lang="en-US"/>
+          </a:p>
+        </p:txBody>
+      </p:sp>
+      <p:sp>
+        <p:nvSpPr>
+          <p:cNvPr id="87" name="Rectangle 86">
             <a:extLst>
               <a:ext uri="{FF2B5EF4-FFF2-40B4-BE49-F238E27FC236}">
-                <a16:creationId xmlns:a16="http://schemas.microsoft.com/office/drawing/2014/main" id="{D299D9A9-1DA8-433D-A9BC-FB48D93D4217}"/>
+                <a16:creationId xmlns:a16="http://schemas.microsoft.com/office/drawing/2014/main" id="{184884BF-A898-4EFF-9504-E13EBE3FF62E}"/>
               </a:ext>
               <a:ext uri="{C183D7F6-B498-43B3-948B-1728B52AA6E4}">
                 <adec:decorative xmlns:adec="http://schemas.microsoft.com/office/drawing/2017/decorative" val="1"/>
               </a:ext>
             </a:extLst>
           </p:cNvPr>
-          <p:cNvCxnSpPr>
-            <a:cxnSpLocks noGrp="1" noRot="1" noChangeAspect="1" noMove="1" noResize="1" noEditPoints="1" noAdjustHandles="1" noChangeArrowheads="1" noChangeShapeType="1"/>
-          </p:cNvCxnSpPr>
+          <p:cNvSpPr>
+            <a:spLocks noGrp="1" noRot="1" noChangeAspect="1" noMove="1" noResize="1" noEditPoints="1" noAdjustHandles="1" noChangeArrowheads="1" noChangeShapeType="1" noTextEdit="1"/>
+          </p:cNvSpPr>
           <p:nvPr>
             <p:extLst>
               <p:ext uri="{386F3935-93C4-4BCD-93E2-E3B085C9AB24}">
@@ -8978,82 +10881,173 @@
               </p:ext>
             </p:extLst>
           </p:nvPr>
-        </p:nvCxnSpPr>
-        <p:spPr>
-          <a:xfrm>
-            <a:off x="1453896" y="1847088"/>
-            <a:ext cx="9607522" cy="0"/>
-          </a:xfrm>
-          <a:prstGeom prst="line">
+        </p:nvSpPr>
+        <p:spPr>
+          <a:xfrm>
+            <a:off x="643466" y="3514513"/>
+            <a:ext cx="5364255" cy="2703406"/>
+          </a:xfrm>
+          <a:prstGeom prst="rect">
             <a:avLst/>
           </a:prstGeom>
-          <a:ln w="31750"/>
+          <a:solidFill>
+            <a:srgbClr val="FFFFFF"/>
+          </a:solidFill>
+          <a:ln w="9525">
+            <a:noFill/>
+          </a:ln>
+          <a:effectLst>
+            <a:outerShdw blurRad="63500" dist="17780" dir="5400000" algn="t" rotWithShape="0">
+              <a:prstClr val="black">
+                <a:alpha val="43000"/>
+              </a:prstClr>
+            </a:outerShdw>
+          </a:effectLst>
         </p:spPr>
         <p:style>
-          <a:lnRef idx="3">
-            <a:schemeClr val="accent1"/>
+          <a:lnRef idx="2">
+            <a:schemeClr val="accent1">
+              <a:shade val="50000"/>
+            </a:schemeClr>
           </a:lnRef>
-          <a:fillRef idx="0">
+          <a:fillRef idx="1">
             <a:schemeClr val="accent1"/>
           </a:fillRef>
-          <a:effectRef idx="2">
+          <a:effectRef idx="0">
             <a:schemeClr val="accent1"/>
           </a:effectRef>
           <a:fontRef idx="minor">
-            <a:schemeClr val="tx1"/>
+            <a:schemeClr val="lt1"/>
           </a:fontRef>
         </p:style>
-      </p:cxnSp>
-      <p:sp>
-        <p:nvSpPr>
-          <p:cNvPr id="2" name="Tytuł 1">
+        <p:txBody>
+          <a:bodyPr rtlCol="0" anchor="ctr"/>
+          <a:lstStyle/>
+          <a:p>
+            <a:pPr algn="ctr"/>
+            <a:endParaRPr lang="en-US"/>
+          </a:p>
+        </p:txBody>
+      </p:sp>
+      <p:sp>
+        <p:nvSpPr>
+          <p:cNvPr id="89" name="Rectangle 88">
             <a:extLst>
               <a:ext uri="{FF2B5EF4-FFF2-40B4-BE49-F238E27FC236}">
-                <a16:creationId xmlns:a16="http://schemas.microsoft.com/office/drawing/2014/main" id="{20A3F127-B4B4-438C-8690-EE0F85643BD5}"/>
+                <a16:creationId xmlns:a16="http://schemas.microsoft.com/office/drawing/2014/main" id="{7B32D337-FDA6-4468-ADB1-7038E5FC0BA9}"/>
+              </a:ext>
+              <a:ext uri="{C183D7F6-B498-43B3-948B-1728B52AA6E4}">
+                <adec:decorative xmlns:adec="http://schemas.microsoft.com/office/drawing/2017/decorative" val="1"/>
               </a:ext>
             </a:extLst>
           </p:cNvPr>
           <p:cNvSpPr>
-            <a:spLocks noGrp="1"/>
-          </p:cNvSpPr>
-          <p:nvPr>
-            <p:ph type="title"/>
-          </p:nvPr>
-        </p:nvSpPr>
-        <p:spPr>
-          <a:xfrm>
-            <a:off x="1451579" y="804519"/>
-            <a:ext cx="9603275" cy="1049235"/>
-          </a:xfrm>
-        </p:spPr>
-        <p:txBody>
-          <a:bodyPr vert="horz" lIns="91440" tIns="45720" rIns="91440" bIns="45720" rtlCol="0" anchor="t">
-            <a:normAutofit/>
-          </a:bodyPr>
+            <a:spLocks noGrp="1" noRot="1" noChangeAspect="1" noMove="1" noResize="1" noEditPoints="1" noAdjustHandles="1" noChangeArrowheads="1" noChangeShapeType="1" noTextEdit="1"/>
+          </p:cNvSpPr>
+          <p:nvPr>
+            <p:extLst>
+              <p:ext uri="{386F3935-93C4-4BCD-93E2-E3B085C9AB24}">
+                <p16:designElem xmlns:p16="http://schemas.microsoft.com/office/powerpoint/2015/main" val="1"/>
+              </p:ext>
+            </p:extLst>
+          </p:nvPr>
+        </p:nvSpPr>
+        <p:spPr>
+          <a:xfrm>
+            <a:off x="6168589" y="3514513"/>
+            <a:ext cx="5376806" cy="2706794"/>
+          </a:xfrm>
+          <a:prstGeom prst="rect">
+            <a:avLst/>
+          </a:prstGeom>
+          <a:solidFill>
+            <a:srgbClr val="FFFFFF"/>
+          </a:solidFill>
+          <a:ln w="9525">
+            <a:noFill/>
+          </a:ln>
+          <a:effectLst>
+            <a:outerShdw blurRad="63500" dist="17780" dir="5400000" algn="t" rotWithShape="0">
+              <a:prstClr val="black">
+                <a:alpha val="43000"/>
+              </a:prstClr>
+            </a:outerShdw>
+          </a:effectLst>
+        </p:spPr>
+        <p:style>
+          <a:lnRef idx="2">
+            <a:schemeClr val="accent1">
+              <a:shade val="50000"/>
+            </a:schemeClr>
+          </a:lnRef>
+          <a:fillRef idx="1">
+            <a:schemeClr val="accent1"/>
+          </a:fillRef>
+          <a:effectRef idx="0">
+            <a:schemeClr val="accent1"/>
+          </a:effectRef>
+          <a:fontRef idx="minor">
+            <a:schemeClr val="lt1"/>
+          </a:fontRef>
+        </p:style>
+        <p:txBody>
+          <a:bodyPr rtlCol="0" anchor="ctr"/>
           <a:lstStyle/>
           <a:p>
-            <a:r>
-              <a:rPr lang="en-US"/>
-              <a:t>WYNIKI</a:t>
-            </a:r>
+            <a:pPr algn="ctr"/>
+            <a:endParaRPr lang="en-US"/>
           </a:p>
         </p:txBody>
       </p:sp>
       <p:pic>
         <p:nvPicPr>
-          <p:cNvPr id="5" name="Symbol zastępczy zawartości 4">
+          <p:cNvPr id="21" name="Obraz 20">
             <a:extLst>
               <a:ext uri="{FF2B5EF4-FFF2-40B4-BE49-F238E27FC236}">
-                <a16:creationId xmlns:a16="http://schemas.microsoft.com/office/drawing/2014/main" id="{A8DD8832-2198-4794-82EC-EB24B7C58797}"/>
+                <a16:creationId xmlns:a16="http://schemas.microsoft.com/office/drawing/2014/main" id="{EA1F434D-B8B2-411F-B769-6C671402CF80}"/>
               </a:ext>
             </a:extLst>
           </p:cNvPr>
           <p:cNvPicPr>
-            <a:picLocks noGrp="1" noChangeAspect="1"/>
+            <a:picLocks noChangeAspect="1"/>
           </p:cNvPicPr>
-          <p:nvPr>
-            <p:ph idx="1"/>
-          </p:nvPr>
+          <p:nvPr/>
+        </p:nvPicPr>
+        <p:blipFill>
+          <a:blip r:embed="rId2">
+            <a:extLst>
+              <a:ext uri="{28A0092B-C50C-407E-A947-70E740481C1C}">
+                <a14:useLocalDpi xmlns:a14="http://schemas.microsoft.com/office/drawing/2010/main" val="0"/>
+              </a:ext>
+            </a:extLst>
+          </a:blip>
+          <a:stretch>
+            <a:fillRect/>
+          </a:stretch>
+        </p:blipFill>
+        <p:spPr>
+          <a:xfrm>
+            <a:off x="7603247" y="643466"/>
+            <a:ext cx="2706795" cy="2706795"/>
+          </a:xfrm>
+          <a:prstGeom prst="rect">
+            <a:avLst/>
+          </a:prstGeom>
+        </p:spPr>
+      </p:pic>
+      <p:pic>
+        <p:nvPicPr>
+          <p:cNvPr id="25" name="Obraz 24">
+            <a:extLst>
+              <a:ext uri="{FF2B5EF4-FFF2-40B4-BE49-F238E27FC236}">
+                <a16:creationId xmlns:a16="http://schemas.microsoft.com/office/drawing/2014/main" id="{AD31674C-7760-4088-8D85-A2CBED585746}"/>
+              </a:ext>
+            </a:extLst>
+          </p:cNvPr>
+          <p:cNvPicPr>
+            <a:picLocks noChangeAspect="1"/>
+          </p:cNvPicPr>
+          <p:nvPr/>
         </p:nvPicPr>
         <p:blipFill>
           <a:blip r:embed="rId3">
@@ -9069,31 +11063,90 @@
         </p:blipFill>
         <p:spPr>
           <a:xfrm>
-            <a:off x="2327068" y="2012811"/>
-            <a:ext cx="7380990" cy="3450613"/>
-          </a:xfrm>
-          <a:prstGeom prst="roundRect">
-            <a:avLst>
-              <a:gd name="adj" fmla="val 8594"/>
-            </a:avLst>
+            <a:off x="7686832" y="3514513"/>
+            <a:ext cx="2706794" cy="2706794"/>
+          </a:xfrm>
+          <a:prstGeom prst="rect">
+            <a:avLst/>
           </a:prstGeom>
-          <a:solidFill>
-            <a:srgbClr val="FFFFFF">
-              <a:shade val="85000"/>
-            </a:srgbClr>
-          </a:solidFill>
-          <a:ln>
-            <a:noFill/>
-          </a:ln>
-          <a:effectLst>
-            <a:reflection blurRad="12700" stA="38000" endPos="28000" dist="5000" dir="5400000" sy="-100000" algn="bl" rotWithShape="0"/>
-          </a:effectLst>
+        </p:spPr>
+      </p:pic>
+      <p:pic>
+        <p:nvPicPr>
+          <p:cNvPr id="29" name="Obraz 28">
+            <a:extLst>
+              <a:ext uri="{FF2B5EF4-FFF2-40B4-BE49-F238E27FC236}">
+                <a16:creationId xmlns:a16="http://schemas.microsoft.com/office/drawing/2014/main" id="{DF7686F7-984F-40BA-9CE1-CECBF7EE32DD}"/>
+              </a:ext>
+            </a:extLst>
+          </p:cNvPr>
+          <p:cNvPicPr>
+            <a:picLocks noChangeAspect="1"/>
+          </p:cNvPicPr>
+          <p:nvPr/>
+        </p:nvPicPr>
+        <p:blipFill>
+          <a:blip r:embed="rId4">
+            <a:extLst>
+              <a:ext uri="{28A0092B-C50C-407E-A947-70E740481C1C}">
+                <a14:useLocalDpi xmlns:a14="http://schemas.microsoft.com/office/drawing/2010/main" val="0"/>
+              </a:ext>
+            </a:extLst>
+          </a:blip>
+          <a:stretch>
+            <a:fillRect/>
+          </a:stretch>
+        </p:blipFill>
+        <p:spPr>
+          <a:xfrm>
+            <a:off x="1813251" y="678762"/>
+            <a:ext cx="2636201" cy="2636201"/>
+          </a:xfrm>
+          <a:prstGeom prst="rect">
+            <a:avLst/>
+          </a:prstGeom>
+        </p:spPr>
+      </p:pic>
+      <p:pic>
+        <p:nvPicPr>
+          <p:cNvPr id="32" name="Obraz 31">
+            <a:extLst>
+              <a:ext uri="{FF2B5EF4-FFF2-40B4-BE49-F238E27FC236}">
+                <a16:creationId xmlns:a16="http://schemas.microsoft.com/office/drawing/2014/main" id="{1C0B1450-1167-4C48-9B14-1055C7CC9047}"/>
+              </a:ext>
+            </a:extLst>
+          </p:cNvPr>
+          <p:cNvPicPr>
+            <a:picLocks noChangeAspect="1"/>
+          </p:cNvPicPr>
+          <p:nvPr/>
+        </p:nvPicPr>
+        <p:blipFill>
+          <a:blip r:embed="rId5">
+            <a:extLst>
+              <a:ext uri="{28A0092B-C50C-407E-A947-70E740481C1C}">
+                <a14:useLocalDpi xmlns:a14="http://schemas.microsoft.com/office/drawing/2010/main" val="0"/>
+              </a:ext>
+            </a:extLst>
+          </a:blip>
+          <a:stretch>
+            <a:fillRect/>
+          </a:stretch>
+        </p:blipFill>
+        <p:spPr>
+          <a:xfrm>
+            <a:off x="1893709" y="3514513"/>
+            <a:ext cx="2706794" cy="2706794"/>
+          </a:xfrm>
+          <a:prstGeom prst="rect">
+            <a:avLst/>
+          </a:prstGeom>
         </p:spPr>
       </p:pic>
     </p:spTree>
     <p:extLst>
       <p:ext uri="{BB962C8B-B14F-4D97-AF65-F5344CB8AC3E}">
-        <p14:creationId xmlns:p14="http://schemas.microsoft.com/office/powerpoint/2010/main" val="1690488757"/>
+        <p14:creationId xmlns:p14="http://schemas.microsoft.com/office/powerpoint/2010/main" val="552691394"/>
       </p:ext>
     </p:extLst>
   </p:cSld>

--- a/presentations/Koncowa Prezentacja - Przewidywanie hepatoksycznosci - Dawid Szczerba - Copy.pptx
+++ b/presentations/Koncowa Prezentacja - Przewidywanie hepatoksycznosci - Dawid Szczerba - Copy.pptx
@@ -210,7 +210,7 @@
           <a:p>
             <a:fld id="{BE94E56B-98DA-4F91-9ADC-FA6827D46689}" type="datetimeFigureOut">
               <a:rPr lang="pl-PL" smtClean="0"/>
-              <a:t>23.01.2022</a:t>
+              <a:t>24.01.2022</a:t>
             </a:fld>
             <a:endParaRPr lang="pl-PL"/>
           </a:p>
@@ -1529,7 +1529,7 @@
           <a:p>
             <a:fld id="{9B5CE6F7-C4EC-48B7-8BA2-B9C971C53599}" type="datetimeFigureOut">
               <a:rPr lang="pl-PL" smtClean="0"/>
-              <a:t>23.01.2022</a:t>
+              <a:t>24.01.2022</a:t>
             </a:fld>
             <a:endParaRPr lang="pl-PL"/>
           </a:p>
@@ -1740,7 +1740,7 @@
           <a:p>
             <a:fld id="{9B5CE6F7-C4EC-48B7-8BA2-B9C971C53599}" type="datetimeFigureOut">
               <a:rPr lang="pl-PL" smtClean="0"/>
-              <a:t>23.01.2022</a:t>
+              <a:t>24.01.2022</a:t>
             </a:fld>
             <a:endParaRPr lang="pl-PL"/>
           </a:p>
@@ -1955,7 +1955,7 @@
           <a:p>
             <a:fld id="{9B5CE6F7-C4EC-48B7-8BA2-B9C971C53599}" type="datetimeFigureOut">
               <a:rPr lang="pl-PL" smtClean="0"/>
-              <a:t>23.01.2022</a:t>
+              <a:t>24.01.2022</a:t>
             </a:fld>
             <a:endParaRPr lang="pl-PL"/>
           </a:p>
@@ -2156,7 +2156,7 @@
           <a:p>
             <a:fld id="{9B5CE6F7-C4EC-48B7-8BA2-B9C971C53599}" type="datetimeFigureOut">
               <a:rPr lang="pl-PL" smtClean="0"/>
-              <a:t>23.01.2022</a:t>
+              <a:t>24.01.2022</a:t>
             </a:fld>
             <a:endParaRPr lang="pl-PL"/>
           </a:p>
@@ -2435,7 +2435,7 @@
           <a:p>
             <a:fld id="{9B5CE6F7-C4EC-48B7-8BA2-B9C971C53599}" type="datetimeFigureOut">
               <a:rPr lang="pl-PL" smtClean="0"/>
-              <a:t>23.01.2022</a:t>
+              <a:t>24.01.2022</a:t>
             </a:fld>
             <a:endParaRPr lang="pl-PL"/>
           </a:p>
@@ -2703,7 +2703,7 @@
           <a:p>
             <a:fld id="{9B5CE6F7-C4EC-48B7-8BA2-B9C971C53599}" type="datetimeFigureOut">
               <a:rPr lang="pl-PL" smtClean="0"/>
-              <a:t>23.01.2022</a:t>
+              <a:t>24.01.2022</a:t>
             </a:fld>
             <a:endParaRPr lang="pl-PL"/>
           </a:p>
@@ -3119,7 +3119,7 @@
           <a:p>
             <a:fld id="{9B5CE6F7-C4EC-48B7-8BA2-B9C971C53599}" type="datetimeFigureOut">
               <a:rPr lang="pl-PL" smtClean="0"/>
-              <a:t>23.01.2022</a:t>
+              <a:t>24.01.2022</a:t>
             </a:fld>
             <a:endParaRPr lang="pl-PL"/>
           </a:p>
@@ -3268,7 +3268,7 @@
           <a:p>
             <a:fld id="{9B5CE6F7-C4EC-48B7-8BA2-B9C971C53599}" type="datetimeFigureOut">
               <a:rPr lang="pl-PL" smtClean="0"/>
-              <a:t>23.01.2022</a:t>
+              <a:t>24.01.2022</a:t>
             </a:fld>
             <a:endParaRPr lang="pl-PL"/>
           </a:p>
@@ -3394,7 +3394,7 @@
           <a:p>
             <a:fld id="{9B5CE6F7-C4EC-48B7-8BA2-B9C971C53599}" type="datetimeFigureOut">
               <a:rPr lang="pl-PL" smtClean="0"/>
-              <a:t>23.01.2022</a:t>
+              <a:t>24.01.2022</a:t>
             </a:fld>
             <a:endParaRPr lang="pl-PL"/>
           </a:p>
@@ -3645,7 +3645,7 @@
           <a:p>
             <a:fld id="{9B5CE6F7-C4EC-48B7-8BA2-B9C971C53599}" type="datetimeFigureOut">
               <a:rPr lang="pl-PL" smtClean="0"/>
-              <a:t>23.01.2022</a:t>
+              <a:t>24.01.2022</a:t>
             </a:fld>
             <a:endParaRPr lang="pl-PL"/>
           </a:p>
@@ -4090,7 +4090,7 @@
           <a:p>
             <a:fld id="{9B5CE6F7-C4EC-48B7-8BA2-B9C971C53599}" type="datetimeFigureOut">
               <a:rPr lang="pl-PL" smtClean="0"/>
-              <a:t>23.01.2022</a:t>
+              <a:t>24.01.2022</a:t>
             </a:fld>
             <a:endParaRPr lang="pl-PL"/>
           </a:p>
@@ -4417,7 +4417,7 @@
           <a:p>
             <a:fld id="{9B5CE6F7-C4EC-48B7-8BA2-B9C971C53599}" type="datetimeFigureOut">
               <a:rPr lang="pl-PL" smtClean="0"/>
-              <a:t>23.01.2022</a:t>
+              <a:t>24.01.2022</a:t>
             </a:fld>
             <a:endParaRPr lang="pl-PL"/>
           </a:p>
@@ -6977,8 +6977,8 @@
         </p:nvSpPr>
         <p:spPr>
           <a:xfrm>
-            <a:off x="1452616" y="962902"/>
-            <a:ext cx="4176384" cy="2380828"/>
+            <a:off x="1452615" y="962902"/>
+            <a:ext cx="4830197" cy="2380828"/>
           </a:xfrm>
         </p:spPr>
         <p:txBody>
@@ -6988,7 +6988,7 @@
           <a:lstStyle/>
           <a:p>
             <a:r>
-              <a:rPr lang="en-US" sz="4800"/>
+              <a:rPr lang="en-US" sz="4800" dirty="0"/>
               <a:t>ANALIZA WYNIKU - LIME </a:t>
             </a:r>
           </a:p>
@@ -9765,8 +9765,8 @@
           </a:p>
         </p:txBody>
       </p:sp>
-      <mc:AlternateContent xmlns:mc="http://schemas.openxmlformats.org/markup-compatibility/2006">
-        <mc:Choice xmlns:a14="http://schemas.microsoft.com/office/drawing/2010/main" Requires="a14">
+      <mc:AlternateContent xmlns:mc="http://schemas.openxmlformats.org/markup-compatibility/2006" xmlns:a14="http://schemas.microsoft.com/office/drawing/2010/main">
+        <mc:Choice Requires="a14">
           <p:sp>
             <p:nvSpPr>
               <p:cNvPr id="3" name="Symbol zastępczy zawartości 2">
@@ -9883,7 +9883,7 @@
             </p:txBody>
           </p:sp>
         </mc:Choice>
-        <mc:Fallback>
+        <mc:Fallback xmlns="">
           <p:sp>
             <p:nvSpPr>
               <p:cNvPr id="3" name="Symbol zastępczy zawartości 2">
